--- a/SF FSharp UG. 2015-04-28/slides.pptx
+++ b/SF FSharp UG. 2015-04-28/slides.pptx
@@ -178,7 +178,7 @@
           <a:noFill/>
           <a:extLst>
             <a:ext uri="{909E8E84-426E-40dd-AFC4-6F175D3DCCD1}">
-              <a14:hiddenFill xmlns:a14="http://schemas.microsoft.com/office/drawing/2010/main" xmlns="">
+              <a14:hiddenFill xmlns="" xmlns:a14="http://schemas.microsoft.com/office/drawing/2010/main">
                 <a:solidFill>
                   <a:srgbClr val="FFFFFF"/>
                 </a:solidFill>
@@ -238,7 +238,7 @@
             </a:ln>
             <a:extLst>
               <a:ext uri="{91240B29-F687-4f45-9708-019B960494DF}">
-                <a14:hiddenLine xmlns:a14="http://schemas.microsoft.com/office/drawing/2010/main" xmlns="" w="9525">
+                <a14:hiddenLine xmlns="" xmlns:a14="http://schemas.microsoft.com/office/drawing/2010/main" w="9525">
                   <a:solidFill>
                     <a:srgbClr val="000000"/>
                   </a:solidFill>
@@ -328,7 +328,7 @@
             </a:ln>
             <a:extLst>
               <a:ext uri="{91240B29-F687-4f45-9708-019B960494DF}">
-                <a14:hiddenLine xmlns:a14="http://schemas.microsoft.com/office/drawing/2010/main" xmlns="" w="9525">
+                <a14:hiddenLine xmlns="" xmlns:a14="http://schemas.microsoft.com/office/drawing/2010/main" w="9525">
                   <a:solidFill>
                     <a:srgbClr val="000000"/>
                   </a:solidFill>
@@ -418,7 +418,7 @@
             </a:ln>
             <a:extLst>
               <a:ext uri="{91240B29-F687-4f45-9708-019B960494DF}">
-                <a14:hiddenLine xmlns:a14="http://schemas.microsoft.com/office/drawing/2010/main" xmlns="" w="9525">
+                <a14:hiddenLine xmlns="" xmlns:a14="http://schemas.microsoft.com/office/drawing/2010/main" w="9525">
                   <a:solidFill>
                     <a:srgbClr val="000000"/>
                   </a:solidFill>
@@ -452,7 +452,7 @@
             </a:ln>
             <a:extLst>
               <a:ext uri="{91240B29-F687-4f45-9708-019B960494DF}">
-                <a14:hiddenLine xmlns:a14="http://schemas.microsoft.com/office/drawing/2010/main" xmlns="" w="9525">
+                <a14:hiddenLine xmlns="" xmlns:a14="http://schemas.microsoft.com/office/drawing/2010/main" w="9525">
                   <a:solidFill>
                     <a:srgbClr val="000000"/>
                   </a:solidFill>
@@ -542,7 +542,7 @@
             </a:ln>
             <a:extLst>
               <a:ext uri="{91240B29-F687-4f45-9708-019B960494DF}">
-                <a14:hiddenLine xmlns:a14="http://schemas.microsoft.com/office/drawing/2010/main" xmlns="" w="9525">
+                <a14:hiddenLine xmlns="" xmlns:a14="http://schemas.microsoft.com/office/drawing/2010/main" w="9525">
                   <a:solidFill>
                     <a:srgbClr val="000000"/>
                   </a:solidFill>
@@ -604,7 +604,7 @@
             </a:ln>
             <a:extLst>
               <a:ext uri="{91240B29-F687-4f45-9708-019B960494DF}">
-                <a14:hiddenLine xmlns:a14="http://schemas.microsoft.com/office/drawing/2010/main" xmlns="" w="9525">
+                <a14:hiddenLine xmlns="" xmlns:a14="http://schemas.microsoft.com/office/drawing/2010/main" w="9525">
                   <a:solidFill>
                     <a:srgbClr val="000000"/>
                   </a:solidFill>
@@ -666,7 +666,7 @@
             </a:ln>
             <a:extLst>
               <a:ext uri="{91240B29-F687-4f45-9708-019B960494DF}">
-                <a14:hiddenLine xmlns:a14="http://schemas.microsoft.com/office/drawing/2010/main" xmlns="" w="9525">
+                <a14:hiddenLine xmlns="" xmlns:a14="http://schemas.microsoft.com/office/drawing/2010/main" w="9525">
                   <a:solidFill>
                     <a:srgbClr val="000000"/>
                   </a:solidFill>
@@ -756,7 +756,7 @@
             </a:ln>
             <a:extLst>
               <a:ext uri="{91240B29-F687-4f45-9708-019B960494DF}">
-                <a14:hiddenLine xmlns:a14="http://schemas.microsoft.com/office/drawing/2010/main" xmlns="" w="9525">
+                <a14:hiddenLine xmlns="" xmlns:a14="http://schemas.microsoft.com/office/drawing/2010/main" w="9525">
                   <a:solidFill>
                     <a:srgbClr val="000000"/>
                   </a:solidFill>
@@ -818,7 +818,7 @@
             </a:ln>
             <a:extLst>
               <a:ext uri="{91240B29-F687-4f45-9708-019B960494DF}">
-                <a14:hiddenLine xmlns:a14="http://schemas.microsoft.com/office/drawing/2010/main" xmlns="" w="9525">
+                <a14:hiddenLine xmlns="" xmlns:a14="http://schemas.microsoft.com/office/drawing/2010/main" w="9525">
                   <a:solidFill>
                     <a:srgbClr val="000000"/>
                   </a:solidFill>
@@ -880,7 +880,7 @@
             </a:ln>
             <a:extLst>
               <a:ext uri="{91240B29-F687-4f45-9708-019B960494DF}">
-                <a14:hiddenLine xmlns:a14="http://schemas.microsoft.com/office/drawing/2010/main" xmlns="" w="9525">
+                <a14:hiddenLine xmlns="" xmlns:a14="http://schemas.microsoft.com/office/drawing/2010/main" w="9525">
                   <a:solidFill>
                     <a:srgbClr val="000000"/>
                   </a:solidFill>
@@ -970,7 +970,7 @@
             </a:ln>
             <a:extLst>
               <a:ext uri="{91240B29-F687-4f45-9708-019B960494DF}">
-                <a14:hiddenLine xmlns:a14="http://schemas.microsoft.com/office/drawing/2010/main" xmlns="" w="9525">
+                <a14:hiddenLine xmlns="" xmlns:a14="http://schemas.microsoft.com/office/drawing/2010/main" w="9525">
                   <a:solidFill>
                     <a:srgbClr val="000000"/>
                   </a:solidFill>
@@ -1060,7 +1060,7 @@
             </a:ln>
             <a:extLst>
               <a:ext uri="{91240B29-F687-4f45-9708-019B960494DF}">
-                <a14:hiddenLine xmlns:a14="http://schemas.microsoft.com/office/drawing/2010/main" xmlns="" w="9525">
+                <a14:hiddenLine xmlns="" xmlns:a14="http://schemas.microsoft.com/office/drawing/2010/main" w="9525">
                   <a:solidFill>
                     <a:srgbClr val="000000"/>
                   </a:solidFill>
@@ -1122,7 +1122,7 @@
             </a:ln>
             <a:extLst>
               <a:ext uri="{91240B29-F687-4f45-9708-019B960494DF}">
-                <a14:hiddenLine xmlns:a14="http://schemas.microsoft.com/office/drawing/2010/main" xmlns="" w="9525">
+                <a14:hiddenLine xmlns="" xmlns:a14="http://schemas.microsoft.com/office/drawing/2010/main" w="9525">
                   <a:solidFill>
                     <a:srgbClr val="000000"/>
                   </a:solidFill>
@@ -1232,7 +1232,7 @@
             </a:ln>
             <a:extLst>
               <a:ext uri="{91240B29-F687-4f45-9708-019B960494DF}">
-                <a14:hiddenLine xmlns:a14="http://schemas.microsoft.com/office/drawing/2010/main" xmlns="" w="9525">
+                <a14:hiddenLine xmlns="" xmlns:a14="http://schemas.microsoft.com/office/drawing/2010/main" w="9525">
                   <a:solidFill>
                     <a:srgbClr val="000000"/>
                   </a:solidFill>
@@ -1294,7 +1294,7 @@
             </a:ln>
             <a:extLst>
               <a:ext uri="{91240B29-F687-4f45-9708-019B960494DF}">
-                <a14:hiddenLine xmlns:a14="http://schemas.microsoft.com/office/drawing/2010/main" xmlns="" w="9525">
+                <a14:hiddenLine xmlns="" xmlns:a14="http://schemas.microsoft.com/office/drawing/2010/main" w="9525">
                   <a:solidFill>
                     <a:srgbClr val="000000"/>
                   </a:solidFill>
@@ -1384,7 +1384,7 @@
             </a:ln>
             <a:extLst>
               <a:ext uri="{91240B29-F687-4f45-9708-019B960494DF}">
-                <a14:hiddenLine xmlns:a14="http://schemas.microsoft.com/office/drawing/2010/main" xmlns="" w="9525">
+                <a14:hiddenLine xmlns="" xmlns:a14="http://schemas.microsoft.com/office/drawing/2010/main" w="9525">
                   <a:solidFill>
                     <a:srgbClr val="000000"/>
                   </a:solidFill>
@@ -1474,7 +1474,7 @@
             </a:ln>
             <a:extLst>
               <a:ext uri="{91240B29-F687-4f45-9708-019B960494DF}">
-                <a14:hiddenLine xmlns:a14="http://schemas.microsoft.com/office/drawing/2010/main" xmlns="" w="9525">
+                <a14:hiddenLine xmlns="" xmlns:a14="http://schemas.microsoft.com/office/drawing/2010/main" w="9525">
                   <a:solidFill>
                     <a:srgbClr val="000000"/>
                   </a:solidFill>
@@ -1536,7 +1536,7 @@
             </a:ln>
             <a:extLst>
               <a:ext uri="{91240B29-F687-4f45-9708-019B960494DF}">
-                <a14:hiddenLine xmlns:a14="http://schemas.microsoft.com/office/drawing/2010/main" xmlns="" w="9525">
+                <a14:hiddenLine xmlns="" xmlns:a14="http://schemas.microsoft.com/office/drawing/2010/main" w="9525">
                   <a:solidFill>
                     <a:srgbClr val="000000"/>
                   </a:solidFill>
@@ -1626,7 +1626,7 @@
             </a:ln>
             <a:extLst>
               <a:ext uri="{91240B29-F687-4f45-9708-019B960494DF}">
-                <a14:hiddenLine xmlns:a14="http://schemas.microsoft.com/office/drawing/2010/main" xmlns="" w="9525">
+                <a14:hiddenLine xmlns="" xmlns:a14="http://schemas.microsoft.com/office/drawing/2010/main" w="9525">
                   <a:solidFill>
                     <a:srgbClr val="000000"/>
                   </a:solidFill>
@@ -1716,7 +1716,7 @@
             </a:ln>
             <a:extLst>
               <a:ext uri="{91240B29-F687-4f45-9708-019B960494DF}">
-                <a14:hiddenLine xmlns:a14="http://schemas.microsoft.com/office/drawing/2010/main" xmlns="" w="9525">
+                <a14:hiddenLine xmlns="" xmlns:a14="http://schemas.microsoft.com/office/drawing/2010/main" w="9525">
                   <a:solidFill>
                     <a:srgbClr val="000000"/>
                   </a:solidFill>
@@ -1772,7 +1772,7 @@
             </a:ln>
             <a:extLst>
               <a:ext uri="{91240B29-F687-4f45-9708-019B960494DF}">
-                <a14:hiddenLine xmlns:a14="http://schemas.microsoft.com/office/drawing/2010/main" xmlns="" w="9525">
+                <a14:hiddenLine xmlns="" xmlns:a14="http://schemas.microsoft.com/office/drawing/2010/main" w="9525">
                   <a:solidFill>
                     <a:srgbClr val="000000"/>
                   </a:solidFill>
@@ -1862,7 +1862,7 @@
             </a:ln>
             <a:extLst>
               <a:ext uri="{91240B29-F687-4f45-9708-019B960494DF}">
-                <a14:hiddenLine xmlns:a14="http://schemas.microsoft.com/office/drawing/2010/main" xmlns="" w="9525">
+                <a14:hiddenLine xmlns="" xmlns:a14="http://schemas.microsoft.com/office/drawing/2010/main" w="9525">
                   <a:solidFill>
                     <a:srgbClr val="000000"/>
                   </a:solidFill>
@@ -1918,7 +1918,7 @@
             </a:ln>
             <a:extLst>
               <a:ext uri="{91240B29-F687-4f45-9708-019B960494DF}">
-                <a14:hiddenLine xmlns:a14="http://schemas.microsoft.com/office/drawing/2010/main" xmlns="" w="9525">
+                <a14:hiddenLine xmlns="" xmlns:a14="http://schemas.microsoft.com/office/drawing/2010/main" w="9525">
                   <a:solidFill>
                     <a:srgbClr val="000000"/>
                   </a:solidFill>
@@ -2008,7 +2008,7 @@
             </a:ln>
             <a:extLst>
               <a:ext uri="{91240B29-F687-4f45-9708-019B960494DF}">
-                <a14:hiddenLine xmlns:a14="http://schemas.microsoft.com/office/drawing/2010/main" xmlns="" w="9525">
+                <a14:hiddenLine xmlns="" xmlns:a14="http://schemas.microsoft.com/office/drawing/2010/main" w="9525">
                   <a:solidFill>
                     <a:srgbClr val="000000"/>
                   </a:solidFill>
@@ -2076,7 +2076,7 @@
             </a:ln>
             <a:extLst>
               <a:ext uri="{91240B29-F687-4f45-9708-019B960494DF}">
-                <a14:hiddenLine xmlns:a14="http://schemas.microsoft.com/office/drawing/2010/main" xmlns="" w="9525">
+                <a14:hiddenLine xmlns="" xmlns:a14="http://schemas.microsoft.com/office/drawing/2010/main" w="9525">
                   <a:solidFill>
                     <a:srgbClr val="000000"/>
                   </a:solidFill>
@@ -2166,7 +2166,7 @@
             </a:ln>
             <a:extLst>
               <a:ext uri="{91240B29-F687-4f45-9708-019B960494DF}">
-                <a14:hiddenLine xmlns:a14="http://schemas.microsoft.com/office/drawing/2010/main" xmlns="" w="9525">
+                <a14:hiddenLine xmlns="" xmlns:a14="http://schemas.microsoft.com/office/drawing/2010/main" w="9525">
                   <a:solidFill>
                     <a:srgbClr val="000000"/>
                   </a:solidFill>
@@ -2234,7 +2234,7 @@
             </a:ln>
             <a:extLst>
               <a:ext uri="{91240B29-F687-4f45-9708-019B960494DF}">
-                <a14:hiddenLine xmlns:a14="http://schemas.microsoft.com/office/drawing/2010/main" xmlns="" w="9525">
+                <a14:hiddenLine xmlns="" xmlns:a14="http://schemas.microsoft.com/office/drawing/2010/main" w="9525">
                   <a:solidFill>
                     <a:srgbClr val="000000"/>
                   </a:solidFill>
@@ -2324,7 +2324,7 @@
             </a:ln>
             <a:extLst>
               <a:ext uri="{91240B29-F687-4f45-9708-019B960494DF}">
-                <a14:hiddenLine xmlns:a14="http://schemas.microsoft.com/office/drawing/2010/main" xmlns="" w="9525">
+                <a14:hiddenLine xmlns="" xmlns:a14="http://schemas.microsoft.com/office/drawing/2010/main" w="9525">
                   <a:solidFill>
                     <a:srgbClr val="000000"/>
                   </a:solidFill>
@@ -2358,7 +2358,7 @@
             </a:ln>
             <a:extLst>
               <a:ext uri="{91240B29-F687-4f45-9708-019B960494DF}">
-                <a14:hiddenLine xmlns:a14="http://schemas.microsoft.com/office/drawing/2010/main" xmlns="" w="9525">
+                <a14:hiddenLine xmlns="" xmlns:a14="http://schemas.microsoft.com/office/drawing/2010/main" w="9525">
                   <a:solidFill>
                     <a:srgbClr val="000000"/>
                   </a:solidFill>
@@ -2448,7 +2448,7 @@
             </a:ln>
             <a:extLst>
               <a:ext uri="{91240B29-F687-4f45-9708-019B960494DF}">
-                <a14:hiddenLine xmlns:a14="http://schemas.microsoft.com/office/drawing/2010/main" xmlns="" w="9525">
+                <a14:hiddenLine xmlns="" xmlns:a14="http://schemas.microsoft.com/office/drawing/2010/main" w="9525">
                   <a:solidFill>
                     <a:srgbClr val="000000"/>
                   </a:solidFill>
@@ -2510,7 +2510,7 @@
             </a:ln>
             <a:extLst>
               <a:ext uri="{91240B29-F687-4f45-9708-019B960494DF}">
-                <a14:hiddenLine xmlns:a14="http://schemas.microsoft.com/office/drawing/2010/main" xmlns="" w="9525">
+                <a14:hiddenLine xmlns="" xmlns:a14="http://schemas.microsoft.com/office/drawing/2010/main" w="9525">
                   <a:solidFill>
                     <a:srgbClr val="000000"/>
                   </a:solidFill>
@@ -2572,7 +2572,7 @@
             </a:ln>
             <a:extLst>
               <a:ext uri="{91240B29-F687-4f45-9708-019B960494DF}">
-                <a14:hiddenLine xmlns:a14="http://schemas.microsoft.com/office/drawing/2010/main" xmlns="" w="9525">
+                <a14:hiddenLine xmlns="" xmlns:a14="http://schemas.microsoft.com/office/drawing/2010/main" w="9525">
                   <a:solidFill>
                     <a:srgbClr val="000000"/>
                   </a:solidFill>
@@ -2662,7 +2662,7 @@
             </a:ln>
             <a:extLst>
               <a:ext uri="{91240B29-F687-4f45-9708-019B960494DF}">
-                <a14:hiddenLine xmlns:a14="http://schemas.microsoft.com/office/drawing/2010/main" xmlns="" w="9525">
+                <a14:hiddenLine xmlns="" xmlns:a14="http://schemas.microsoft.com/office/drawing/2010/main" w="9525">
                   <a:solidFill>
                     <a:srgbClr val="000000"/>
                   </a:solidFill>
@@ -2730,7 +2730,7 @@
             </a:ln>
             <a:extLst>
               <a:ext uri="{91240B29-F687-4f45-9708-019B960494DF}">
-                <a14:hiddenLine xmlns:a14="http://schemas.microsoft.com/office/drawing/2010/main" xmlns="" w="9525">
+                <a14:hiddenLine xmlns="" xmlns:a14="http://schemas.microsoft.com/office/drawing/2010/main" w="9525">
                   <a:solidFill>
                     <a:srgbClr val="000000"/>
                   </a:solidFill>
@@ -2792,7 +2792,7 @@
             </a:ln>
             <a:extLst>
               <a:ext uri="{91240B29-F687-4f45-9708-019B960494DF}">
-                <a14:hiddenLine xmlns:a14="http://schemas.microsoft.com/office/drawing/2010/main" xmlns="" w="9525">
+                <a14:hiddenLine xmlns="" xmlns:a14="http://schemas.microsoft.com/office/drawing/2010/main" w="9525">
                   <a:solidFill>
                     <a:srgbClr val="000000"/>
                   </a:solidFill>
@@ -2882,7 +2882,7 @@
             </a:ln>
             <a:extLst>
               <a:ext uri="{91240B29-F687-4f45-9708-019B960494DF}">
-                <a14:hiddenLine xmlns:a14="http://schemas.microsoft.com/office/drawing/2010/main" xmlns="" w="9525">
+                <a14:hiddenLine xmlns="" xmlns:a14="http://schemas.microsoft.com/office/drawing/2010/main" w="9525">
                   <a:solidFill>
                     <a:srgbClr val="000000"/>
                   </a:solidFill>
@@ -2944,7 +2944,7 @@
             </a:ln>
             <a:extLst>
               <a:ext uri="{91240B29-F687-4f45-9708-019B960494DF}">
-                <a14:hiddenLine xmlns:a14="http://schemas.microsoft.com/office/drawing/2010/main" xmlns="" w="9525">
+                <a14:hiddenLine xmlns="" xmlns:a14="http://schemas.microsoft.com/office/drawing/2010/main" w="9525">
                   <a:solidFill>
                     <a:srgbClr val="000000"/>
                   </a:solidFill>
@@ -3034,7 +3034,7 @@
             </a:ln>
             <a:extLst>
               <a:ext uri="{91240B29-F687-4f45-9708-019B960494DF}">
-                <a14:hiddenLine xmlns:a14="http://schemas.microsoft.com/office/drawing/2010/main" xmlns="" w="9525">
+                <a14:hiddenLine xmlns="" xmlns:a14="http://schemas.microsoft.com/office/drawing/2010/main" w="9525">
                   <a:solidFill>
                     <a:srgbClr val="000000"/>
                   </a:solidFill>
@@ -3096,7 +3096,7 @@
             </a:ln>
             <a:extLst>
               <a:ext uri="{91240B29-F687-4f45-9708-019B960494DF}">
-                <a14:hiddenLine xmlns:a14="http://schemas.microsoft.com/office/drawing/2010/main" xmlns="" w="9525">
+                <a14:hiddenLine xmlns="" xmlns:a14="http://schemas.microsoft.com/office/drawing/2010/main" w="9525">
                   <a:solidFill>
                     <a:srgbClr val="000000"/>
                   </a:solidFill>
@@ -3186,7 +3186,7 @@
             </a:ln>
             <a:extLst>
               <a:ext uri="{91240B29-F687-4f45-9708-019B960494DF}">
-                <a14:hiddenLine xmlns:a14="http://schemas.microsoft.com/office/drawing/2010/main" xmlns="" w="9525">
+                <a14:hiddenLine xmlns="" xmlns:a14="http://schemas.microsoft.com/office/drawing/2010/main" w="9525">
                   <a:solidFill>
                     <a:srgbClr val="000000"/>
                   </a:solidFill>
@@ -3220,7 +3220,7 @@
             </a:ln>
             <a:extLst>
               <a:ext uri="{91240B29-F687-4f45-9708-019B960494DF}">
-                <a14:hiddenLine xmlns:a14="http://schemas.microsoft.com/office/drawing/2010/main" xmlns="" w="9525">
+                <a14:hiddenLine xmlns="" xmlns:a14="http://schemas.microsoft.com/office/drawing/2010/main" w="9525">
                   <a:solidFill>
                     <a:srgbClr val="000000"/>
                   </a:solidFill>
@@ -3285,7 +3285,7 @@
             </a:ln>
             <a:extLst>
               <a:ext uri="{91240B29-F687-4f45-9708-019B960494DF}">
-                <a14:hiddenLine xmlns:a14="http://schemas.microsoft.com/office/drawing/2010/main" xmlns="" w="9525">
+                <a14:hiddenLine xmlns="" xmlns:a14="http://schemas.microsoft.com/office/drawing/2010/main" w="9525">
                   <a:solidFill>
                     <a:srgbClr val="000000"/>
                   </a:solidFill>
@@ -3375,7 +3375,7 @@
             </a:ln>
             <a:extLst>
               <a:ext uri="{91240B29-F687-4f45-9708-019B960494DF}">
-                <a14:hiddenLine xmlns:a14="http://schemas.microsoft.com/office/drawing/2010/main" xmlns="" w="9525">
+                <a14:hiddenLine xmlns="" xmlns:a14="http://schemas.microsoft.com/office/drawing/2010/main" w="9525">
                   <a:solidFill>
                     <a:srgbClr val="000000"/>
                   </a:solidFill>
@@ -3437,7 +3437,7 @@
             </a:ln>
             <a:extLst>
               <a:ext uri="{91240B29-F687-4f45-9708-019B960494DF}">
-                <a14:hiddenLine xmlns:a14="http://schemas.microsoft.com/office/drawing/2010/main" xmlns="" w="9525">
+                <a14:hiddenLine xmlns="" xmlns:a14="http://schemas.microsoft.com/office/drawing/2010/main" w="9525">
                   <a:solidFill>
                     <a:srgbClr val="000000"/>
                   </a:solidFill>
@@ -3527,7 +3527,7 @@
             </a:ln>
             <a:extLst>
               <a:ext uri="{91240B29-F687-4f45-9708-019B960494DF}">
-                <a14:hiddenLine xmlns:a14="http://schemas.microsoft.com/office/drawing/2010/main" xmlns="" w="9525">
+                <a14:hiddenLine xmlns="" xmlns:a14="http://schemas.microsoft.com/office/drawing/2010/main" w="9525">
                   <a:solidFill>
                     <a:srgbClr val="000000"/>
                   </a:solidFill>
@@ -3617,7 +3617,7 @@
             </a:ln>
             <a:extLst>
               <a:ext uri="{91240B29-F687-4f45-9708-019B960494DF}">
-                <a14:hiddenLine xmlns:a14="http://schemas.microsoft.com/office/drawing/2010/main" xmlns="" w="9525">
+                <a14:hiddenLine xmlns="" xmlns:a14="http://schemas.microsoft.com/office/drawing/2010/main" w="9525">
                   <a:solidFill>
                     <a:srgbClr val="000000"/>
                   </a:solidFill>
@@ -3682,7 +3682,7 @@
             </a:ln>
             <a:extLst>
               <a:ext uri="{91240B29-F687-4f45-9708-019B960494DF}">
-                <a14:hiddenLine xmlns:a14="http://schemas.microsoft.com/office/drawing/2010/main" xmlns="" w="9525">
+                <a14:hiddenLine xmlns="" xmlns:a14="http://schemas.microsoft.com/office/drawing/2010/main" w="9525">
                   <a:solidFill>
                     <a:srgbClr val="000000"/>
                   </a:solidFill>
@@ -3744,7 +3744,7 @@
             </a:ln>
             <a:extLst>
               <a:ext uri="{91240B29-F687-4f45-9708-019B960494DF}">
-                <a14:hiddenLine xmlns:a14="http://schemas.microsoft.com/office/drawing/2010/main" xmlns="" w="9525">
+                <a14:hiddenLine xmlns="" xmlns:a14="http://schemas.microsoft.com/office/drawing/2010/main" w="9525">
                   <a:solidFill>
                     <a:srgbClr val="000000"/>
                   </a:solidFill>
@@ -3834,7 +3834,7 @@
             </a:ln>
             <a:extLst>
               <a:ext uri="{91240B29-F687-4f45-9708-019B960494DF}">
-                <a14:hiddenLine xmlns:a14="http://schemas.microsoft.com/office/drawing/2010/main" xmlns="" w="9525">
+                <a14:hiddenLine xmlns="" xmlns:a14="http://schemas.microsoft.com/office/drawing/2010/main" w="9525">
                   <a:solidFill>
                     <a:srgbClr val="000000"/>
                   </a:solidFill>
@@ -3924,7 +3924,7 @@
             </a:ln>
             <a:extLst>
               <a:ext uri="{91240B29-F687-4f45-9708-019B960494DF}">
-                <a14:hiddenLine xmlns:a14="http://schemas.microsoft.com/office/drawing/2010/main" xmlns="" w="9525">
+                <a14:hiddenLine xmlns="" xmlns:a14="http://schemas.microsoft.com/office/drawing/2010/main" w="9525">
                   <a:solidFill>
                     <a:srgbClr val="000000"/>
                   </a:solidFill>
@@ -3986,7 +3986,7 @@
             </a:ln>
             <a:extLst>
               <a:ext uri="{91240B29-F687-4f45-9708-019B960494DF}">
-                <a14:hiddenLine xmlns:a14="http://schemas.microsoft.com/office/drawing/2010/main" xmlns="" w="9525">
+                <a14:hiddenLine xmlns="" xmlns:a14="http://schemas.microsoft.com/office/drawing/2010/main" w="9525">
                   <a:solidFill>
                     <a:srgbClr val="000000"/>
                   </a:solidFill>
@@ -4106,7 +4106,7 @@
             </a:ln>
             <a:extLst>
               <a:ext uri="{91240B29-F687-4f45-9708-019B960494DF}">
-                <a14:hiddenLine xmlns:a14="http://schemas.microsoft.com/office/drawing/2010/main" xmlns="" w="9525">
+                <a14:hiddenLine xmlns="" xmlns:a14="http://schemas.microsoft.com/office/drawing/2010/main" w="9525">
                   <a:solidFill>
                     <a:srgbClr val="000000"/>
                   </a:solidFill>
@@ -4174,7 +4174,7 @@
             </a:ln>
             <a:extLst>
               <a:ext uri="{91240B29-F687-4f45-9708-019B960494DF}">
-                <a14:hiddenLine xmlns:a14="http://schemas.microsoft.com/office/drawing/2010/main" xmlns="" w="9525">
+                <a14:hiddenLine xmlns="" xmlns:a14="http://schemas.microsoft.com/office/drawing/2010/main" w="9525">
                   <a:solidFill>
                     <a:srgbClr val="000000"/>
                   </a:solidFill>
@@ -4264,7 +4264,7 @@
             </a:ln>
             <a:extLst>
               <a:ext uri="{91240B29-F687-4f45-9708-019B960494DF}">
-                <a14:hiddenLine xmlns:a14="http://schemas.microsoft.com/office/drawing/2010/main" xmlns="" w="9525">
+                <a14:hiddenLine xmlns="" xmlns:a14="http://schemas.microsoft.com/office/drawing/2010/main" w="9525">
                   <a:solidFill>
                     <a:srgbClr val="000000"/>
                   </a:solidFill>
@@ -4405,7 +4405,7 @@
             <a:fld id="{B61BEF0D-F0BB-DE4B-95CE-6DB70DBA9567}" type="datetimeFigureOut">
               <a:rPr lang="en-US" smtClean="0"/>
               <a:pPr/>
-              <a:t>4/23/2015</a:t>
+              <a:t>4/24/2015</a:t>
             </a:fld>
             <a:endParaRPr lang="en-US" dirty="0"/>
           </a:p>
@@ -4674,7 +4674,7 @@
             <a:fld id="{B61BEF0D-F0BB-DE4B-95CE-6DB70DBA9567}" type="datetimeFigureOut">
               <a:rPr lang="en-US" smtClean="0"/>
               <a:pPr/>
-              <a:t>4/23/2015</a:t>
+              <a:t>4/24/2015</a:t>
             </a:fld>
             <a:endParaRPr lang="en-US" dirty="0"/>
           </a:p>
@@ -4872,7 +4872,7 @@
             <a:fld id="{B61BEF0D-F0BB-DE4B-95CE-6DB70DBA9567}" type="datetimeFigureOut">
               <a:rPr lang="en-US" smtClean="0"/>
               <a:pPr/>
-              <a:t>4/23/2015</a:t>
+              <a:t>4/24/2015</a:t>
             </a:fld>
             <a:endParaRPr lang="en-US" dirty="0"/>
           </a:p>
@@ -5137,7 +5137,7 @@
             <a:fld id="{B61BEF0D-F0BB-DE4B-95CE-6DB70DBA9567}" type="datetimeFigureOut">
               <a:rPr lang="en-US" smtClean="0"/>
               <a:pPr/>
-              <a:t>4/23/2015</a:t>
+              <a:t>4/24/2015</a:t>
             </a:fld>
             <a:endParaRPr lang="en-US" dirty="0"/>
           </a:p>
@@ -5573,7 +5573,7 @@
             <a:fld id="{B61BEF0D-F0BB-DE4B-95CE-6DB70DBA9567}" type="datetimeFigureOut">
               <a:rPr lang="en-US" smtClean="0"/>
               <a:pPr/>
-              <a:t>4/23/2015</a:t>
+              <a:t>4/24/2015</a:t>
             </a:fld>
             <a:endParaRPr lang="en-US" dirty="0"/>
           </a:p>
@@ -6121,7 +6121,7 @@
             <a:fld id="{B61BEF0D-F0BB-DE4B-95CE-6DB70DBA9567}" type="datetimeFigureOut">
               <a:rPr lang="en-US" smtClean="0"/>
               <a:pPr/>
-              <a:t>4/23/2015</a:t>
+              <a:t>4/24/2015</a:t>
             </a:fld>
             <a:endParaRPr lang="en-US" dirty="0"/>
           </a:p>
@@ -6843,7 +6843,7 @@
             <a:fld id="{B61BEF0D-F0BB-DE4B-95CE-6DB70DBA9567}" type="datetimeFigureOut">
               <a:rPr lang="en-US" smtClean="0"/>
               <a:pPr/>
-              <a:t>4/23/2015</a:t>
+              <a:t>4/24/2015</a:t>
             </a:fld>
             <a:endParaRPr lang="en-US" dirty="0"/>
           </a:p>
@@ -7015,7 +7015,7 @@
             <a:fld id="{B61BEF0D-F0BB-DE4B-95CE-6DB70DBA9567}" type="datetimeFigureOut">
               <a:rPr lang="en-US" smtClean="0"/>
               <a:pPr/>
-              <a:t>4/23/2015</a:t>
+              <a:t>4/24/2015</a:t>
             </a:fld>
             <a:endParaRPr lang="en-US" dirty="0"/>
           </a:p>
@@ -7197,7 +7197,7 @@
             <a:fld id="{B61BEF0D-F0BB-DE4B-95CE-6DB70DBA9567}" type="datetimeFigureOut">
               <a:rPr lang="en-US" smtClean="0"/>
               <a:pPr/>
-              <a:t>4/23/2015</a:t>
+              <a:t>4/24/2015</a:t>
             </a:fld>
             <a:endParaRPr lang="en-US" dirty="0"/>
           </a:p>
@@ -7369,7 +7369,7 @@
             <a:fld id="{B61BEF0D-F0BB-DE4B-95CE-6DB70DBA9567}" type="datetimeFigureOut">
               <a:rPr lang="en-US" smtClean="0"/>
               <a:pPr/>
-              <a:t>4/23/2015</a:t>
+              <a:t>4/24/2015</a:t>
             </a:fld>
             <a:endParaRPr lang="en-US" dirty="0"/>
           </a:p>
@@ -7621,7 +7621,7 @@
             <a:fld id="{B61BEF0D-F0BB-DE4B-95CE-6DB70DBA9567}" type="datetimeFigureOut">
               <a:rPr lang="en-US" smtClean="0"/>
               <a:pPr/>
-              <a:t>4/23/2015</a:t>
+              <a:t>4/24/2015</a:t>
             </a:fld>
             <a:endParaRPr lang="en-US" dirty="0"/>
           </a:p>
@@ -7855,7 +7855,7 @@
             <a:fld id="{B61BEF0D-F0BB-DE4B-95CE-6DB70DBA9567}" type="datetimeFigureOut">
               <a:rPr lang="en-US" smtClean="0"/>
               <a:pPr/>
-              <a:t>4/23/2015</a:t>
+              <a:t>4/24/2015</a:t>
             </a:fld>
             <a:endParaRPr lang="en-US" dirty="0"/>
           </a:p>
@@ -8238,7 +8238,7 @@
             <a:fld id="{B61BEF0D-F0BB-DE4B-95CE-6DB70DBA9567}" type="datetimeFigureOut">
               <a:rPr lang="en-US" smtClean="0"/>
               <a:pPr/>
-              <a:t>4/23/2015</a:t>
+              <a:t>4/24/2015</a:t>
             </a:fld>
             <a:endParaRPr lang="en-US" dirty="0"/>
           </a:p>
@@ -8358,7 +8358,7 @@
             <a:fld id="{B61BEF0D-F0BB-DE4B-95CE-6DB70DBA9567}" type="datetimeFigureOut">
               <a:rPr lang="en-US" smtClean="0"/>
               <a:pPr/>
-              <a:t>4/23/2015</a:t>
+              <a:t>4/24/2015</a:t>
             </a:fld>
             <a:endParaRPr lang="en-US" dirty="0"/>
           </a:p>
@@ -8455,7 +8455,7 @@
             <a:fld id="{B61BEF0D-F0BB-DE4B-95CE-6DB70DBA9567}" type="datetimeFigureOut">
               <a:rPr lang="en-US" smtClean="0"/>
               <a:pPr/>
-              <a:t>4/23/2015</a:t>
+              <a:t>4/24/2015</a:t>
             </a:fld>
             <a:endParaRPr lang="en-US" dirty="0"/>
           </a:p>
@@ -8706,7 +8706,7 @@
             <a:fld id="{B61BEF0D-F0BB-DE4B-95CE-6DB70DBA9567}" type="datetimeFigureOut">
               <a:rPr lang="en-US" smtClean="0"/>
               <a:pPr/>
-              <a:t>4/23/2015</a:t>
+              <a:t>4/24/2015</a:t>
             </a:fld>
             <a:endParaRPr lang="en-US" dirty="0"/>
           </a:p>
@@ -8988,7 +8988,7 @@
             <a:fld id="{B61BEF0D-F0BB-DE4B-95CE-6DB70DBA9567}" type="datetimeFigureOut">
               <a:rPr lang="en-US" smtClean="0"/>
               <a:pPr/>
-              <a:t>4/23/2015</a:t>
+              <a:t>4/24/2015</a:t>
             </a:fld>
             <a:endParaRPr lang="en-US" dirty="0"/>
           </a:p>
@@ -9105,7 +9105,7 @@
           <a:noFill/>
           <a:extLst>
             <a:ext uri="{909E8E84-426E-40dd-AFC4-6F175D3DCCD1}">
-              <a14:hiddenFill xmlns:a14="http://schemas.microsoft.com/office/drawing/2010/main" xmlns="">
+              <a14:hiddenFill xmlns="" xmlns:a14="http://schemas.microsoft.com/office/drawing/2010/main">
                 <a:solidFill>
                   <a:srgbClr val="FFFFFF"/>
                 </a:solidFill>
@@ -9179,7 +9179,7 @@
               </a:ln>
               <a:extLst>
                 <a:ext uri="{91240B29-F687-4f45-9708-019B960494DF}">
-                  <a14:hiddenLine xmlns:a14="http://schemas.microsoft.com/office/drawing/2010/main" xmlns="" w="9525">
+                  <a14:hiddenLine xmlns="" xmlns:a14="http://schemas.microsoft.com/office/drawing/2010/main" w="9525">
                     <a:solidFill>
                       <a:srgbClr val="000000"/>
                     </a:solidFill>
@@ -9269,7 +9269,7 @@
               </a:ln>
               <a:extLst>
                 <a:ext uri="{91240B29-F687-4f45-9708-019B960494DF}">
-                  <a14:hiddenLine xmlns:a14="http://schemas.microsoft.com/office/drawing/2010/main" xmlns="" w="9525">
+                  <a14:hiddenLine xmlns="" xmlns:a14="http://schemas.microsoft.com/office/drawing/2010/main" w="9525">
                     <a:solidFill>
                       <a:srgbClr val="000000"/>
                     </a:solidFill>
@@ -9359,7 +9359,7 @@
               </a:ln>
               <a:extLst>
                 <a:ext uri="{91240B29-F687-4f45-9708-019B960494DF}">
-                  <a14:hiddenLine xmlns:a14="http://schemas.microsoft.com/office/drawing/2010/main" xmlns="" w="9525">
+                  <a14:hiddenLine xmlns="" xmlns:a14="http://schemas.microsoft.com/office/drawing/2010/main" w="9525">
                     <a:solidFill>
                       <a:srgbClr val="000000"/>
                     </a:solidFill>
@@ -9421,7 +9421,7 @@
               </a:ln>
               <a:extLst>
                 <a:ext uri="{91240B29-F687-4f45-9708-019B960494DF}">
-                  <a14:hiddenLine xmlns:a14="http://schemas.microsoft.com/office/drawing/2010/main" xmlns="" w="9525">
+                  <a14:hiddenLine xmlns="" xmlns:a14="http://schemas.microsoft.com/office/drawing/2010/main" w="9525">
                     <a:solidFill>
                       <a:srgbClr val="000000"/>
                     </a:solidFill>
@@ -9511,7 +9511,7 @@
               </a:ln>
               <a:extLst>
                 <a:ext uri="{91240B29-F687-4f45-9708-019B960494DF}">
-                  <a14:hiddenLine xmlns:a14="http://schemas.microsoft.com/office/drawing/2010/main" xmlns="" w="9525">
+                  <a14:hiddenLine xmlns="" xmlns:a14="http://schemas.microsoft.com/office/drawing/2010/main" w="9525">
                     <a:solidFill>
                       <a:srgbClr val="000000"/>
                     </a:solidFill>
@@ -9573,7 +9573,7 @@
               </a:ln>
               <a:extLst>
                 <a:ext uri="{91240B29-F687-4f45-9708-019B960494DF}">
-                  <a14:hiddenLine xmlns:a14="http://schemas.microsoft.com/office/drawing/2010/main" xmlns="" w="9525">
+                  <a14:hiddenLine xmlns="" xmlns:a14="http://schemas.microsoft.com/office/drawing/2010/main" w="9525">
                     <a:solidFill>
                       <a:srgbClr val="000000"/>
                     </a:solidFill>
@@ -9635,7 +9635,7 @@
               </a:ln>
               <a:extLst>
                 <a:ext uri="{91240B29-F687-4f45-9708-019B960494DF}">
-                  <a14:hiddenLine xmlns:a14="http://schemas.microsoft.com/office/drawing/2010/main" xmlns="" w="9525">
+                  <a14:hiddenLine xmlns="" xmlns:a14="http://schemas.microsoft.com/office/drawing/2010/main" w="9525">
                     <a:solidFill>
                       <a:srgbClr val="000000"/>
                     </a:solidFill>
@@ -9725,7 +9725,7 @@
               </a:ln>
               <a:extLst>
                 <a:ext uri="{91240B29-F687-4f45-9708-019B960494DF}">
-                  <a14:hiddenLine xmlns:a14="http://schemas.microsoft.com/office/drawing/2010/main" xmlns="" w="9525">
+                  <a14:hiddenLine xmlns="" xmlns:a14="http://schemas.microsoft.com/office/drawing/2010/main" w="9525">
                     <a:solidFill>
                       <a:srgbClr val="000000"/>
                     </a:solidFill>
@@ -9815,7 +9815,7 @@
               </a:ln>
               <a:extLst>
                 <a:ext uri="{91240B29-F687-4f45-9708-019B960494DF}">
-                  <a14:hiddenLine xmlns:a14="http://schemas.microsoft.com/office/drawing/2010/main" xmlns="" w="9525">
+                  <a14:hiddenLine xmlns="" xmlns:a14="http://schemas.microsoft.com/office/drawing/2010/main" w="9525">
                     <a:solidFill>
                       <a:srgbClr val="000000"/>
                     </a:solidFill>
@@ -9877,7 +9877,7 @@
               </a:ln>
               <a:extLst>
                 <a:ext uri="{91240B29-F687-4f45-9708-019B960494DF}">
-                  <a14:hiddenLine xmlns:a14="http://schemas.microsoft.com/office/drawing/2010/main" xmlns="" w="9525">
+                  <a14:hiddenLine xmlns="" xmlns:a14="http://schemas.microsoft.com/office/drawing/2010/main" w="9525">
                     <a:solidFill>
                       <a:srgbClr val="000000"/>
                     </a:solidFill>
@@ -9987,7 +9987,7 @@
               </a:ln>
               <a:extLst>
                 <a:ext uri="{91240B29-F687-4f45-9708-019B960494DF}">
-                  <a14:hiddenLine xmlns:a14="http://schemas.microsoft.com/office/drawing/2010/main" xmlns="" w="9525">
+                  <a14:hiddenLine xmlns="" xmlns:a14="http://schemas.microsoft.com/office/drawing/2010/main" w="9525">
                     <a:solidFill>
                       <a:srgbClr val="000000"/>
                     </a:solidFill>
@@ -10071,7 +10071,7 @@
               </a:ln>
               <a:extLst>
                 <a:ext uri="{91240B29-F687-4f45-9708-019B960494DF}">
-                  <a14:hiddenLine xmlns:a14="http://schemas.microsoft.com/office/drawing/2010/main" xmlns="" w="9525">
+                  <a14:hiddenLine xmlns="" xmlns:a14="http://schemas.microsoft.com/office/drawing/2010/main" w="9525">
                     <a:solidFill>
                       <a:srgbClr val="000000"/>
                     </a:solidFill>
@@ -10133,7 +10133,7 @@
               </a:ln>
               <a:extLst>
                 <a:ext uri="{91240B29-F687-4f45-9708-019B960494DF}">
-                  <a14:hiddenLine xmlns:a14="http://schemas.microsoft.com/office/drawing/2010/main" xmlns="" w="9525">
+                  <a14:hiddenLine xmlns="" xmlns:a14="http://schemas.microsoft.com/office/drawing/2010/main" w="9525">
                     <a:solidFill>
                       <a:srgbClr val="000000"/>
                     </a:solidFill>
@@ -10195,7 +10195,7 @@
               </a:ln>
               <a:extLst>
                 <a:ext uri="{91240B29-F687-4f45-9708-019B960494DF}">
-                  <a14:hiddenLine xmlns:a14="http://schemas.microsoft.com/office/drawing/2010/main" xmlns="" w="9525">
+                  <a14:hiddenLine xmlns="" xmlns:a14="http://schemas.microsoft.com/office/drawing/2010/main" w="9525">
                     <a:solidFill>
                       <a:srgbClr val="000000"/>
                     </a:solidFill>
@@ -10285,7 +10285,7 @@
               </a:ln>
               <a:extLst>
                 <a:ext uri="{91240B29-F687-4f45-9708-019B960494DF}">
-                  <a14:hiddenLine xmlns:a14="http://schemas.microsoft.com/office/drawing/2010/main" xmlns="" w="9525">
+                  <a14:hiddenLine xmlns="" xmlns:a14="http://schemas.microsoft.com/office/drawing/2010/main" w="9525">
                     <a:solidFill>
                       <a:srgbClr val="000000"/>
                     </a:solidFill>
@@ -10319,7 +10319,7 @@
               </a:ln>
               <a:extLst>
                 <a:ext uri="{91240B29-F687-4f45-9708-019B960494DF}">
-                  <a14:hiddenLine xmlns:a14="http://schemas.microsoft.com/office/drawing/2010/main" xmlns="" w="9525">
+                  <a14:hiddenLine xmlns="" xmlns:a14="http://schemas.microsoft.com/office/drawing/2010/main" w="9525">
                     <a:solidFill>
                       <a:srgbClr val="000000"/>
                     </a:solidFill>
@@ -10384,7 +10384,7 @@
               </a:ln>
               <a:extLst>
                 <a:ext uri="{91240B29-F687-4f45-9708-019B960494DF}">
-                  <a14:hiddenLine xmlns:a14="http://schemas.microsoft.com/office/drawing/2010/main" xmlns="" w="9525">
+                  <a14:hiddenLine xmlns="" xmlns:a14="http://schemas.microsoft.com/office/drawing/2010/main" w="9525">
                     <a:solidFill>
                       <a:srgbClr val="000000"/>
                     </a:solidFill>
@@ -10474,7 +10474,7 @@
               </a:ln>
               <a:extLst>
                 <a:ext uri="{91240B29-F687-4f45-9708-019B960494DF}">
-                  <a14:hiddenLine xmlns:a14="http://schemas.microsoft.com/office/drawing/2010/main" xmlns="" w="9525">
+                  <a14:hiddenLine xmlns="" xmlns:a14="http://schemas.microsoft.com/office/drawing/2010/main" w="9525">
                     <a:solidFill>
                       <a:srgbClr val="000000"/>
                     </a:solidFill>
@@ -10536,7 +10536,7 @@
               </a:ln>
               <a:extLst>
                 <a:ext uri="{91240B29-F687-4f45-9708-019B960494DF}">
-                  <a14:hiddenLine xmlns:a14="http://schemas.microsoft.com/office/drawing/2010/main" xmlns="" w="9525">
+                  <a14:hiddenLine xmlns="" xmlns:a14="http://schemas.microsoft.com/office/drawing/2010/main" w="9525">
                     <a:solidFill>
                       <a:srgbClr val="000000"/>
                     </a:solidFill>
@@ -10626,7 +10626,7 @@
               </a:ln>
               <a:extLst>
                 <a:ext uri="{91240B29-F687-4f45-9708-019B960494DF}">
-                  <a14:hiddenLine xmlns:a14="http://schemas.microsoft.com/office/drawing/2010/main" xmlns="" w="9525">
+                  <a14:hiddenLine xmlns="" xmlns:a14="http://schemas.microsoft.com/office/drawing/2010/main" w="9525">
                     <a:solidFill>
                       <a:srgbClr val="000000"/>
                     </a:solidFill>
@@ -10691,7 +10691,7 @@
               </a:ln>
               <a:extLst>
                 <a:ext uri="{91240B29-F687-4f45-9708-019B960494DF}">
-                  <a14:hiddenLine xmlns:a14="http://schemas.microsoft.com/office/drawing/2010/main" xmlns="" w="9525">
+                  <a14:hiddenLine xmlns="" xmlns:a14="http://schemas.microsoft.com/office/drawing/2010/main" w="9525">
                     <a:solidFill>
                       <a:srgbClr val="000000"/>
                     </a:solidFill>
@@ -10753,7 +10753,7 @@
               </a:ln>
               <a:extLst>
                 <a:ext uri="{91240B29-F687-4f45-9708-019B960494DF}">
-                  <a14:hiddenLine xmlns:a14="http://schemas.microsoft.com/office/drawing/2010/main" xmlns="" w="9525">
+                  <a14:hiddenLine xmlns="" xmlns:a14="http://schemas.microsoft.com/office/drawing/2010/main" w="9525">
                     <a:solidFill>
                       <a:srgbClr val="000000"/>
                     </a:solidFill>
@@ -10843,7 +10843,7 @@
               </a:ln>
               <a:extLst>
                 <a:ext uri="{91240B29-F687-4f45-9708-019B960494DF}">
-                  <a14:hiddenLine xmlns:a14="http://schemas.microsoft.com/office/drawing/2010/main" xmlns="" w="9525">
+                  <a14:hiddenLine xmlns="" xmlns:a14="http://schemas.microsoft.com/office/drawing/2010/main" w="9525">
                     <a:solidFill>
                       <a:srgbClr val="000000"/>
                     </a:solidFill>
@@ -10933,7 +10933,7 @@
               </a:ln>
               <a:extLst>
                 <a:ext uri="{91240B29-F687-4f45-9708-019B960494DF}">
-                  <a14:hiddenLine xmlns:a14="http://schemas.microsoft.com/office/drawing/2010/main" xmlns="" w="9525">
+                  <a14:hiddenLine xmlns="" xmlns:a14="http://schemas.microsoft.com/office/drawing/2010/main" w="9525">
                     <a:solidFill>
                       <a:srgbClr val="000000"/>
                     </a:solidFill>
@@ -10998,7 +10998,7 @@
               </a:ln>
               <a:extLst>
                 <a:ext uri="{91240B29-F687-4f45-9708-019B960494DF}">
-                  <a14:hiddenLine xmlns:a14="http://schemas.microsoft.com/office/drawing/2010/main" xmlns="" w="9525">
+                  <a14:hiddenLine xmlns="" xmlns:a14="http://schemas.microsoft.com/office/drawing/2010/main" w="9525">
                     <a:solidFill>
                       <a:srgbClr val="000000"/>
                     </a:solidFill>
@@ -11118,7 +11118,7 @@
               </a:ln>
               <a:extLst>
                 <a:ext uri="{91240B29-F687-4f45-9708-019B960494DF}">
-                  <a14:hiddenLine xmlns:a14="http://schemas.microsoft.com/office/drawing/2010/main" xmlns="" w="9525">
+                  <a14:hiddenLine xmlns="" xmlns:a14="http://schemas.microsoft.com/office/drawing/2010/main" w="9525">
                     <a:solidFill>
                       <a:srgbClr val="000000"/>
                     </a:solidFill>
@@ -11216,7 +11216,7 @@
               </a:ln>
               <a:extLst>
                 <a:ext uri="{91240B29-F687-4f45-9708-019B960494DF}">
-                  <a14:hiddenLine xmlns:a14="http://schemas.microsoft.com/office/drawing/2010/main" xmlns="" w="9525">
+                  <a14:hiddenLine xmlns="" xmlns:a14="http://schemas.microsoft.com/office/drawing/2010/main" w="9525">
                     <a:solidFill>
                       <a:srgbClr val="000000"/>
                     </a:solidFill>
@@ -11331,7 +11331,7 @@
               </a:ln>
               <a:extLst>
                 <a:ext uri="{91240B29-F687-4f45-9708-019B960494DF}">
-                  <a14:hiddenLine xmlns:a14="http://schemas.microsoft.com/office/drawing/2010/main" xmlns="" w="9525">
+                  <a14:hiddenLine xmlns="" xmlns:a14="http://schemas.microsoft.com/office/drawing/2010/main" w="9525">
                     <a:solidFill>
                       <a:srgbClr val="000000"/>
                     </a:solidFill>
@@ -11421,7 +11421,7 @@
               </a:ln>
               <a:extLst>
                 <a:ext uri="{91240B29-F687-4f45-9708-019B960494DF}">
-                  <a14:hiddenLine xmlns:a14="http://schemas.microsoft.com/office/drawing/2010/main" xmlns="" w="9525">
+                  <a14:hiddenLine xmlns="" xmlns:a14="http://schemas.microsoft.com/office/drawing/2010/main" w="9525">
                     <a:solidFill>
                       <a:srgbClr val="000000"/>
                     </a:solidFill>
@@ -11486,7 +11486,7 @@
               </a:ln>
               <a:extLst>
                 <a:ext uri="{91240B29-F687-4f45-9708-019B960494DF}">
-                  <a14:hiddenLine xmlns:a14="http://schemas.microsoft.com/office/drawing/2010/main" xmlns="" w="9525">
+                  <a14:hiddenLine xmlns="" xmlns:a14="http://schemas.microsoft.com/office/drawing/2010/main" w="9525">
                     <a:solidFill>
                       <a:srgbClr val="000000"/>
                     </a:solidFill>
@@ -11576,7 +11576,7 @@
               </a:ln>
               <a:extLst>
                 <a:ext uri="{91240B29-F687-4f45-9708-019B960494DF}">
-                  <a14:hiddenLine xmlns:a14="http://schemas.microsoft.com/office/drawing/2010/main" xmlns="" w="9525">
+                  <a14:hiddenLine xmlns="" xmlns:a14="http://schemas.microsoft.com/office/drawing/2010/main" w="9525">
                     <a:solidFill>
                       <a:srgbClr val="000000"/>
                     </a:solidFill>
@@ -11644,7 +11644,7 @@
               </a:ln>
               <a:extLst>
                 <a:ext uri="{91240B29-F687-4f45-9708-019B960494DF}">
-                  <a14:hiddenLine xmlns:a14="http://schemas.microsoft.com/office/drawing/2010/main" xmlns="" w="9525">
+                  <a14:hiddenLine xmlns="" xmlns:a14="http://schemas.microsoft.com/office/drawing/2010/main" w="9525">
                     <a:solidFill>
                       <a:srgbClr val="000000"/>
                     </a:solidFill>
@@ -11734,7 +11734,7 @@
               </a:ln>
               <a:extLst>
                 <a:ext uri="{91240B29-F687-4f45-9708-019B960494DF}">
-                  <a14:hiddenLine xmlns:a14="http://schemas.microsoft.com/office/drawing/2010/main" xmlns="" w="9525">
+                  <a14:hiddenLine xmlns="" xmlns:a14="http://schemas.microsoft.com/office/drawing/2010/main" w="9525">
                     <a:solidFill>
                       <a:srgbClr val="000000"/>
                     </a:solidFill>
@@ -11802,7 +11802,7 @@
               </a:ln>
               <a:extLst>
                 <a:ext uri="{91240B29-F687-4f45-9708-019B960494DF}">
-                  <a14:hiddenLine xmlns:a14="http://schemas.microsoft.com/office/drawing/2010/main" xmlns="" w="9525">
+                  <a14:hiddenLine xmlns="" xmlns:a14="http://schemas.microsoft.com/office/drawing/2010/main" w="9525">
                     <a:solidFill>
                       <a:srgbClr val="000000"/>
                     </a:solidFill>
@@ -11892,7 +11892,7 @@
               </a:ln>
               <a:extLst>
                 <a:ext uri="{91240B29-F687-4f45-9708-019B960494DF}">
-                  <a14:hiddenLine xmlns:a14="http://schemas.microsoft.com/office/drawing/2010/main" xmlns="" w="9525">
+                  <a14:hiddenLine xmlns="" xmlns:a14="http://schemas.microsoft.com/office/drawing/2010/main" w="9525">
                     <a:solidFill>
                       <a:srgbClr val="000000"/>
                     </a:solidFill>
@@ -11926,7 +11926,7 @@
               </a:ln>
               <a:extLst>
                 <a:ext uri="{91240B29-F687-4f45-9708-019B960494DF}">
-                  <a14:hiddenLine xmlns:a14="http://schemas.microsoft.com/office/drawing/2010/main" xmlns="" w="9525">
+                  <a14:hiddenLine xmlns="" xmlns:a14="http://schemas.microsoft.com/office/drawing/2010/main" w="9525">
                     <a:solidFill>
                       <a:srgbClr val="000000"/>
                     </a:solidFill>
@@ -12067,7 +12067,7 @@
             <a:fld id="{B61BEF0D-F0BB-DE4B-95CE-6DB70DBA9567}" type="datetimeFigureOut">
               <a:rPr lang="en-US" smtClean="0"/>
               <a:pPr/>
-              <a:t>4/23/2015</a:t>
+              <a:t>4/24/2015</a:t>
             </a:fld>
             <a:endParaRPr lang="en-US" dirty="0"/>
           </a:p>
@@ -12533,7 +12533,6 @@
               <a:rPr lang="en-US" dirty="0"/>
               <a:t>your Grandfather's ORM</a:t>
             </a:r>
-            <a:endParaRPr lang="en-US" dirty="0"/>
           </a:p>
         </p:txBody>
       </p:sp>
@@ -12650,11 +12649,11 @@
           <a:p>
             <a:r>
               <a:rPr lang="en-US" dirty="0" smtClean="0"/>
-              <a:t>Static types (</a:t>
-            </a:r>
-            <a:r>
-              <a:rPr lang="en-US" dirty="0"/>
-              <a:t>therefore </a:t>
+              <a:t>Static types </a:t>
+            </a:r>
+            <a:r>
+              <a:rPr lang="en-US" dirty="0" smtClean="0"/>
+              <a:t>+ </a:t>
             </a:r>
             <a:r>
               <a:rPr lang="en-US" dirty="0" err="1" smtClean="0"/>
@@ -12662,7 +12661,11 @@
             </a:r>
             <a:r>
               <a:rPr lang="en-US" dirty="0" smtClean="0"/>
-              <a:t>) for:</a:t>
+              <a:t> </a:t>
+            </a:r>
+            <a:r>
+              <a:rPr lang="en-US" dirty="0" smtClean="0"/>
+              <a:t>for:</a:t>
             </a:r>
           </a:p>
           <a:p>
@@ -12693,8 +12696,13 @@
           <a:p>
             <a:r>
               <a:rPr lang="en-US" dirty="0" smtClean="0"/>
-              <a:t>Simple connection management</a:t>
-            </a:r>
+              <a:t>Simple connection </a:t>
+            </a:r>
+            <a:r>
+              <a:rPr lang="en-US" dirty="0" smtClean="0"/>
+              <a:t>management – it just works</a:t>
+            </a:r>
+            <a:endParaRPr lang="en-US" dirty="0" smtClean="0"/>
           </a:p>
           <a:p>
             <a:r>
@@ -13237,8 +13245,13 @@
           <a:p>
             <a:r>
               <a:rPr lang="en-US" dirty="0" smtClean="0"/>
-              <a:t>Friendly developer tools</a:t>
-            </a:r>
+              <a:t>Developer-friendly </a:t>
+            </a:r>
+            <a:r>
+              <a:rPr lang="en-US" dirty="0"/>
+              <a:t>tools</a:t>
+            </a:r>
+            <a:endParaRPr lang="en-US" dirty="0" smtClean="0"/>
           </a:p>
           <a:p>
             <a:r>
@@ -13435,15 +13448,7 @@
             </a:r>
             <a:r>
               <a:rPr lang="en-US" dirty="0" smtClean="0"/>
-              <a:t>default </a:t>
-            </a:r>
-            <a:r>
-              <a:rPr lang="en-US" dirty="0" smtClean="0"/>
-              <a:t>va</a:t>
-            </a:r>
-            <a:r>
-              <a:rPr lang="en-US" dirty="0" smtClean="0"/>
-              <a:t>lue</a:t>
+              <a:t>default value</a:t>
             </a:r>
           </a:p>
           <a:p>
@@ -13533,11 +13538,7 @@
           <a:p>
             <a:r>
               <a:rPr lang="en-US" dirty="0" smtClean="0"/>
-              <a:t>Enumeration for database static </a:t>
-            </a:r>
-            <a:r>
-              <a:rPr lang="en-US" dirty="0" smtClean="0"/>
-              <a:t>lookups</a:t>
+              <a:t>Enumeration for database static lookups</a:t>
             </a:r>
             <a:endParaRPr lang="en-US" dirty="0"/>
           </a:p>
@@ -13794,7 +13795,11 @@
           <a:p>
             <a:r>
               <a:rPr lang="en-US" dirty="0" smtClean="0"/>
-              <a:t>Azure, IOS</a:t>
+              <a:t>Azure, IOS, </a:t>
+            </a:r>
+            <a:r>
+              <a:rPr lang="en-US" dirty="0" err="1" smtClean="0"/>
+              <a:t>Xamarin</a:t>
             </a:r>
             <a:r>
               <a:rPr lang="en-US" dirty="0" smtClean="0"/>
@@ -13802,35 +13807,11 @@
             </a:r>
             <a:r>
               <a:rPr lang="en-US" dirty="0" err="1" smtClean="0"/>
-              <a:t>Xamarin</a:t>
+              <a:t>WebAPI</a:t>
             </a:r>
             <a:r>
               <a:rPr lang="en-US" dirty="0" smtClean="0"/>
-              <a:t>, </a:t>
-            </a:r>
-            <a:r>
-              <a:rPr lang="en-US" dirty="0" err="1" smtClean="0"/>
-              <a:t>WebAPI</a:t>
-            </a:r>
-            <a:r>
-              <a:rPr lang="en-US" dirty="0" smtClean="0"/>
-              <a:t>, </a:t>
-            </a:r>
-            <a:r>
-              <a:rPr lang="en-US" dirty="0" smtClean="0"/>
-              <a:t>Data Science, Machine Learning, </a:t>
-            </a:r>
-            <a:r>
-              <a:rPr lang="en-US" dirty="0" smtClean="0"/>
-              <a:t>Fake</a:t>
-            </a:r>
-            <a:r>
-              <a:rPr lang="en-US" dirty="0" smtClean="0"/>
-              <a:t>, Data Access </a:t>
-            </a:r>
-            <a:r>
-              <a:rPr lang="en-US" dirty="0" smtClean="0"/>
-              <a:t/>
+              <a:t>, Data Science, Machine Learning, Fake, Data Access </a:t>
             </a:r>
             <a:br>
               <a:rPr lang="en-US" dirty="0" smtClean="0"/>
@@ -14138,45 +14119,13 @@
           <a:p>
             <a:r>
               <a:rPr lang="en-US" dirty="0" smtClean="0"/>
-              <a:t>F# - </a:t>
-            </a:r>
+              <a:t>F# - number 14 as of today. Moved up a lot since July 2013</a:t>
+            </a:r>
+          </a:p>
+          <a:p>
             <a:r>
               <a:rPr lang="en-US" dirty="0" smtClean="0"/>
-              <a:t>number </a:t>
-            </a:r>
-            <a:r>
-              <a:rPr lang="en-US" dirty="0" smtClean="0"/>
-              <a:t>14 as </a:t>
-            </a:r>
-            <a:r>
-              <a:rPr lang="en-US" dirty="0" smtClean="0"/>
-              <a:t>of </a:t>
-            </a:r>
-            <a:r>
-              <a:rPr lang="en-US" dirty="0" smtClean="0"/>
-              <a:t>today. Moved </a:t>
-            </a:r>
-            <a:r>
-              <a:rPr lang="en-US" dirty="0" smtClean="0"/>
-              <a:t>up </a:t>
-            </a:r>
-            <a:r>
-              <a:rPr lang="en-US" dirty="0" smtClean="0"/>
-              <a:t>a lot since </a:t>
-            </a:r>
-            <a:r>
-              <a:rPr lang="en-US" dirty="0" smtClean="0"/>
-              <a:t>July 2013</a:t>
-            </a:r>
-          </a:p>
-          <a:p>
-            <a:r>
-              <a:rPr lang="en-US" dirty="0" smtClean="0"/>
-              <a:t>Both are doing </a:t>
-            </a:r>
-            <a:r>
-              <a:rPr lang="en-US" dirty="0" smtClean="0"/>
-              <a:t>fairly well</a:t>
+              <a:t>Both are doing fairly well</a:t>
             </a:r>
             <a:endParaRPr lang="en-US" dirty="0"/>
           </a:p>
@@ -14592,7 +14541,15 @@
           <a:p>
             <a:r>
               <a:rPr lang="en-US" dirty="0" smtClean="0"/>
-              <a:t>3 most important things	</a:t>
+              <a:t>3 </a:t>
+            </a:r>
+            <a:r>
+              <a:rPr lang="en-US" dirty="0" smtClean="0"/>
+              <a:t>THINGS DEVELOPERS CARE ABOUT</a:t>
+            </a:r>
+            <a:r>
+              <a:rPr lang="en-US" dirty="0" smtClean="0"/>
+              <a:t>	</a:t>
             </a:r>
             <a:endParaRPr lang="en-US" dirty="0"/>
           </a:p>
@@ -15002,7 +14959,6 @@
                         <a:rPr lang="en-US" dirty="0" smtClean="0"/>
                         <a:t>?</a:t>
                       </a:r>
-                      <a:endParaRPr lang="en-US" dirty="0" smtClean="0"/>
                     </a:p>
                   </a:txBody>
                   <a:tcPr/>
@@ -15033,7 +14989,6 @@
                         <a:rPr lang="en-US" dirty="0" smtClean="0"/>
                         <a:t>?</a:t>
                       </a:r>
-                      <a:endParaRPr lang="en-US" dirty="0" smtClean="0"/>
                     </a:p>
                   </a:txBody>
                   <a:tcPr/>
@@ -15191,7 +15146,6 @@
                         <a:rPr lang="en-US" sz="1400" dirty="0" smtClean="0"/>
                         <a:t>???</a:t>
                       </a:r>
-                      <a:endParaRPr lang="en-US" sz="1400" dirty="0" smtClean="0"/>
                     </a:p>
                   </a:txBody>
                   <a:tcPr/>

--- a/SF FSharp UG. 2015-04-28/slides.pptx
+++ b/SF FSharp UG. 2015-04-28/slides.pptx
@@ -178,7 +178,7 @@
           <a:noFill/>
           <a:extLst>
             <a:ext uri="{909E8E84-426E-40dd-AFC4-6F175D3DCCD1}">
-              <a14:hiddenFill xmlns="" xmlns:a14="http://schemas.microsoft.com/office/drawing/2010/main">
+              <a14:hiddenFill xmlns:a14="http://schemas.microsoft.com/office/drawing/2010/main" xmlns="">
                 <a:solidFill>
                   <a:srgbClr val="FFFFFF"/>
                 </a:solidFill>
@@ -238,7 +238,7 @@
             </a:ln>
             <a:extLst>
               <a:ext uri="{91240B29-F687-4f45-9708-019B960494DF}">
-                <a14:hiddenLine xmlns="" xmlns:a14="http://schemas.microsoft.com/office/drawing/2010/main" w="9525">
+                <a14:hiddenLine xmlns:a14="http://schemas.microsoft.com/office/drawing/2010/main" xmlns="" w="9525">
                   <a:solidFill>
                     <a:srgbClr val="000000"/>
                   </a:solidFill>
@@ -328,7 +328,7 @@
             </a:ln>
             <a:extLst>
               <a:ext uri="{91240B29-F687-4f45-9708-019B960494DF}">
-                <a14:hiddenLine xmlns="" xmlns:a14="http://schemas.microsoft.com/office/drawing/2010/main" w="9525">
+                <a14:hiddenLine xmlns:a14="http://schemas.microsoft.com/office/drawing/2010/main" xmlns="" w="9525">
                   <a:solidFill>
                     <a:srgbClr val="000000"/>
                   </a:solidFill>
@@ -418,7 +418,7 @@
             </a:ln>
             <a:extLst>
               <a:ext uri="{91240B29-F687-4f45-9708-019B960494DF}">
-                <a14:hiddenLine xmlns="" xmlns:a14="http://schemas.microsoft.com/office/drawing/2010/main" w="9525">
+                <a14:hiddenLine xmlns:a14="http://schemas.microsoft.com/office/drawing/2010/main" xmlns="" w="9525">
                   <a:solidFill>
                     <a:srgbClr val="000000"/>
                   </a:solidFill>
@@ -452,7 +452,7 @@
             </a:ln>
             <a:extLst>
               <a:ext uri="{91240B29-F687-4f45-9708-019B960494DF}">
-                <a14:hiddenLine xmlns="" xmlns:a14="http://schemas.microsoft.com/office/drawing/2010/main" w="9525">
+                <a14:hiddenLine xmlns:a14="http://schemas.microsoft.com/office/drawing/2010/main" xmlns="" w="9525">
                   <a:solidFill>
                     <a:srgbClr val="000000"/>
                   </a:solidFill>
@@ -542,7 +542,7 @@
             </a:ln>
             <a:extLst>
               <a:ext uri="{91240B29-F687-4f45-9708-019B960494DF}">
-                <a14:hiddenLine xmlns="" xmlns:a14="http://schemas.microsoft.com/office/drawing/2010/main" w="9525">
+                <a14:hiddenLine xmlns:a14="http://schemas.microsoft.com/office/drawing/2010/main" xmlns="" w="9525">
                   <a:solidFill>
                     <a:srgbClr val="000000"/>
                   </a:solidFill>
@@ -604,7 +604,7 @@
             </a:ln>
             <a:extLst>
               <a:ext uri="{91240B29-F687-4f45-9708-019B960494DF}">
-                <a14:hiddenLine xmlns="" xmlns:a14="http://schemas.microsoft.com/office/drawing/2010/main" w="9525">
+                <a14:hiddenLine xmlns:a14="http://schemas.microsoft.com/office/drawing/2010/main" xmlns="" w="9525">
                   <a:solidFill>
                     <a:srgbClr val="000000"/>
                   </a:solidFill>
@@ -666,7 +666,7 @@
             </a:ln>
             <a:extLst>
               <a:ext uri="{91240B29-F687-4f45-9708-019B960494DF}">
-                <a14:hiddenLine xmlns="" xmlns:a14="http://schemas.microsoft.com/office/drawing/2010/main" w="9525">
+                <a14:hiddenLine xmlns:a14="http://schemas.microsoft.com/office/drawing/2010/main" xmlns="" w="9525">
                   <a:solidFill>
                     <a:srgbClr val="000000"/>
                   </a:solidFill>
@@ -756,7 +756,7 @@
             </a:ln>
             <a:extLst>
               <a:ext uri="{91240B29-F687-4f45-9708-019B960494DF}">
-                <a14:hiddenLine xmlns="" xmlns:a14="http://schemas.microsoft.com/office/drawing/2010/main" w="9525">
+                <a14:hiddenLine xmlns:a14="http://schemas.microsoft.com/office/drawing/2010/main" xmlns="" w="9525">
                   <a:solidFill>
                     <a:srgbClr val="000000"/>
                   </a:solidFill>
@@ -818,7 +818,7 @@
             </a:ln>
             <a:extLst>
               <a:ext uri="{91240B29-F687-4f45-9708-019B960494DF}">
-                <a14:hiddenLine xmlns="" xmlns:a14="http://schemas.microsoft.com/office/drawing/2010/main" w="9525">
+                <a14:hiddenLine xmlns:a14="http://schemas.microsoft.com/office/drawing/2010/main" xmlns="" w="9525">
                   <a:solidFill>
                     <a:srgbClr val="000000"/>
                   </a:solidFill>
@@ -880,7 +880,7 @@
             </a:ln>
             <a:extLst>
               <a:ext uri="{91240B29-F687-4f45-9708-019B960494DF}">
-                <a14:hiddenLine xmlns="" xmlns:a14="http://schemas.microsoft.com/office/drawing/2010/main" w="9525">
+                <a14:hiddenLine xmlns:a14="http://schemas.microsoft.com/office/drawing/2010/main" xmlns="" w="9525">
                   <a:solidFill>
                     <a:srgbClr val="000000"/>
                   </a:solidFill>
@@ -970,7 +970,7 @@
             </a:ln>
             <a:extLst>
               <a:ext uri="{91240B29-F687-4f45-9708-019B960494DF}">
-                <a14:hiddenLine xmlns="" xmlns:a14="http://schemas.microsoft.com/office/drawing/2010/main" w="9525">
+                <a14:hiddenLine xmlns:a14="http://schemas.microsoft.com/office/drawing/2010/main" xmlns="" w="9525">
                   <a:solidFill>
                     <a:srgbClr val="000000"/>
                   </a:solidFill>
@@ -1060,7 +1060,7 @@
             </a:ln>
             <a:extLst>
               <a:ext uri="{91240B29-F687-4f45-9708-019B960494DF}">
-                <a14:hiddenLine xmlns="" xmlns:a14="http://schemas.microsoft.com/office/drawing/2010/main" w="9525">
+                <a14:hiddenLine xmlns:a14="http://schemas.microsoft.com/office/drawing/2010/main" xmlns="" w="9525">
                   <a:solidFill>
                     <a:srgbClr val="000000"/>
                   </a:solidFill>
@@ -1122,7 +1122,7 @@
             </a:ln>
             <a:extLst>
               <a:ext uri="{91240B29-F687-4f45-9708-019B960494DF}">
-                <a14:hiddenLine xmlns="" xmlns:a14="http://schemas.microsoft.com/office/drawing/2010/main" w="9525">
+                <a14:hiddenLine xmlns:a14="http://schemas.microsoft.com/office/drawing/2010/main" xmlns="" w="9525">
                   <a:solidFill>
                     <a:srgbClr val="000000"/>
                   </a:solidFill>
@@ -1232,7 +1232,7 @@
             </a:ln>
             <a:extLst>
               <a:ext uri="{91240B29-F687-4f45-9708-019B960494DF}">
-                <a14:hiddenLine xmlns="" xmlns:a14="http://schemas.microsoft.com/office/drawing/2010/main" w="9525">
+                <a14:hiddenLine xmlns:a14="http://schemas.microsoft.com/office/drawing/2010/main" xmlns="" w="9525">
                   <a:solidFill>
                     <a:srgbClr val="000000"/>
                   </a:solidFill>
@@ -1294,7 +1294,7 @@
             </a:ln>
             <a:extLst>
               <a:ext uri="{91240B29-F687-4f45-9708-019B960494DF}">
-                <a14:hiddenLine xmlns="" xmlns:a14="http://schemas.microsoft.com/office/drawing/2010/main" w="9525">
+                <a14:hiddenLine xmlns:a14="http://schemas.microsoft.com/office/drawing/2010/main" xmlns="" w="9525">
                   <a:solidFill>
                     <a:srgbClr val="000000"/>
                   </a:solidFill>
@@ -1384,7 +1384,7 @@
             </a:ln>
             <a:extLst>
               <a:ext uri="{91240B29-F687-4f45-9708-019B960494DF}">
-                <a14:hiddenLine xmlns="" xmlns:a14="http://schemas.microsoft.com/office/drawing/2010/main" w="9525">
+                <a14:hiddenLine xmlns:a14="http://schemas.microsoft.com/office/drawing/2010/main" xmlns="" w="9525">
                   <a:solidFill>
                     <a:srgbClr val="000000"/>
                   </a:solidFill>
@@ -1474,7 +1474,7 @@
             </a:ln>
             <a:extLst>
               <a:ext uri="{91240B29-F687-4f45-9708-019B960494DF}">
-                <a14:hiddenLine xmlns="" xmlns:a14="http://schemas.microsoft.com/office/drawing/2010/main" w="9525">
+                <a14:hiddenLine xmlns:a14="http://schemas.microsoft.com/office/drawing/2010/main" xmlns="" w="9525">
                   <a:solidFill>
                     <a:srgbClr val="000000"/>
                   </a:solidFill>
@@ -1536,7 +1536,7 @@
             </a:ln>
             <a:extLst>
               <a:ext uri="{91240B29-F687-4f45-9708-019B960494DF}">
-                <a14:hiddenLine xmlns="" xmlns:a14="http://schemas.microsoft.com/office/drawing/2010/main" w="9525">
+                <a14:hiddenLine xmlns:a14="http://schemas.microsoft.com/office/drawing/2010/main" xmlns="" w="9525">
                   <a:solidFill>
                     <a:srgbClr val="000000"/>
                   </a:solidFill>
@@ -1626,7 +1626,7 @@
             </a:ln>
             <a:extLst>
               <a:ext uri="{91240B29-F687-4f45-9708-019B960494DF}">
-                <a14:hiddenLine xmlns="" xmlns:a14="http://schemas.microsoft.com/office/drawing/2010/main" w="9525">
+                <a14:hiddenLine xmlns:a14="http://schemas.microsoft.com/office/drawing/2010/main" xmlns="" w="9525">
                   <a:solidFill>
                     <a:srgbClr val="000000"/>
                   </a:solidFill>
@@ -1716,7 +1716,7 @@
             </a:ln>
             <a:extLst>
               <a:ext uri="{91240B29-F687-4f45-9708-019B960494DF}">
-                <a14:hiddenLine xmlns="" xmlns:a14="http://schemas.microsoft.com/office/drawing/2010/main" w="9525">
+                <a14:hiddenLine xmlns:a14="http://schemas.microsoft.com/office/drawing/2010/main" xmlns="" w="9525">
                   <a:solidFill>
                     <a:srgbClr val="000000"/>
                   </a:solidFill>
@@ -1772,7 +1772,7 @@
             </a:ln>
             <a:extLst>
               <a:ext uri="{91240B29-F687-4f45-9708-019B960494DF}">
-                <a14:hiddenLine xmlns="" xmlns:a14="http://schemas.microsoft.com/office/drawing/2010/main" w="9525">
+                <a14:hiddenLine xmlns:a14="http://schemas.microsoft.com/office/drawing/2010/main" xmlns="" w="9525">
                   <a:solidFill>
                     <a:srgbClr val="000000"/>
                   </a:solidFill>
@@ -1862,7 +1862,7 @@
             </a:ln>
             <a:extLst>
               <a:ext uri="{91240B29-F687-4f45-9708-019B960494DF}">
-                <a14:hiddenLine xmlns="" xmlns:a14="http://schemas.microsoft.com/office/drawing/2010/main" w="9525">
+                <a14:hiddenLine xmlns:a14="http://schemas.microsoft.com/office/drawing/2010/main" xmlns="" w="9525">
                   <a:solidFill>
                     <a:srgbClr val="000000"/>
                   </a:solidFill>
@@ -1918,7 +1918,7 @@
             </a:ln>
             <a:extLst>
               <a:ext uri="{91240B29-F687-4f45-9708-019B960494DF}">
-                <a14:hiddenLine xmlns="" xmlns:a14="http://schemas.microsoft.com/office/drawing/2010/main" w="9525">
+                <a14:hiddenLine xmlns:a14="http://schemas.microsoft.com/office/drawing/2010/main" xmlns="" w="9525">
                   <a:solidFill>
                     <a:srgbClr val="000000"/>
                   </a:solidFill>
@@ -2008,7 +2008,7 @@
             </a:ln>
             <a:extLst>
               <a:ext uri="{91240B29-F687-4f45-9708-019B960494DF}">
-                <a14:hiddenLine xmlns="" xmlns:a14="http://schemas.microsoft.com/office/drawing/2010/main" w="9525">
+                <a14:hiddenLine xmlns:a14="http://schemas.microsoft.com/office/drawing/2010/main" xmlns="" w="9525">
                   <a:solidFill>
                     <a:srgbClr val="000000"/>
                   </a:solidFill>
@@ -2076,7 +2076,7 @@
             </a:ln>
             <a:extLst>
               <a:ext uri="{91240B29-F687-4f45-9708-019B960494DF}">
-                <a14:hiddenLine xmlns="" xmlns:a14="http://schemas.microsoft.com/office/drawing/2010/main" w="9525">
+                <a14:hiddenLine xmlns:a14="http://schemas.microsoft.com/office/drawing/2010/main" xmlns="" w="9525">
                   <a:solidFill>
                     <a:srgbClr val="000000"/>
                   </a:solidFill>
@@ -2166,7 +2166,7 @@
             </a:ln>
             <a:extLst>
               <a:ext uri="{91240B29-F687-4f45-9708-019B960494DF}">
-                <a14:hiddenLine xmlns="" xmlns:a14="http://schemas.microsoft.com/office/drawing/2010/main" w="9525">
+                <a14:hiddenLine xmlns:a14="http://schemas.microsoft.com/office/drawing/2010/main" xmlns="" w="9525">
                   <a:solidFill>
                     <a:srgbClr val="000000"/>
                   </a:solidFill>
@@ -2234,7 +2234,7 @@
             </a:ln>
             <a:extLst>
               <a:ext uri="{91240B29-F687-4f45-9708-019B960494DF}">
-                <a14:hiddenLine xmlns="" xmlns:a14="http://schemas.microsoft.com/office/drawing/2010/main" w="9525">
+                <a14:hiddenLine xmlns:a14="http://schemas.microsoft.com/office/drawing/2010/main" xmlns="" w="9525">
                   <a:solidFill>
                     <a:srgbClr val="000000"/>
                   </a:solidFill>
@@ -2324,7 +2324,7 @@
             </a:ln>
             <a:extLst>
               <a:ext uri="{91240B29-F687-4f45-9708-019B960494DF}">
-                <a14:hiddenLine xmlns="" xmlns:a14="http://schemas.microsoft.com/office/drawing/2010/main" w="9525">
+                <a14:hiddenLine xmlns:a14="http://schemas.microsoft.com/office/drawing/2010/main" xmlns="" w="9525">
                   <a:solidFill>
                     <a:srgbClr val="000000"/>
                   </a:solidFill>
@@ -2358,7 +2358,7 @@
             </a:ln>
             <a:extLst>
               <a:ext uri="{91240B29-F687-4f45-9708-019B960494DF}">
-                <a14:hiddenLine xmlns="" xmlns:a14="http://schemas.microsoft.com/office/drawing/2010/main" w="9525">
+                <a14:hiddenLine xmlns:a14="http://schemas.microsoft.com/office/drawing/2010/main" xmlns="" w="9525">
                   <a:solidFill>
                     <a:srgbClr val="000000"/>
                   </a:solidFill>
@@ -2448,7 +2448,7 @@
             </a:ln>
             <a:extLst>
               <a:ext uri="{91240B29-F687-4f45-9708-019B960494DF}">
-                <a14:hiddenLine xmlns="" xmlns:a14="http://schemas.microsoft.com/office/drawing/2010/main" w="9525">
+                <a14:hiddenLine xmlns:a14="http://schemas.microsoft.com/office/drawing/2010/main" xmlns="" w="9525">
                   <a:solidFill>
                     <a:srgbClr val="000000"/>
                   </a:solidFill>
@@ -2510,7 +2510,7 @@
             </a:ln>
             <a:extLst>
               <a:ext uri="{91240B29-F687-4f45-9708-019B960494DF}">
-                <a14:hiddenLine xmlns="" xmlns:a14="http://schemas.microsoft.com/office/drawing/2010/main" w="9525">
+                <a14:hiddenLine xmlns:a14="http://schemas.microsoft.com/office/drawing/2010/main" xmlns="" w="9525">
                   <a:solidFill>
                     <a:srgbClr val="000000"/>
                   </a:solidFill>
@@ -2572,7 +2572,7 @@
             </a:ln>
             <a:extLst>
               <a:ext uri="{91240B29-F687-4f45-9708-019B960494DF}">
-                <a14:hiddenLine xmlns="" xmlns:a14="http://schemas.microsoft.com/office/drawing/2010/main" w="9525">
+                <a14:hiddenLine xmlns:a14="http://schemas.microsoft.com/office/drawing/2010/main" xmlns="" w="9525">
                   <a:solidFill>
                     <a:srgbClr val="000000"/>
                   </a:solidFill>
@@ -2662,7 +2662,7 @@
             </a:ln>
             <a:extLst>
               <a:ext uri="{91240B29-F687-4f45-9708-019B960494DF}">
-                <a14:hiddenLine xmlns="" xmlns:a14="http://schemas.microsoft.com/office/drawing/2010/main" w="9525">
+                <a14:hiddenLine xmlns:a14="http://schemas.microsoft.com/office/drawing/2010/main" xmlns="" w="9525">
                   <a:solidFill>
                     <a:srgbClr val="000000"/>
                   </a:solidFill>
@@ -2730,7 +2730,7 @@
             </a:ln>
             <a:extLst>
               <a:ext uri="{91240B29-F687-4f45-9708-019B960494DF}">
-                <a14:hiddenLine xmlns="" xmlns:a14="http://schemas.microsoft.com/office/drawing/2010/main" w="9525">
+                <a14:hiddenLine xmlns:a14="http://schemas.microsoft.com/office/drawing/2010/main" xmlns="" w="9525">
                   <a:solidFill>
                     <a:srgbClr val="000000"/>
                   </a:solidFill>
@@ -2792,7 +2792,7 @@
             </a:ln>
             <a:extLst>
               <a:ext uri="{91240B29-F687-4f45-9708-019B960494DF}">
-                <a14:hiddenLine xmlns="" xmlns:a14="http://schemas.microsoft.com/office/drawing/2010/main" w="9525">
+                <a14:hiddenLine xmlns:a14="http://schemas.microsoft.com/office/drawing/2010/main" xmlns="" w="9525">
                   <a:solidFill>
                     <a:srgbClr val="000000"/>
                   </a:solidFill>
@@ -2882,7 +2882,7 @@
             </a:ln>
             <a:extLst>
               <a:ext uri="{91240B29-F687-4f45-9708-019B960494DF}">
-                <a14:hiddenLine xmlns="" xmlns:a14="http://schemas.microsoft.com/office/drawing/2010/main" w="9525">
+                <a14:hiddenLine xmlns:a14="http://schemas.microsoft.com/office/drawing/2010/main" xmlns="" w="9525">
                   <a:solidFill>
                     <a:srgbClr val="000000"/>
                   </a:solidFill>
@@ -2944,7 +2944,7 @@
             </a:ln>
             <a:extLst>
               <a:ext uri="{91240B29-F687-4f45-9708-019B960494DF}">
-                <a14:hiddenLine xmlns="" xmlns:a14="http://schemas.microsoft.com/office/drawing/2010/main" w="9525">
+                <a14:hiddenLine xmlns:a14="http://schemas.microsoft.com/office/drawing/2010/main" xmlns="" w="9525">
                   <a:solidFill>
                     <a:srgbClr val="000000"/>
                   </a:solidFill>
@@ -3034,7 +3034,7 @@
             </a:ln>
             <a:extLst>
               <a:ext uri="{91240B29-F687-4f45-9708-019B960494DF}">
-                <a14:hiddenLine xmlns="" xmlns:a14="http://schemas.microsoft.com/office/drawing/2010/main" w="9525">
+                <a14:hiddenLine xmlns:a14="http://schemas.microsoft.com/office/drawing/2010/main" xmlns="" w="9525">
                   <a:solidFill>
                     <a:srgbClr val="000000"/>
                   </a:solidFill>
@@ -3096,7 +3096,7 @@
             </a:ln>
             <a:extLst>
               <a:ext uri="{91240B29-F687-4f45-9708-019B960494DF}">
-                <a14:hiddenLine xmlns="" xmlns:a14="http://schemas.microsoft.com/office/drawing/2010/main" w="9525">
+                <a14:hiddenLine xmlns:a14="http://schemas.microsoft.com/office/drawing/2010/main" xmlns="" w="9525">
                   <a:solidFill>
                     <a:srgbClr val="000000"/>
                   </a:solidFill>
@@ -3186,7 +3186,7 @@
             </a:ln>
             <a:extLst>
               <a:ext uri="{91240B29-F687-4f45-9708-019B960494DF}">
-                <a14:hiddenLine xmlns="" xmlns:a14="http://schemas.microsoft.com/office/drawing/2010/main" w="9525">
+                <a14:hiddenLine xmlns:a14="http://schemas.microsoft.com/office/drawing/2010/main" xmlns="" w="9525">
                   <a:solidFill>
                     <a:srgbClr val="000000"/>
                   </a:solidFill>
@@ -3220,7 +3220,7 @@
             </a:ln>
             <a:extLst>
               <a:ext uri="{91240B29-F687-4f45-9708-019B960494DF}">
-                <a14:hiddenLine xmlns="" xmlns:a14="http://schemas.microsoft.com/office/drawing/2010/main" w="9525">
+                <a14:hiddenLine xmlns:a14="http://schemas.microsoft.com/office/drawing/2010/main" xmlns="" w="9525">
                   <a:solidFill>
                     <a:srgbClr val="000000"/>
                   </a:solidFill>
@@ -3285,7 +3285,7 @@
             </a:ln>
             <a:extLst>
               <a:ext uri="{91240B29-F687-4f45-9708-019B960494DF}">
-                <a14:hiddenLine xmlns="" xmlns:a14="http://schemas.microsoft.com/office/drawing/2010/main" w="9525">
+                <a14:hiddenLine xmlns:a14="http://schemas.microsoft.com/office/drawing/2010/main" xmlns="" w="9525">
                   <a:solidFill>
                     <a:srgbClr val="000000"/>
                   </a:solidFill>
@@ -3375,7 +3375,7 @@
             </a:ln>
             <a:extLst>
               <a:ext uri="{91240B29-F687-4f45-9708-019B960494DF}">
-                <a14:hiddenLine xmlns="" xmlns:a14="http://schemas.microsoft.com/office/drawing/2010/main" w="9525">
+                <a14:hiddenLine xmlns:a14="http://schemas.microsoft.com/office/drawing/2010/main" xmlns="" w="9525">
                   <a:solidFill>
                     <a:srgbClr val="000000"/>
                   </a:solidFill>
@@ -3437,7 +3437,7 @@
             </a:ln>
             <a:extLst>
               <a:ext uri="{91240B29-F687-4f45-9708-019B960494DF}">
-                <a14:hiddenLine xmlns="" xmlns:a14="http://schemas.microsoft.com/office/drawing/2010/main" w="9525">
+                <a14:hiddenLine xmlns:a14="http://schemas.microsoft.com/office/drawing/2010/main" xmlns="" w="9525">
                   <a:solidFill>
                     <a:srgbClr val="000000"/>
                   </a:solidFill>
@@ -3527,7 +3527,7 @@
             </a:ln>
             <a:extLst>
               <a:ext uri="{91240B29-F687-4f45-9708-019B960494DF}">
-                <a14:hiddenLine xmlns="" xmlns:a14="http://schemas.microsoft.com/office/drawing/2010/main" w="9525">
+                <a14:hiddenLine xmlns:a14="http://schemas.microsoft.com/office/drawing/2010/main" xmlns="" w="9525">
                   <a:solidFill>
                     <a:srgbClr val="000000"/>
                   </a:solidFill>
@@ -3617,7 +3617,7 @@
             </a:ln>
             <a:extLst>
               <a:ext uri="{91240B29-F687-4f45-9708-019B960494DF}">
-                <a14:hiddenLine xmlns="" xmlns:a14="http://schemas.microsoft.com/office/drawing/2010/main" w="9525">
+                <a14:hiddenLine xmlns:a14="http://schemas.microsoft.com/office/drawing/2010/main" xmlns="" w="9525">
                   <a:solidFill>
                     <a:srgbClr val="000000"/>
                   </a:solidFill>
@@ -3682,7 +3682,7 @@
             </a:ln>
             <a:extLst>
               <a:ext uri="{91240B29-F687-4f45-9708-019B960494DF}">
-                <a14:hiddenLine xmlns="" xmlns:a14="http://schemas.microsoft.com/office/drawing/2010/main" w="9525">
+                <a14:hiddenLine xmlns:a14="http://schemas.microsoft.com/office/drawing/2010/main" xmlns="" w="9525">
                   <a:solidFill>
                     <a:srgbClr val="000000"/>
                   </a:solidFill>
@@ -3744,7 +3744,7 @@
             </a:ln>
             <a:extLst>
               <a:ext uri="{91240B29-F687-4f45-9708-019B960494DF}">
-                <a14:hiddenLine xmlns="" xmlns:a14="http://schemas.microsoft.com/office/drawing/2010/main" w="9525">
+                <a14:hiddenLine xmlns:a14="http://schemas.microsoft.com/office/drawing/2010/main" xmlns="" w="9525">
                   <a:solidFill>
                     <a:srgbClr val="000000"/>
                   </a:solidFill>
@@ -3834,7 +3834,7 @@
             </a:ln>
             <a:extLst>
               <a:ext uri="{91240B29-F687-4f45-9708-019B960494DF}">
-                <a14:hiddenLine xmlns="" xmlns:a14="http://schemas.microsoft.com/office/drawing/2010/main" w="9525">
+                <a14:hiddenLine xmlns:a14="http://schemas.microsoft.com/office/drawing/2010/main" xmlns="" w="9525">
                   <a:solidFill>
                     <a:srgbClr val="000000"/>
                   </a:solidFill>
@@ -3924,7 +3924,7 @@
             </a:ln>
             <a:extLst>
               <a:ext uri="{91240B29-F687-4f45-9708-019B960494DF}">
-                <a14:hiddenLine xmlns="" xmlns:a14="http://schemas.microsoft.com/office/drawing/2010/main" w="9525">
+                <a14:hiddenLine xmlns:a14="http://schemas.microsoft.com/office/drawing/2010/main" xmlns="" w="9525">
                   <a:solidFill>
                     <a:srgbClr val="000000"/>
                   </a:solidFill>
@@ -3986,7 +3986,7 @@
             </a:ln>
             <a:extLst>
               <a:ext uri="{91240B29-F687-4f45-9708-019B960494DF}">
-                <a14:hiddenLine xmlns="" xmlns:a14="http://schemas.microsoft.com/office/drawing/2010/main" w="9525">
+                <a14:hiddenLine xmlns:a14="http://schemas.microsoft.com/office/drawing/2010/main" xmlns="" w="9525">
                   <a:solidFill>
                     <a:srgbClr val="000000"/>
                   </a:solidFill>
@@ -4106,7 +4106,7 @@
             </a:ln>
             <a:extLst>
               <a:ext uri="{91240B29-F687-4f45-9708-019B960494DF}">
-                <a14:hiddenLine xmlns="" xmlns:a14="http://schemas.microsoft.com/office/drawing/2010/main" w="9525">
+                <a14:hiddenLine xmlns:a14="http://schemas.microsoft.com/office/drawing/2010/main" xmlns="" w="9525">
                   <a:solidFill>
                     <a:srgbClr val="000000"/>
                   </a:solidFill>
@@ -4174,7 +4174,7 @@
             </a:ln>
             <a:extLst>
               <a:ext uri="{91240B29-F687-4f45-9708-019B960494DF}">
-                <a14:hiddenLine xmlns="" xmlns:a14="http://schemas.microsoft.com/office/drawing/2010/main" w="9525">
+                <a14:hiddenLine xmlns:a14="http://schemas.microsoft.com/office/drawing/2010/main" xmlns="" w="9525">
                   <a:solidFill>
                     <a:srgbClr val="000000"/>
                   </a:solidFill>
@@ -4264,7 +4264,7 @@
             </a:ln>
             <a:extLst>
               <a:ext uri="{91240B29-F687-4f45-9708-019B960494DF}">
-                <a14:hiddenLine xmlns="" xmlns:a14="http://schemas.microsoft.com/office/drawing/2010/main" w="9525">
+                <a14:hiddenLine xmlns:a14="http://schemas.microsoft.com/office/drawing/2010/main" xmlns="" w="9525">
                   <a:solidFill>
                     <a:srgbClr val="000000"/>
                   </a:solidFill>
@@ -4405,7 +4405,7 @@
             <a:fld id="{B61BEF0D-F0BB-DE4B-95CE-6DB70DBA9567}" type="datetimeFigureOut">
               <a:rPr lang="en-US" smtClean="0"/>
               <a:pPr/>
-              <a:t>4/24/2015</a:t>
+              <a:t>4/27/2015</a:t>
             </a:fld>
             <a:endParaRPr lang="en-US" dirty="0"/>
           </a:p>
@@ -4674,7 +4674,7 @@
             <a:fld id="{B61BEF0D-F0BB-DE4B-95CE-6DB70DBA9567}" type="datetimeFigureOut">
               <a:rPr lang="en-US" smtClean="0"/>
               <a:pPr/>
-              <a:t>4/24/2015</a:t>
+              <a:t>4/27/2015</a:t>
             </a:fld>
             <a:endParaRPr lang="en-US" dirty="0"/>
           </a:p>
@@ -4872,7 +4872,7 @@
             <a:fld id="{B61BEF0D-F0BB-DE4B-95CE-6DB70DBA9567}" type="datetimeFigureOut">
               <a:rPr lang="en-US" smtClean="0"/>
               <a:pPr/>
-              <a:t>4/24/2015</a:t>
+              <a:t>4/27/2015</a:t>
             </a:fld>
             <a:endParaRPr lang="en-US" dirty="0"/>
           </a:p>
@@ -5137,7 +5137,7 @@
             <a:fld id="{B61BEF0D-F0BB-DE4B-95CE-6DB70DBA9567}" type="datetimeFigureOut">
               <a:rPr lang="en-US" smtClean="0"/>
               <a:pPr/>
-              <a:t>4/24/2015</a:t>
+              <a:t>4/27/2015</a:t>
             </a:fld>
             <a:endParaRPr lang="en-US" dirty="0"/>
           </a:p>
@@ -5573,7 +5573,7 @@
             <a:fld id="{B61BEF0D-F0BB-DE4B-95CE-6DB70DBA9567}" type="datetimeFigureOut">
               <a:rPr lang="en-US" smtClean="0"/>
               <a:pPr/>
-              <a:t>4/24/2015</a:t>
+              <a:t>4/27/2015</a:t>
             </a:fld>
             <a:endParaRPr lang="en-US" dirty="0"/>
           </a:p>
@@ -6121,7 +6121,7 @@
             <a:fld id="{B61BEF0D-F0BB-DE4B-95CE-6DB70DBA9567}" type="datetimeFigureOut">
               <a:rPr lang="en-US" smtClean="0"/>
               <a:pPr/>
-              <a:t>4/24/2015</a:t>
+              <a:t>4/27/2015</a:t>
             </a:fld>
             <a:endParaRPr lang="en-US" dirty="0"/>
           </a:p>
@@ -6843,7 +6843,7 @@
             <a:fld id="{B61BEF0D-F0BB-DE4B-95CE-6DB70DBA9567}" type="datetimeFigureOut">
               <a:rPr lang="en-US" smtClean="0"/>
               <a:pPr/>
-              <a:t>4/24/2015</a:t>
+              <a:t>4/27/2015</a:t>
             </a:fld>
             <a:endParaRPr lang="en-US" dirty="0"/>
           </a:p>
@@ -7015,7 +7015,7 @@
             <a:fld id="{B61BEF0D-F0BB-DE4B-95CE-6DB70DBA9567}" type="datetimeFigureOut">
               <a:rPr lang="en-US" smtClean="0"/>
               <a:pPr/>
-              <a:t>4/24/2015</a:t>
+              <a:t>4/27/2015</a:t>
             </a:fld>
             <a:endParaRPr lang="en-US" dirty="0"/>
           </a:p>
@@ -7197,7 +7197,7 @@
             <a:fld id="{B61BEF0D-F0BB-DE4B-95CE-6DB70DBA9567}" type="datetimeFigureOut">
               <a:rPr lang="en-US" smtClean="0"/>
               <a:pPr/>
-              <a:t>4/24/2015</a:t>
+              <a:t>4/27/2015</a:t>
             </a:fld>
             <a:endParaRPr lang="en-US" dirty="0"/>
           </a:p>
@@ -7369,7 +7369,7 @@
             <a:fld id="{B61BEF0D-F0BB-DE4B-95CE-6DB70DBA9567}" type="datetimeFigureOut">
               <a:rPr lang="en-US" smtClean="0"/>
               <a:pPr/>
-              <a:t>4/24/2015</a:t>
+              <a:t>4/27/2015</a:t>
             </a:fld>
             <a:endParaRPr lang="en-US" dirty="0"/>
           </a:p>
@@ -7621,7 +7621,7 @@
             <a:fld id="{B61BEF0D-F0BB-DE4B-95CE-6DB70DBA9567}" type="datetimeFigureOut">
               <a:rPr lang="en-US" smtClean="0"/>
               <a:pPr/>
-              <a:t>4/24/2015</a:t>
+              <a:t>4/27/2015</a:t>
             </a:fld>
             <a:endParaRPr lang="en-US" dirty="0"/>
           </a:p>
@@ -7855,7 +7855,7 @@
             <a:fld id="{B61BEF0D-F0BB-DE4B-95CE-6DB70DBA9567}" type="datetimeFigureOut">
               <a:rPr lang="en-US" smtClean="0"/>
               <a:pPr/>
-              <a:t>4/24/2015</a:t>
+              <a:t>4/27/2015</a:t>
             </a:fld>
             <a:endParaRPr lang="en-US" dirty="0"/>
           </a:p>
@@ -8238,7 +8238,7 @@
             <a:fld id="{B61BEF0D-F0BB-DE4B-95CE-6DB70DBA9567}" type="datetimeFigureOut">
               <a:rPr lang="en-US" smtClean="0"/>
               <a:pPr/>
-              <a:t>4/24/2015</a:t>
+              <a:t>4/27/2015</a:t>
             </a:fld>
             <a:endParaRPr lang="en-US" dirty="0"/>
           </a:p>
@@ -8358,7 +8358,7 @@
             <a:fld id="{B61BEF0D-F0BB-DE4B-95CE-6DB70DBA9567}" type="datetimeFigureOut">
               <a:rPr lang="en-US" smtClean="0"/>
               <a:pPr/>
-              <a:t>4/24/2015</a:t>
+              <a:t>4/27/2015</a:t>
             </a:fld>
             <a:endParaRPr lang="en-US" dirty="0"/>
           </a:p>
@@ -8455,7 +8455,7 @@
             <a:fld id="{B61BEF0D-F0BB-DE4B-95CE-6DB70DBA9567}" type="datetimeFigureOut">
               <a:rPr lang="en-US" smtClean="0"/>
               <a:pPr/>
-              <a:t>4/24/2015</a:t>
+              <a:t>4/27/2015</a:t>
             </a:fld>
             <a:endParaRPr lang="en-US" dirty="0"/>
           </a:p>
@@ -8706,7 +8706,7 @@
             <a:fld id="{B61BEF0D-F0BB-DE4B-95CE-6DB70DBA9567}" type="datetimeFigureOut">
               <a:rPr lang="en-US" smtClean="0"/>
               <a:pPr/>
-              <a:t>4/24/2015</a:t>
+              <a:t>4/27/2015</a:t>
             </a:fld>
             <a:endParaRPr lang="en-US" dirty="0"/>
           </a:p>
@@ -8988,7 +8988,7 @@
             <a:fld id="{B61BEF0D-F0BB-DE4B-95CE-6DB70DBA9567}" type="datetimeFigureOut">
               <a:rPr lang="en-US" smtClean="0"/>
               <a:pPr/>
-              <a:t>4/24/2015</a:t>
+              <a:t>4/27/2015</a:t>
             </a:fld>
             <a:endParaRPr lang="en-US" dirty="0"/>
           </a:p>
@@ -9105,7 +9105,7 @@
           <a:noFill/>
           <a:extLst>
             <a:ext uri="{909E8E84-426E-40dd-AFC4-6F175D3DCCD1}">
-              <a14:hiddenFill xmlns="" xmlns:a14="http://schemas.microsoft.com/office/drawing/2010/main">
+              <a14:hiddenFill xmlns:a14="http://schemas.microsoft.com/office/drawing/2010/main" xmlns="">
                 <a:solidFill>
                   <a:srgbClr val="FFFFFF"/>
                 </a:solidFill>
@@ -9179,7 +9179,7 @@
               </a:ln>
               <a:extLst>
                 <a:ext uri="{91240B29-F687-4f45-9708-019B960494DF}">
-                  <a14:hiddenLine xmlns="" xmlns:a14="http://schemas.microsoft.com/office/drawing/2010/main" w="9525">
+                  <a14:hiddenLine xmlns:a14="http://schemas.microsoft.com/office/drawing/2010/main" xmlns="" w="9525">
                     <a:solidFill>
                       <a:srgbClr val="000000"/>
                     </a:solidFill>
@@ -9269,7 +9269,7 @@
               </a:ln>
               <a:extLst>
                 <a:ext uri="{91240B29-F687-4f45-9708-019B960494DF}">
-                  <a14:hiddenLine xmlns="" xmlns:a14="http://schemas.microsoft.com/office/drawing/2010/main" w="9525">
+                  <a14:hiddenLine xmlns:a14="http://schemas.microsoft.com/office/drawing/2010/main" xmlns="" w="9525">
                     <a:solidFill>
                       <a:srgbClr val="000000"/>
                     </a:solidFill>
@@ -9359,7 +9359,7 @@
               </a:ln>
               <a:extLst>
                 <a:ext uri="{91240B29-F687-4f45-9708-019B960494DF}">
-                  <a14:hiddenLine xmlns="" xmlns:a14="http://schemas.microsoft.com/office/drawing/2010/main" w="9525">
+                  <a14:hiddenLine xmlns:a14="http://schemas.microsoft.com/office/drawing/2010/main" xmlns="" w="9525">
                     <a:solidFill>
                       <a:srgbClr val="000000"/>
                     </a:solidFill>
@@ -9421,7 +9421,7 @@
               </a:ln>
               <a:extLst>
                 <a:ext uri="{91240B29-F687-4f45-9708-019B960494DF}">
-                  <a14:hiddenLine xmlns="" xmlns:a14="http://schemas.microsoft.com/office/drawing/2010/main" w="9525">
+                  <a14:hiddenLine xmlns:a14="http://schemas.microsoft.com/office/drawing/2010/main" xmlns="" w="9525">
                     <a:solidFill>
                       <a:srgbClr val="000000"/>
                     </a:solidFill>
@@ -9511,7 +9511,7 @@
               </a:ln>
               <a:extLst>
                 <a:ext uri="{91240B29-F687-4f45-9708-019B960494DF}">
-                  <a14:hiddenLine xmlns="" xmlns:a14="http://schemas.microsoft.com/office/drawing/2010/main" w="9525">
+                  <a14:hiddenLine xmlns:a14="http://schemas.microsoft.com/office/drawing/2010/main" xmlns="" w="9525">
                     <a:solidFill>
                       <a:srgbClr val="000000"/>
                     </a:solidFill>
@@ -9573,7 +9573,7 @@
               </a:ln>
               <a:extLst>
                 <a:ext uri="{91240B29-F687-4f45-9708-019B960494DF}">
-                  <a14:hiddenLine xmlns="" xmlns:a14="http://schemas.microsoft.com/office/drawing/2010/main" w="9525">
+                  <a14:hiddenLine xmlns:a14="http://schemas.microsoft.com/office/drawing/2010/main" xmlns="" w="9525">
                     <a:solidFill>
                       <a:srgbClr val="000000"/>
                     </a:solidFill>
@@ -9635,7 +9635,7 @@
               </a:ln>
               <a:extLst>
                 <a:ext uri="{91240B29-F687-4f45-9708-019B960494DF}">
-                  <a14:hiddenLine xmlns="" xmlns:a14="http://schemas.microsoft.com/office/drawing/2010/main" w="9525">
+                  <a14:hiddenLine xmlns:a14="http://schemas.microsoft.com/office/drawing/2010/main" xmlns="" w="9525">
                     <a:solidFill>
                       <a:srgbClr val="000000"/>
                     </a:solidFill>
@@ -9725,7 +9725,7 @@
               </a:ln>
               <a:extLst>
                 <a:ext uri="{91240B29-F687-4f45-9708-019B960494DF}">
-                  <a14:hiddenLine xmlns="" xmlns:a14="http://schemas.microsoft.com/office/drawing/2010/main" w="9525">
+                  <a14:hiddenLine xmlns:a14="http://schemas.microsoft.com/office/drawing/2010/main" xmlns="" w="9525">
                     <a:solidFill>
                       <a:srgbClr val="000000"/>
                     </a:solidFill>
@@ -9815,7 +9815,7 @@
               </a:ln>
               <a:extLst>
                 <a:ext uri="{91240B29-F687-4f45-9708-019B960494DF}">
-                  <a14:hiddenLine xmlns="" xmlns:a14="http://schemas.microsoft.com/office/drawing/2010/main" w="9525">
+                  <a14:hiddenLine xmlns:a14="http://schemas.microsoft.com/office/drawing/2010/main" xmlns="" w="9525">
                     <a:solidFill>
                       <a:srgbClr val="000000"/>
                     </a:solidFill>
@@ -9877,7 +9877,7 @@
               </a:ln>
               <a:extLst>
                 <a:ext uri="{91240B29-F687-4f45-9708-019B960494DF}">
-                  <a14:hiddenLine xmlns="" xmlns:a14="http://schemas.microsoft.com/office/drawing/2010/main" w="9525">
+                  <a14:hiddenLine xmlns:a14="http://schemas.microsoft.com/office/drawing/2010/main" xmlns="" w="9525">
                     <a:solidFill>
                       <a:srgbClr val="000000"/>
                     </a:solidFill>
@@ -9987,7 +9987,7 @@
               </a:ln>
               <a:extLst>
                 <a:ext uri="{91240B29-F687-4f45-9708-019B960494DF}">
-                  <a14:hiddenLine xmlns="" xmlns:a14="http://schemas.microsoft.com/office/drawing/2010/main" w="9525">
+                  <a14:hiddenLine xmlns:a14="http://schemas.microsoft.com/office/drawing/2010/main" xmlns="" w="9525">
                     <a:solidFill>
                       <a:srgbClr val="000000"/>
                     </a:solidFill>
@@ -10071,7 +10071,7 @@
               </a:ln>
               <a:extLst>
                 <a:ext uri="{91240B29-F687-4f45-9708-019B960494DF}">
-                  <a14:hiddenLine xmlns="" xmlns:a14="http://schemas.microsoft.com/office/drawing/2010/main" w="9525">
+                  <a14:hiddenLine xmlns:a14="http://schemas.microsoft.com/office/drawing/2010/main" xmlns="" w="9525">
                     <a:solidFill>
                       <a:srgbClr val="000000"/>
                     </a:solidFill>
@@ -10133,7 +10133,7 @@
               </a:ln>
               <a:extLst>
                 <a:ext uri="{91240B29-F687-4f45-9708-019B960494DF}">
-                  <a14:hiddenLine xmlns="" xmlns:a14="http://schemas.microsoft.com/office/drawing/2010/main" w="9525">
+                  <a14:hiddenLine xmlns:a14="http://schemas.microsoft.com/office/drawing/2010/main" xmlns="" w="9525">
                     <a:solidFill>
                       <a:srgbClr val="000000"/>
                     </a:solidFill>
@@ -10195,7 +10195,7 @@
               </a:ln>
               <a:extLst>
                 <a:ext uri="{91240B29-F687-4f45-9708-019B960494DF}">
-                  <a14:hiddenLine xmlns="" xmlns:a14="http://schemas.microsoft.com/office/drawing/2010/main" w="9525">
+                  <a14:hiddenLine xmlns:a14="http://schemas.microsoft.com/office/drawing/2010/main" xmlns="" w="9525">
                     <a:solidFill>
                       <a:srgbClr val="000000"/>
                     </a:solidFill>
@@ -10285,7 +10285,7 @@
               </a:ln>
               <a:extLst>
                 <a:ext uri="{91240B29-F687-4f45-9708-019B960494DF}">
-                  <a14:hiddenLine xmlns="" xmlns:a14="http://schemas.microsoft.com/office/drawing/2010/main" w="9525">
+                  <a14:hiddenLine xmlns:a14="http://schemas.microsoft.com/office/drawing/2010/main" xmlns="" w="9525">
                     <a:solidFill>
                       <a:srgbClr val="000000"/>
                     </a:solidFill>
@@ -10319,7 +10319,7 @@
               </a:ln>
               <a:extLst>
                 <a:ext uri="{91240B29-F687-4f45-9708-019B960494DF}">
-                  <a14:hiddenLine xmlns="" xmlns:a14="http://schemas.microsoft.com/office/drawing/2010/main" w="9525">
+                  <a14:hiddenLine xmlns:a14="http://schemas.microsoft.com/office/drawing/2010/main" xmlns="" w="9525">
                     <a:solidFill>
                       <a:srgbClr val="000000"/>
                     </a:solidFill>
@@ -10384,7 +10384,7 @@
               </a:ln>
               <a:extLst>
                 <a:ext uri="{91240B29-F687-4f45-9708-019B960494DF}">
-                  <a14:hiddenLine xmlns="" xmlns:a14="http://schemas.microsoft.com/office/drawing/2010/main" w="9525">
+                  <a14:hiddenLine xmlns:a14="http://schemas.microsoft.com/office/drawing/2010/main" xmlns="" w="9525">
                     <a:solidFill>
                       <a:srgbClr val="000000"/>
                     </a:solidFill>
@@ -10474,7 +10474,7 @@
               </a:ln>
               <a:extLst>
                 <a:ext uri="{91240B29-F687-4f45-9708-019B960494DF}">
-                  <a14:hiddenLine xmlns="" xmlns:a14="http://schemas.microsoft.com/office/drawing/2010/main" w="9525">
+                  <a14:hiddenLine xmlns:a14="http://schemas.microsoft.com/office/drawing/2010/main" xmlns="" w="9525">
                     <a:solidFill>
                       <a:srgbClr val="000000"/>
                     </a:solidFill>
@@ -10536,7 +10536,7 @@
               </a:ln>
               <a:extLst>
                 <a:ext uri="{91240B29-F687-4f45-9708-019B960494DF}">
-                  <a14:hiddenLine xmlns="" xmlns:a14="http://schemas.microsoft.com/office/drawing/2010/main" w="9525">
+                  <a14:hiddenLine xmlns:a14="http://schemas.microsoft.com/office/drawing/2010/main" xmlns="" w="9525">
                     <a:solidFill>
                       <a:srgbClr val="000000"/>
                     </a:solidFill>
@@ -10626,7 +10626,7 @@
               </a:ln>
               <a:extLst>
                 <a:ext uri="{91240B29-F687-4f45-9708-019B960494DF}">
-                  <a14:hiddenLine xmlns="" xmlns:a14="http://schemas.microsoft.com/office/drawing/2010/main" w="9525">
+                  <a14:hiddenLine xmlns:a14="http://schemas.microsoft.com/office/drawing/2010/main" xmlns="" w="9525">
                     <a:solidFill>
                       <a:srgbClr val="000000"/>
                     </a:solidFill>
@@ -10691,7 +10691,7 @@
               </a:ln>
               <a:extLst>
                 <a:ext uri="{91240B29-F687-4f45-9708-019B960494DF}">
-                  <a14:hiddenLine xmlns="" xmlns:a14="http://schemas.microsoft.com/office/drawing/2010/main" w="9525">
+                  <a14:hiddenLine xmlns:a14="http://schemas.microsoft.com/office/drawing/2010/main" xmlns="" w="9525">
                     <a:solidFill>
                       <a:srgbClr val="000000"/>
                     </a:solidFill>
@@ -10753,7 +10753,7 @@
               </a:ln>
               <a:extLst>
                 <a:ext uri="{91240B29-F687-4f45-9708-019B960494DF}">
-                  <a14:hiddenLine xmlns="" xmlns:a14="http://schemas.microsoft.com/office/drawing/2010/main" w="9525">
+                  <a14:hiddenLine xmlns:a14="http://schemas.microsoft.com/office/drawing/2010/main" xmlns="" w="9525">
                     <a:solidFill>
                       <a:srgbClr val="000000"/>
                     </a:solidFill>
@@ -10843,7 +10843,7 @@
               </a:ln>
               <a:extLst>
                 <a:ext uri="{91240B29-F687-4f45-9708-019B960494DF}">
-                  <a14:hiddenLine xmlns="" xmlns:a14="http://schemas.microsoft.com/office/drawing/2010/main" w="9525">
+                  <a14:hiddenLine xmlns:a14="http://schemas.microsoft.com/office/drawing/2010/main" xmlns="" w="9525">
                     <a:solidFill>
                       <a:srgbClr val="000000"/>
                     </a:solidFill>
@@ -10933,7 +10933,7 @@
               </a:ln>
               <a:extLst>
                 <a:ext uri="{91240B29-F687-4f45-9708-019B960494DF}">
-                  <a14:hiddenLine xmlns="" xmlns:a14="http://schemas.microsoft.com/office/drawing/2010/main" w="9525">
+                  <a14:hiddenLine xmlns:a14="http://schemas.microsoft.com/office/drawing/2010/main" xmlns="" w="9525">
                     <a:solidFill>
                       <a:srgbClr val="000000"/>
                     </a:solidFill>
@@ -10998,7 +10998,7 @@
               </a:ln>
               <a:extLst>
                 <a:ext uri="{91240B29-F687-4f45-9708-019B960494DF}">
-                  <a14:hiddenLine xmlns="" xmlns:a14="http://schemas.microsoft.com/office/drawing/2010/main" w="9525">
+                  <a14:hiddenLine xmlns:a14="http://schemas.microsoft.com/office/drawing/2010/main" xmlns="" w="9525">
                     <a:solidFill>
                       <a:srgbClr val="000000"/>
                     </a:solidFill>
@@ -11118,7 +11118,7 @@
               </a:ln>
               <a:extLst>
                 <a:ext uri="{91240B29-F687-4f45-9708-019B960494DF}">
-                  <a14:hiddenLine xmlns="" xmlns:a14="http://schemas.microsoft.com/office/drawing/2010/main" w="9525">
+                  <a14:hiddenLine xmlns:a14="http://schemas.microsoft.com/office/drawing/2010/main" xmlns="" w="9525">
                     <a:solidFill>
                       <a:srgbClr val="000000"/>
                     </a:solidFill>
@@ -11216,7 +11216,7 @@
               </a:ln>
               <a:extLst>
                 <a:ext uri="{91240B29-F687-4f45-9708-019B960494DF}">
-                  <a14:hiddenLine xmlns="" xmlns:a14="http://schemas.microsoft.com/office/drawing/2010/main" w="9525">
+                  <a14:hiddenLine xmlns:a14="http://schemas.microsoft.com/office/drawing/2010/main" xmlns="" w="9525">
                     <a:solidFill>
                       <a:srgbClr val="000000"/>
                     </a:solidFill>
@@ -11331,7 +11331,7 @@
               </a:ln>
               <a:extLst>
                 <a:ext uri="{91240B29-F687-4f45-9708-019B960494DF}">
-                  <a14:hiddenLine xmlns="" xmlns:a14="http://schemas.microsoft.com/office/drawing/2010/main" w="9525">
+                  <a14:hiddenLine xmlns:a14="http://schemas.microsoft.com/office/drawing/2010/main" xmlns="" w="9525">
                     <a:solidFill>
                       <a:srgbClr val="000000"/>
                     </a:solidFill>
@@ -11421,7 +11421,7 @@
               </a:ln>
               <a:extLst>
                 <a:ext uri="{91240B29-F687-4f45-9708-019B960494DF}">
-                  <a14:hiddenLine xmlns="" xmlns:a14="http://schemas.microsoft.com/office/drawing/2010/main" w="9525">
+                  <a14:hiddenLine xmlns:a14="http://schemas.microsoft.com/office/drawing/2010/main" xmlns="" w="9525">
                     <a:solidFill>
                       <a:srgbClr val="000000"/>
                     </a:solidFill>
@@ -11486,7 +11486,7 @@
               </a:ln>
               <a:extLst>
                 <a:ext uri="{91240B29-F687-4f45-9708-019B960494DF}">
-                  <a14:hiddenLine xmlns="" xmlns:a14="http://schemas.microsoft.com/office/drawing/2010/main" w="9525">
+                  <a14:hiddenLine xmlns:a14="http://schemas.microsoft.com/office/drawing/2010/main" xmlns="" w="9525">
                     <a:solidFill>
                       <a:srgbClr val="000000"/>
                     </a:solidFill>
@@ -11576,7 +11576,7 @@
               </a:ln>
               <a:extLst>
                 <a:ext uri="{91240B29-F687-4f45-9708-019B960494DF}">
-                  <a14:hiddenLine xmlns="" xmlns:a14="http://schemas.microsoft.com/office/drawing/2010/main" w="9525">
+                  <a14:hiddenLine xmlns:a14="http://schemas.microsoft.com/office/drawing/2010/main" xmlns="" w="9525">
                     <a:solidFill>
                       <a:srgbClr val="000000"/>
                     </a:solidFill>
@@ -11644,7 +11644,7 @@
               </a:ln>
               <a:extLst>
                 <a:ext uri="{91240B29-F687-4f45-9708-019B960494DF}">
-                  <a14:hiddenLine xmlns="" xmlns:a14="http://schemas.microsoft.com/office/drawing/2010/main" w="9525">
+                  <a14:hiddenLine xmlns:a14="http://schemas.microsoft.com/office/drawing/2010/main" xmlns="" w="9525">
                     <a:solidFill>
                       <a:srgbClr val="000000"/>
                     </a:solidFill>
@@ -11734,7 +11734,7 @@
               </a:ln>
               <a:extLst>
                 <a:ext uri="{91240B29-F687-4f45-9708-019B960494DF}">
-                  <a14:hiddenLine xmlns="" xmlns:a14="http://schemas.microsoft.com/office/drawing/2010/main" w="9525">
+                  <a14:hiddenLine xmlns:a14="http://schemas.microsoft.com/office/drawing/2010/main" xmlns="" w="9525">
                     <a:solidFill>
                       <a:srgbClr val="000000"/>
                     </a:solidFill>
@@ -11802,7 +11802,7 @@
               </a:ln>
               <a:extLst>
                 <a:ext uri="{91240B29-F687-4f45-9708-019B960494DF}">
-                  <a14:hiddenLine xmlns="" xmlns:a14="http://schemas.microsoft.com/office/drawing/2010/main" w="9525">
+                  <a14:hiddenLine xmlns:a14="http://schemas.microsoft.com/office/drawing/2010/main" xmlns="" w="9525">
                     <a:solidFill>
                       <a:srgbClr val="000000"/>
                     </a:solidFill>
@@ -11892,7 +11892,7 @@
               </a:ln>
               <a:extLst>
                 <a:ext uri="{91240B29-F687-4f45-9708-019B960494DF}">
-                  <a14:hiddenLine xmlns="" xmlns:a14="http://schemas.microsoft.com/office/drawing/2010/main" w="9525">
+                  <a14:hiddenLine xmlns:a14="http://schemas.microsoft.com/office/drawing/2010/main" xmlns="" w="9525">
                     <a:solidFill>
                       <a:srgbClr val="000000"/>
                     </a:solidFill>
@@ -11926,7 +11926,7 @@
               </a:ln>
               <a:extLst>
                 <a:ext uri="{91240B29-F687-4f45-9708-019B960494DF}">
-                  <a14:hiddenLine xmlns="" xmlns:a14="http://schemas.microsoft.com/office/drawing/2010/main" w="9525">
+                  <a14:hiddenLine xmlns:a14="http://schemas.microsoft.com/office/drawing/2010/main" xmlns="" w="9525">
                     <a:solidFill>
                       <a:srgbClr val="000000"/>
                     </a:solidFill>
@@ -12067,7 +12067,7 @@
             <a:fld id="{B61BEF0D-F0BB-DE4B-95CE-6DB70DBA9567}" type="datetimeFigureOut">
               <a:rPr lang="en-US" smtClean="0"/>
               <a:pPr/>
-              <a:t>4/24/2015</a:t>
+              <a:t>4/27/2015</a:t>
             </a:fld>
             <a:endParaRPr lang="en-US" dirty="0"/>
           </a:p>
@@ -12649,11 +12649,7 @@
           <a:p>
             <a:r>
               <a:rPr lang="en-US" dirty="0" smtClean="0"/>
-              <a:t>Static types </a:t>
-            </a:r>
-            <a:r>
-              <a:rPr lang="en-US" dirty="0" smtClean="0"/>
-              <a:t>+ </a:t>
+              <a:t>Static types + </a:t>
             </a:r>
             <a:r>
               <a:rPr lang="en-US" dirty="0" err="1" smtClean="0"/>
@@ -12661,11 +12657,7 @@
             </a:r>
             <a:r>
               <a:rPr lang="en-US" dirty="0" smtClean="0"/>
-              <a:t> </a:t>
-            </a:r>
-            <a:r>
-              <a:rPr lang="en-US" dirty="0" smtClean="0"/>
-              <a:t>for:</a:t>
+              <a:t> for:</a:t>
             </a:r>
           </a:p>
           <a:p>
@@ -12696,13 +12688,8 @@
           <a:p>
             <a:r>
               <a:rPr lang="en-US" dirty="0" smtClean="0"/>
-              <a:t>Simple connection </a:t>
-            </a:r>
-            <a:r>
-              <a:rPr lang="en-US" dirty="0" smtClean="0"/>
-              <a:t>management – it just works</a:t>
-            </a:r>
-            <a:endParaRPr lang="en-US" dirty="0" smtClean="0"/>
+              <a:t>Simple connection management – it just works</a:t>
+            </a:r>
           </a:p>
           <a:p>
             <a:r>
@@ -13897,6 +13884,45 @@
           </a:prstGeom>
         </p:spPr>
       </p:pic>
+      <p:sp>
+        <p:nvSpPr>
+          <p:cNvPr id="3" name="TextBox 2"/>
+          <p:cNvSpPr txBox="1"/>
+          <p:nvPr/>
+        </p:nvSpPr>
+        <p:spPr>
+          <a:xfrm>
+            <a:off x="1920240" y="2057400"/>
+            <a:ext cx="8618220" cy="400110"/>
+          </a:xfrm>
+          <a:prstGeom prst="rect">
+            <a:avLst/>
+          </a:prstGeom>
+          <a:noFill/>
+        </p:spPr>
+        <p:txBody>
+          <a:bodyPr wrap="square" rtlCol="0">
+            <a:spAutoFit/>
+          </a:bodyPr>
+          <a:lstStyle/>
+          <a:p>
+            <a:pPr algn="ctr"/>
+            <a:r>
+              <a:rPr lang="en-US" sz="2000" dirty="0">
+                <a:solidFill>
+                  <a:schemeClr val="bg1"/>
+                </a:solidFill>
+              </a:rPr>
+              <a:t>We create technology to optimize energy production for the oil and gas industry.</a:t>
+            </a:r>
+            <a:endParaRPr lang="en-US" sz="2000" dirty="0">
+              <a:solidFill>
+                <a:schemeClr val="bg1"/>
+              </a:solidFill>
+            </a:endParaRPr>
+          </a:p>
+        </p:txBody>
+      </p:sp>
     </p:spTree>
     <p:extLst>
       <p:ext uri="{BB962C8B-B14F-4D97-AF65-F5344CB8AC3E}">
@@ -14541,15 +14567,7 @@
           <a:p>
             <a:r>
               <a:rPr lang="en-US" dirty="0" smtClean="0"/>
-              <a:t>3 </a:t>
-            </a:r>
-            <a:r>
-              <a:rPr lang="en-US" dirty="0" smtClean="0"/>
-              <a:t>THINGS DEVELOPERS CARE ABOUT</a:t>
-            </a:r>
-            <a:r>
-              <a:rPr lang="en-US" dirty="0" smtClean="0"/>
-              <a:t>	</a:t>
+              <a:t>3 THINGS DEVELOPERS CARE ABOUT	</a:t>
             </a:r>
             <a:endParaRPr lang="en-US" dirty="0"/>
           </a:p>
@@ -14684,7 +14702,7 @@
             <p:ph idx="1"/>
             <p:extLst>
               <p:ext uri="{D42A27DB-BD31-4B8C-83A1-F6EECF244321}">
-                <p14:modId xmlns:p14="http://schemas.microsoft.com/office/powerpoint/2010/main" val="2857965608"/>
+                <p14:modId xmlns:p14="http://schemas.microsoft.com/office/powerpoint/2010/main" val="4000920075"/>
               </p:ext>
             </p:extLst>
           </p:nvPr>
@@ -14840,7 +14858,11 @@
                     <a:p>
                       <a:r>
                         <a:rPr lang="en-US" dirty="0" smtClean="0"/>
-                        <a:t>ORM - EF</a:t>
+                        <a:t>ORM </a:t>
+                      </a:r>
+                      <a:r>
+                        <a:rPr lang="en-US" dirty="0" smtClean="0"/>
+                        <a:t>– EF, NHibernate</a:t>
                       </a:r>
                       <a:endParaRPr lang="en-US" dirty="0"/>
                     </a:p>
@@ -14927,7 +14949,15 @@
                       </a:pPr>
                       <a:r>
                         <a:rPr lang="en-US" dirty="0" smtClean="0"/>
-                        <a:t>Light ORM - Dapper</a:t>
+                        <a:t>Light ORM </a:t>
+                      </a:r>
+                      <a:r>
+                        <a:rPr lang="en-US" dirty="0" smtClean="0"/>
+                        <a:t>- </a:t>
+                      </a:r>
+                      <a:r>
+                        <a:rPr lang="en-US" dirty="0" smtClean="0"/>
+                        <a:t>Dapper</a:t>
                       </a:r>
                     </a:p>
                   </a:txBody>
@@ -15048,6 +15078,10 @@
                         <a:tabLst/>
                         <a:defRPr/>
                       </a:pPr>
+                      <a:r>
+                        <a:rPr lang="en-US" baseline="0" dirty="0" smtClean="0"/>
+                        <a:t>F# </a:t>
+                      </a:r>
                       <a:r>
                         <a:rPr lang="en-US" baseline="0" dirty="0" err="1" smtClean="0"/>
                         <a:t>SQLProvider</a:t>

--- a/SF FSharp UG. 2015-04-28/slides.pptx
+++ b/SF FSharp UG. 2015-04-28/slides.pptx
@@ -6,22 +6,21 @@
   </p:sldMasterIdLst>
   <p:sldIdLst>
     <p:sldId id="256" r:id="rId2"/>
-    <p:sldId id="307" r:id="rId3"/>
-    <p:sldId id="308" r:id="rId4"/>
-    <p:sldId id="288" r:id="rId5"/>
-    <p:sldId id="289" r:id="rId6"/>
-    <p:sldId id="291" r:id="rId7"/>
-    <p:sldId id="310" r:id="rId8"/>
-    <p:sldId id="302" r:id="rId9"/>
-    <p:sldId id="312" r:id="rId10"/>
-    <p:sldId id="313" r:id="rId11"/>
-    <p:sldId id="314" r:id="rId12"/>
-    <p:sldId id="315" r:id="rId13"/>
-    <p:sldId id="316" r:id="rId14"/>
-    <p:sldId id="317" r:id="rId15"/>
-    <p:sldId id="298" r:id="rId16"/>
-    <p:sldId id="297" r:id="rId17"/>
-    <p:sldId id="306" r:id="rId18"/>
+    <p:sldId id="308" r:id="rId3"/>
+    <p:sldId id="288" r:id="rId4"/>
+    <p:sldId id="289" r:id="rId5"/>
+    <p:sldId id="291" r:id="rId6"/>
+    <p:sldId id="310" r:id="rId7"/>
+    <p:sldId id="302" r:id="rId8"/>
+    <p:sldId id="312" r:id="rId9"/>
+    <p:sldId id="313" r:id="rId10"/>
+    <p:sldId id="314" r:id="rId11"/>
+    <p:sldId id="315" r:id="rId12"/>
+    <p:sldId id="316" r:id="rId13"/>
+    <p:sldId id="317" r:id="rId14"/>
+    <p:sldId id="298" r:id="rId15"/>
+    <p:sldId id="297" r:id="rId16"/>
+    <p:sldId id="306" r:id="rId17"/>
   </p:sldIdLst>
   <p:sldSz cx="12192000" cy="6858000"/>
   <p:notesSz cx="6858000" cy="9144000"/>
@@ -178,7 +177,7 @@
           <a:noFill/>
           <a:extLst>
             <a:ext uri="{909E8E84-426E-40dd-AFC4-6F175D3DCCD1}">
-              <a14:hiddenFill xmlns:a14="http://schemas.microsoft.com/office/drawing/2010/main" xmlns="">
+              <a14:hiddenFill xmlns="" xmlns:a14="http://schemas.microsoft.com/office/drawing/2010/main">
                 <a:solidFill>
                   <a:srgbClr val="FFFFFF"/>
                 </a:solidFill>
@@ -238,7 +237,7 @@
             </a:ln>
             <a:extLst>
               <a:ext uri="{91240B29-F687-4f45-9708-019B960494DF}">
-                <a14:hiddenLine xmlns:a14="http://schemas.microsoft.com/office/drawing/2010/main" xmlns="" w="9525">
+                <a14:hiddenLine xmlns="" xmlns:a14="http://schemas.microsoft.com/office/drawing/2010/main" w="9525">
                   <a:solidFill>
                     <a:srgbClr val="000000"/>
                   </a:solidFill>
@@ -328,7 +327,7 @@
             </a:ln>
             <a:extLst>
               <a:ext uri="{91240B29-F687-4f45-9708-019B960494DF}">
-                <a14:hiddenLine xmlns:a14="http://schemas.microsoft.com/office/drawing/2010/main" xmlns="" w="9525">
+                <a14:hiddenLine xmlns="" xmlns:a14="http://schemas.microsoft.com/office/drawing/2010/main" w="9525">
                   <a:solidFill>
                     <a:srgbClr val="000000"/>
                   </a:solidFill>
@@ -418,7 +417,7 @@
             </a:ln>
             <a:extLst>
               <a:ext uri="{91240B29-F687-4f45-9708-019B960494DF}">
-                <a14:hiddenLine xmlns:a14="http://schemas.microsoft.com/office/drawing/2010/main" xmlns="" w="9525">
+                <a14:hiddenLine xmlns="" xmlns:a14="http://schemas.microsoft.com/office/drawing/2010/main" w="9525">
                   <a:solidFill>
                     <a:srgbClr val="000000"/>
                   </a:solidFill>
@@ -452,7 +451,7 @@
             </a:ln>
             <a:extLst>
               <a:ext uri="{91240B29-F687-4f45-9708-019B960494DF}">
-                <a14:hiddenLine xmlns:a14="http://schemas.microsoft.com/office/drawing/2010/main" xmlns="" w="9525">
+                <a14:hiddenLine xmlns="" xmlns:a14="http://schemas.microsoft.com/office/drawing/2010/main" w="9525">
                   <a:solidFill>
                     <a:srgbClr val="000000"/>
                   </a:solidFill>
@@ -542,7 +541,7 @@
             </a:ln>
             <a:extLst>
               <a:ext uri="{91240B29-F687-4f45-9708-019B960494DF}">
-                <a14:hiddenLine xmlns:a14="http://schemas.microsoft.com/office/drawing/2010/main" xmlns="" w="9525">
+                <a14:hiddenLine xmlns="" xmlns:a14="http://schemas.microsoft.com/office/drawing/2010/main" w="9525">
                   <a:solidFill>
                     <a:srgbClr val="000000"/>
                   </a:solidFill>
@@ -604,7 +603,7 @@
             </a:ln>
             <a:extLst>
               <a:ext uri="{91240B29-F687-4f45-9708-019B960494DF}">
-                <a14:hiddenLine xmlns:a14="http://schemas.microsoft.com/office/drawing/2010/main" xmlns="" w="9525">
+                <a14:hiddenLine xmlns="" xmlns:a14="http://schemas.microsoft.com/office/drawing/2010/main" w="9525">
                   <a:solidFill>
                     <a:srgbClr val="000000"/>
                   </a:solidFill>
@@ -666,7 +665,7 @@
             </a:ln>
             <a:extLst>
               <a:ext uri="{91240B29-F687-4f45-9708-019B960494DF}">
-                <a14:hiddenLine xmlns:a14="http://schemas.microsoft.com/office/drawing/2010/main" xmlns="" w="9525">
+                <a14:hiddenLine xmlns="" xmlns:a14="http://schemas.microsoft.com/office/drawing/2010/main" w="9525">
                   <a:solidFill>
                     <a:srgbClr val="000000"/>
                   </a:solidFill>
@@ -756,7 +755,7 @@
             </a:ln>
             <a:extLst>
               <a:ext uri="{91240B29-F687-4f45-9708-019B960494DF}">
-                <a14:hiddenLine xmlns:a14="http://schemas.microsoft.com/office/drawing/2010/main" xmlns="" w="9525">
+                <a14:hiddenLine xmlns="" xmlns:a14="http://schemas.microsoft.com/office/drawing/2010/main" w="9525">
                   <a:solidFill>
                     <a:srgbClr val="000000"/>
                   </a:solidFill>
@@ -818,7 +817,7 @@
             </a:ln>
             <a:extLst>
               <a:ext uri="{91240B29-F687-4f45-9708-019B960494DF}">
-                <a14:hiddenLine xmlns:a14="http://schemas.microsoft.com/office/drawing/2010/main" xmlns="" w="9525">
+                <a14:hiddenLine xmlns="" xmlns:a14="http://schemas.microsoft.com/office/drawing/2010/main" w="9525">
                   <a:solidFill>
                     <a:srgbClr val="000000"/>
                   </a:solidFill>
@@ -880,7 +879,7 @@
             </a:ln>
             <a:extLst>
               <a:ext uri="{91240B29-F687-4f45-9708-019B960494DF}">
-                <a14:hiddenLine xmlns:a14="http://schemas.microsoft.com/office/drawing/2010/main" xmlns="" w="9525">
+                <a14:hiddenLine xmlns="" xmlns:a14="http://schemas.microsoft.com/office/drawing/2010/main" w="9525">
                   <a:solidFill>
                     <a:srgbClr val="000000"/>
                   </a:solidFill>
@@ -970,7 +969,7 @@
             </a:ln>
             <a:extLst>
               <a:ext uri="{91240B29-F687-4f45-9708-019B960494DF}">
-                <a14:hiddenLine xmlns:a14="http://schemas.microsoft.com/office/drawing/2010/main" xmlns="" w="9525">
+                <a14:hiddenLine xmlns="" xmlns:a14="http://schemas.microsoft.com/office/drawing/2010/main" w="9525">
                   <a:solidFill>
                     <a:srgbClr val="000000"/>
                   </a:solidFill>
@@ -1060,7 +1059,7 @@
             </a:ln>
             <a:extLst>
               <a:ext uri="{91240B29-F687-4f45-9708-019B960494DF}">
-                <a14:hiddenLine xmlns:a14="http://schemas.microsoft.com/office/drawing/2010/main" xmlns="" w="9525">
+                <a14:hiddenLine xmlns="" xmlns:a14="http://schemas.microsoft.com/office/drawing/2010/main" w="9525">
                   <a:solidFill>
                     <a:srgbClr val="000000"/>
                   </a:solidFill>
@@ -1122,7 +1121,7 @@
             </a:ln>
             <a:extLst>
               <a:ext uri="{91240B29-F687-4f45-9708-019B960494DF}">
-                <a14:hiddenLine xmlns:a14="http://schemas.microsoft.com/office/drawing/2010/main" xmlns="" w="9525">
+                <a14:hiddenLine xmlns="" xmlns:a14="http://schemas.microsoft.com/office/drawing/2010/main" w="9525">
                   <a:solidFill>
                     <a:srgbClr val="000000"/>
                   </a:solidFill>
@@ -1232,7 +1231,7 @@
             </a:ln>
             <a:extLst>
               <a:ext uri="{91240B29-F687-4f45-9708-019B960494DF}">
-                <a14:hiddenLine xmlns:a14="http://schemas.microsoft.com/office/drawing/2010/main" xmlns="" w="9525">
+                <a14:hiddenLine xmlns="" xmlns:a14="http://schemas.microsoft.com/office/drawing/2010/main" w="9525">
                   <a:solidFill>
                     <a:srgbClr val="000000"/>
                   </a:solidFill>
@@ -1294,7 +1293,7 @@
             </a:ln>
             <a:extLst>
               <a:ext uri="{91240B29-F687-4f45-9708-019B960494DF}">
-                <a14:hiddenLine xmlns:a14="http://schemas.microsoft.com/office/drawing/2010/main" xmlns="" w="9525">
+                <a14:hiddenLine xmlns="" xmlns:a14="http://schemas.microsoft.com/office/drawing/2010/main" w="9525">
                   <a:solidFill>
                     <a:srgbClr val="000000"/>
                   </a:solidFill>
@@ -1384,7 +1383,7 @@
             </a:ln>
             <a:extLst>
               <a:ext uri="{91240B29-F687-4f45-9708-019B960494DF}">
-                <a14:hiddenLine xmlns:a14="http://schemas.microsoft.com/office/drawing/2010/main" xmlns="" w="9525">
+                <a14:hiddenLine xmlns="" xmlns:a14="http://schemas.microsoft.com/office/drawing/2010/main" w="9525">
                   <a:solidFill>
                     <a:srgbClr val="000000"/>
                   </a:solidFill>
@@ -1474,7 +1473,7 @@
             </a:ln>
             <a:extLst>
               <a:ext uri="{91240B29-F687-4f45-9708-019B960494DF}">
-                <a14:hiddenLine xmlns:a14="http://schemas.microsoft.com/office/drawing/2010/main" xmlns="" w="9525">
+                <a14:hiddenLine xmlns="" xmlns:a14="http://schemas.microsoft.com/office/drawing/2010/main" w="9525">
                   <a:solidFill>
                     <a:srgbClr val="000000"/>
                   </a:solidFill>
@@ -1536,7 +1535,7 @@
             </a:ln>
             <a:extLst>
               <a:ext uri="{91240B29-F687-4f45-9708-019B960494DF}">
-                <a14:hiddenLine xmlns:a14="http://schemas.microsoft.com/office/drawing/2010/main" xmlns="" w="9525">
+                <a14:hiddenLine xmlns="" xmlns:a14="http://schemas.microsoft.com/office/drawing/2010/main" w="9525">
                   <a:solidFill>
                     <a:srgbClr val="000000"/>
                   </a:solidFill>
@@ -1626,7 +1625,7 @@
             </a:ln>
             <a:extLst>
               <a:ext uri="{91240B29-F687-4f45-9708-019B960494DF}">
-                <a14:hiddenLine xmlns:a14="http://schemas.microsoft.com/office/drawing/2010/main" xmlns="" w="9525">
+                <a14:hiddenLine xmlns="" xmlns:a14="http://schemas.microsoft.com/office/drawing/2010/main" w="9525">
                   <a:solidFill>
                     <a:srgbClr val="000000"/>
                   </a:solidFill>
@@ -1716,7 +1715,7 @@
             </a:ln>
             <a:extLst>
               <a:ext uri="{91240B29-F687-4f45-9708-019B960494DF}">
-                <a14:hiddenLine xmlns:a14="http://schemas.microsoft.com/office/drawing/2010/main" xmlns="" w="9525">
+                <a14:hiddenLine xmlns="" xmlns:a14="http://schemas.microsoft.com/office/drawing/2010/main" w="9525">
                   <a:solidFill>
                     <a:srgbClr val="000000"/>
                   </a:solidFill>
@@ -1772,7 +1771,7 @@
             </a:ln>
             <a:extLst>
               <a:ext uri="{91240B29-F687-4f45-9708-019B960494DF}">
-                <a14:hiddenLine xmlns:a14="http://schemas.microsoft.com/office/drawing/2010/main" xmlns="" w="9525">
+                <a14:hiddenLine xmlns="" xmlns:a14="http://schemas.microsoft.com/office/drawing/2010/main" w="9525">
                   <a:solidFill>
                     <a:srgbClr val="000000"/>
                   </a:solidFill>
@@ -1862,7 +1861,7 @@
             </a:ln>
             <a:extLst>
               <a:ext uri="{91240B29-F687-4f45-9708-019B960494DF}">
-                <a14:hiddenLine xmlns:a14="http://schemas.microsoft.com/office/drawing/2010/main" xmlns="" w="9525">
+                <a14:hiddenLine xmlns="" xmlns:a14="http://schemas.microsoft.com/office/drawing/2010/main" w="9525">
                   <a:solidFill>
                     <a:srgbClr val="000000"/>
                   </a:solidFill>
@@ -1918,7 +1917,7 @@
             </a:ln>
             <a:extLst>
               <a:ext uri="{91240B29-F687-4f45-9708-019B960494DF}">
-                <a14:hiddenLine xmlns:a14="http://schemas.microsoft.com/office/drawing/2010/main" xmlns="" w="9525">
+                <a14:hiddenLine xmlns="" xmlns:a14="http://schemas.microsoft.com/office/drawing/2010/main" w="9525">
                   <a:solidFill>
                     <a:srgbClr val="000000"/>
                   </a:solidFill>
@@ -2008,7 +2007,7 @@
             </a:ln>
             <a:extLst>
               <a:ext uri="{91240B29-F687-4f45-9708-019B960494DF}">
-                <a14:hiddenLine xmlns:a14="http://schemas.microsoft.com/office/drawing/2010/main" xmlns="" w="9525">
+                <a14:hiddenLine xmlns="" xmlns:a14="http://schemas.microsoft.com/office/drawing/2010/main" w="9525">
                   <a:solidFill>
                     <a:srgbClr val="000000"/>
                   </a:solidFill>
@@ -2076,7 +2075,7 @@
             </a:ln>
             <a:extLst>
               <a:ext uri="{91240B29-F687-4f45-9708-019B960494DF}">
-                <a14:hiddenLine xmlns:a14="http://schemas.microsoft.com/office/drawing/2010/main" xmlns="" w="9525">
+                <a14:hiddenLine xmlns="" xmlns:a14="http://schemas.microsoft.com/office/drawing/2010/main" w="9525">
                   <a:solidFill>
                     <a:srgbClr val="000000"/>
                   </a:solidFill>
@@ -2166,7 +2165,7 @@
             </a:ln>
             <a:extLst>
               <a:ext uri="{91240B29-F687-4f45-9708-019B960494DF}">
-                <a14:hiddenLine xmlns:a14="http://schemas.microsoft.com/office/drawing/2010/main" xmlns="" w="9525">
+                <a14:hiddenLine xmlns="" xmlns:a14="http://schemas.microsoft.com/office/drawing/2010/main" w="9525">
                   <a:solidFill>
                     <a:srgbClr val="000000"/>
                   </a:solidFill>
@@ -2234,7 +2233,7 @@
             </a:ln>
             <a:extLst>
               <a:ext uri="{91240B29-F687-4f45-9708-019B960494DF}">
-                <a14:hiddenLine xmlns:a14="http://schemas.microsoft.com/office/drawing/2010/main" xmlns="" w="9525">
+                <a14:hiddenLine xmlns="" xmlns:a14="http://schemas.microsoft.com/office/drawing/2010/main" w="9525">
                   <a:solidFill>
                     <a:srgbClr val="000000"/>
                   </a:solidFill>
@@ -2324,7 +2323,7 @@
             </a:ln>
             <a:extLst>
               <a:ext uri="{91240B29-F687-4f45-9708-019B960494DF}">
-                <a14:hiddenLine xmlns:a14="http://schemas.microsoft.com/office/drawing/2010/main" xmlns="" w="9525">
+                <a14:hiddenLine xmlns="" xmlns:a14="http://schemas.microsoft.com/office/drawing/2010/main" w="9525">
                   <a:solidFill>
                     <a:srgbClr val="000000"/>
                   </a:solidFill>
@@ -2358,7 +2357,7 @@
             </a:ln>
             <a:extLst>
               <a:ext uri="{91240B29-F687-4f45-9708-019B960494DF}">
-                <a14:hiddenLine xmlns:a14="http://schemas.microsoft.com/office/drawing/2010/main" xmlns="" w="9525">
+                <a14:hiddenLine xmlns="" xmlns:a14="http://schemas.microsoft.com/office/drawing/2010/main" w="9525">
                   <a:solidFill>
                     <a:srgbClr val="000000"/>
                   </a:solidFill>
@@ -2448,7 +2447,7 @@
             </a:ln>
             <a:extLst>
               <a:ext uri="{91240B29-F687-4f45-9708-019B960494DF}">
-                <a14:hiddenLine xmlns:a14="http://schemas.microsoft.com/office/drawing/2010/main" xmlns="" w="9525">
+                <a14:hiddenLine xmlns="" xmlns:a14="http://schemas.microsoft.com/office/drawing/2010/main" w="9525">
                   <a:solidFill>
                     <a:srgbClr val="000000"/>
                   </a:solidFill>
@@ -2510,7 +2509,7 @@
             </a:ln>
             <a:extLst>
               <a:ext uri="{91240B29-F687-4f45-9708-019B960494DF}">
-                <a14:hiddenLine xmlns:a14="http://schemas.microsoft.com/office/drawing/2010/main" xmlns="" w="9525">
+                <a14:hiddenLine xmlns="" xmlns:a14="http://schemas.microsoft.com/office/drawing/2010/main" w="9525">
                   <a:solidFill>
                     <a:srgbClr val="000000"/>
                   </a:solidFill>
@@ -2572,7 +2571,7 @@
             </a:ln>
             <a:extLst>
               <a:ext uri="{91240B29-F687-4f45-9708-019B960494DF}">
-                <a14:hiddenLine xmlns:a14="http://schemas.microsoft.com/office/drawing/2010/main" xmlns="" w="9525">
+                <a14:hiddenLine xmlns="" xmlns:a14="http://schemas.microsoft.com/office/drawing/2010/main" w="9525">
                   <a:solidFill>
                     <a:srgbClr val="000000"/>
                   </a:solidFill>
@@ -2662,7 +2661,7 @@
             </a:ln>
             <a:extLst>
               <a:ext uri="{91240B29-F687-4f45-9708-019B960494DF}">
-                <a14:hiddenLine xmlns:a14="http://schemas.microsoft.com/office/drawing/2010/main" xmlns="" w="9525">
+                <a14:hiddenLine xmlns="" xmlns:a14="http://schemas.microsoft.com/office/drawing/2010/main" w="9525">
                   <a:solidFill>
                     <a:srgbClr val="000000"/>
                   </a:solidFill>
@@ -2730,7 +2729,7 @@
             </a:ln>
             <a:extLst>
               <a:ext uri="{91240B29-F687-4f45-9708-019B960494DF}">
-                <a14:hiddenLine xmlns:a14="http://schemas.microsoft.com/office/drawing/2010/main" xmlns="" w="9525">
+                <a14:hiddenLine xmlns="" xmlns:a14="http://schemas.microsoft.com/office/drawing/2010/main" w="9525">
                   <a:solidFill>
                     <a:srgbClr val="000000"/>
                   </a:solidFill>
@@ -2792,7 +2791,7 @@
             </a:ln>
             <a:extLst>
               <a:ext uri="{91240B29-F687-4f45-9708-019B960494DF}">
-                <a14:hiddenLine xmlns:a14="http://schemas.microsoft.com/office/drawing/2010/main" xmlns="" w="9525">
+                <a14:hiddenLine xmlns="" xmlns:a14="http://schemas.microsoft.com/office/drawing/2010/main" w="9525">
                   <a:solidFill>
                     <a:srgbClr val="000000"/>
                   </a:solidFill>
@@ -2882,7 +2881,7 @@
             </a:ln>
             <a:extLst>
               <a:ext uri="{91240B29-F687-4f45-9708-019B960494DF}">
-                <a14:hiddenLine xmlns:a14="http://schemas.microsoft.com/office/drawing/2010/main" xmlns="" w="9525">
+                <a14:hiddenLine xmlns="" xmlns:a14="http://schemas.microsoft.com/office/drawing/2010/main" w="9525">
                   <a:solidFill>
                     <a:srgbClr val="000000"/>
                   </a:solidFill>
@@ -2944,7 +2943,7 @@
             </a:ln>
             <a:extLst>
               <a:ext uri="{91240B29-F687-4f45-9708-019B960494DF}">
-                <a14:hiddenLine xmlns:a14="http://schemas.microsoft.com/office/drawing/2010/main" xmlns="" w="9525">
+                <a14:hiddenLine xmlns="" xmlns:a14="http://schemas.microsoft.com/office/drawing/2010/main" w="9525">
                   <a:solidFill>
                     <a:srgbClr val="000000"/>
                   </a:solidFill>
@@ -3034,7 +3033,7 @@
             </a:ln>
             <a:extLst>
               <a:ext uri="{91240B29-F687-4f45-9708-019B960494DF}">
-                <a14:hiddenLine xmlns:a14="http://schemas.microsoft.com/office/drawing/2010/main" xmlns="" w="9525">
+                <a14:hiddenLine xmlns="" xmlns:a14="http://schemas.microsoft.com/office/drawing/2010/main" w="9525">
                   <a:solidFill>
                     <a:srgbClr val="000000"/>
                   </a:solidFill>
@@ -3096,7 +3095,7 @@
             </a:ln>
             <a:extLst>
               <a:ext uri="{91240B29-F687-4f45-9708-019B960494DF}">
-                <a14:hiddenLine xmlns:a14="http://schemas.microsoft.com/office/drawing/2010/main" xmlns="" w="9525">
+                <a14:hiddenLine xmlns="" xmlns:a14="http://schemas.microsoft.com/office/drawing/2010/main" w="9525">
                   <a:solidFill>
                     <a:srgbClr val="000000"/>
                   </a:solidFill>
@@ -3186,7 +3185,7 @@
             </a:ln>
             <a:extLst>
               <a:ext uri="{91240B29-F687-4f45-9708-019B960494DF}">
-                <a14:hiddenLine xmlns:a14="http://schemas.microsoft.com/office/drawing/2010/main" xmlns="" w="9525">
+                <a14:hiddenLine xmlns="" xmlns:a14="http://schemas.microsoft.com/office/drawing/2010/main" w="9525">
                   <a:solidFill>
                     <a:srgbClr val="000000"/>
                   </a:solidFill>
@@ -3220,7 +3219,7 @@
             </a:ln>
             <a:extLst>
               <a:ext uri="{91240B29-F687-4f45-9708-019B960494DF}">
-                <a14:hiddenLine xmlns:a14="http://schemas.microsoft.com/office/drawing/2010/main" xmlns="" w="9525">
+                <a14:hiddenLine xmlns="" xmlns:a14="http://schemas.microsoft.com/office/drawing/2010/main" w="9525">
                   <a:solidFill>
                     <a:srgbClr val="000000"/>
                   </a:solidFill>
@@ -3285,7 +3284,7 @@
             </a:ln>
             <a:extLst>
               <a:ext uri="{91240B29-F687-4f45-9708-019B960494DF}">
-                <a14:hiddenLine xmlns:a14="http://schemas.microsoft.com/office/drawing/2010/main" xmlns="" w="9525">
+                <a14:hiddenLine xmlns="" xmlns:a14="http://schemas.microsoft.com/office/drawing/2010/main" w="9525">
                   <a:solidFill>
                     <a:srgbClr val="000000"/>
                   </a:solidFill>
@@ -3375,7 +3374,7 @@
             </a:ln>
             <a:extLst>
               <a:ext uri="{91240B29-F687-4f45-9708-019B960494DF}">
-                <a14:hiddenLine xmlns:a14="http://schemas.microsoft.com/office/drawing/2010/main" xmlns="" w="9525">
+                <a14:hiddenLine xmlns="" xmlns:a14="http://schemas.microsoft.com/office/drawing/2010/main" w="9525">
                   <a:solidFill>
                     <a:srgbClr val="000000"/>
                   </a:solidFill>
@@ -3437,7 +3436,7 @@
             </a:ln>
             <a:extLst>
               <a:ext uri="{91240B29-F687-4f45-9708-019B960494DF}">
-                <a14:hiddenLine xmlns:a14="http://schemas.microsoft.com/office/drawing/2010/main" xmlns="" w="9525">
+                <a14:hiddenLine xmlns="" xmlns:a14="http://schemas.microsoft.com/office/drawing/2010/main" w="9525">
                   <a:solidFill>
                     <a:srgbClr val="000000"/>
                   </a:solidFill>
@@ -3527,7 +3526,7 @@
             </a:ln>
             <a:extLst>
               <a:ext uri="{91240B29-F687-4f45-9708-019B960494DF}">
-                <a14:hiddenLine xmlns:a14="http://schemas.microsoft.com/office/drawing/2010/main" xmlns="" w="9525">
+                <a14:hiddenLine xmlns="" xmlns:a14="http://schemas.microsoft.com/office/drawing/2010/main" w="9525">
                   <a:solidFill>
                     <a:srgbClr val="000000"/>
                   </a:solidFill>
@@ -3617,7 +3616,7 @@
             </a:ln>
             <a:extLst>
               <a:ext uri="{91240B29-F687-4f45-9708-019B960494DF}">
-                <a14:hiddenLine xmlns:a14="http://schemas.microsoft.com/office/drawing/2010/main" xmlns="" w="9525">
+                <a14:hiddenLine xmlns="" xmlns:a14="http://schemas.microsoft.com/office/drawing/2010/main" w="9525">
                   <a:solidFill>
                     <a:srgbClr val="000000"/>
                   </a:solidFill>
@@ -3682,7 +3681,7 @@
             </a:ln>
             <a:extLst>
               <a:ext uri="{91240B29-F687-4f45-9708-019B960494DF}">
-                <a14:hiddenLine xmlns:a14="http://schemas.microsoft.com/office/drawing/2010/main" xmlns="" w="9525">
+                <a14:hiddenLine xmlns="" xmlns:a14="http://schemas.microsoft.com/office/drawing/2010/main" w="9525">
                   <a:solidFill>
                     <a:srgbClr val="000000"/>
                   </a:solidFill>
@@ -3744,7 +3743,7 @@
             </a:ln>
             <a:extLst>
               <a:ext uri="{91240B29-F687-4f45-9708-019B960494DF}">
-                <a14:hiddenLine xmlns:a14="http://schemas.microsoft.com/office/drawing/2010/main" xmlns="" w="9525">
+                <a14:hiddenLine xmlns="" xmlns:a14="http://schemas.microsoft.com/office/drawing/2010/main" w="9525">
                   <a:solidFill>
                     <a:srgbClr val="000000"/>
                   </a:solidFill>
@@ -3834,7 +3833,7 @@
             </a:ln>
             <a:extLst>
               <a:ext uri="{91240B29-F687-4f45-9708-019B960494DF}">
-                <a14:hiddenLine xmlns:a14="http://schemas.microsoft.com/office/drawing/2010/main" xmlns="" w="9525">
+                <a14:hiddenLine xmlns="" xmlns:a14="http://schemas.microsoft.com/office/drawing/2010/main" w="9525">
                   <a:solidFill>
                     <a:srgbClr val="000000"/>
                   </a:solidFill>
@@ -3924,7 +3923,7 @@
             </a:ln>
             <a:extLst>
               <a:ext uri="{91240B29-F687-4f45-9708-019B960494DF}">
-                <a14:hiddenLine xmlns:a14="http://schemas.microsoft.com/office/drawing/2010/main" xmlns="" w="9525">
+                <a14:hiddenLine xmlns="" xmlns:a14="http://schemas.microsoft.com/office/drawing/2010/main" w="9525">
                   <a:solidFill>
                     <a:srgbClr val="000000"/>
                   </a:solidFill>
@@ -3986,7 +3985,7 @@
             </a:ln>
             <a:extLst>
               <a:ext uri="{91240B29-F687-4f45-9708-019B960494DF}">
-                <a14:hiddenLine xmlns:a14="http://schemas.microsoft.com/office/drawing/2010/main" xmlns="" w="9525">
+                <a14:hiddenLine xmlns="" xmlns:a14="http://schemas.microsoft.com/office/drawing/2010/main" w="9525">
                   <a:solidFill>
                     <a:srgbClr val="000000"/>
                   </a:solidFill>
@@ -4106,7 +4105,7 @@
             </a:ln>
             <a:extLst>
               <a:ext uri="{91240B29-F687-4f45-9708-019B960494DF}">
-                <a14:hiddenLine xmlns:a14="http://schemas.microsoft.com/office/drawing/2010/main" xmlns="" w="9525">
+                <a14:hiddenLine xmlns="" xmlns:a14="http://schemas.microsoft.com/office/drawing/2010/main" w="9525">
                   <a:solidFill>
                     <a:srgbClr val="000000"/>
                   </a:solidFill>
@@ -4174,7 +4173,7 @@
             </a:ln>
             <a:extLst>
               <a:ext uri="{91240B29-F687-4f45-9708-019B960494DF}">
-                <a14:hiddenLine xmlns:a14="http://schemas.microsoft.com/office/drawing/2010/main" xmlns="" w="9525">
+                <a14:hiddenLine xmlns="" xmlns:a14="http://schemas.microsoft.com/office/drawing/2010/main" w="9525">
                   <a:solidFill>
                     <a:srgbClr val="000000"/>
                   </a:solidFill>
@@ -4264,7 +4263,7 @@
             </a:ln>
             <a:extLst>
               <a:ext uri="{91240B29-F687-4f45-9708-019B960494DF}">
-                <a14:hiddenLine xmlns:a14="http://schemas.microsoft.com/office/drawing/2010/main" xmlns="" w="9525">
+                <a14:hiddenLine xmlns="" xmlns:a14="http://schemas.microsoft.com/office/drawing/2010/main" w="9525">
                   <a:solidFill>
                     <a:srgbClr val="000000"/>
                   </a:solidFill>
@@ -9105,7 +9104,7 @@
           <a:noFill/>
           <a:extLst>
             <a:ext uri="{909E8E84-426E-40dd-AFC4-6F175D3DCCD1}">
-              <a14:hiddenFill xmlns:a14="http://schemas.microsoft.com/office/drawing/2010/main" xmlns="">
+              <a14:hiddenFill xmlns="" xmlns:a14="http://schemas.microsoft.com/office/drawing/2010/main">
                 <a:solidFill>
                   <a:srgbClr val="FFFFFF"/>
                 </a:solidFill>
@@ -9179,7 +9178,7 @@
               </a:ln>
               <a:extLst>
                 <a:ext uri="{91240B29-F687-4f45-9708-019B960494DF}">
-                  <a14:hiddenLine xmlns:a14="http://schemas.microsoft.com/office/drawing/2010/main" xmlns="" w="9525">
+                  <a14:hiddenLine xmlns="" xmlns:a14="http://schemas.microsoft.com/office/drawing/2010/main" w="9525">
                     <a:solidFill>
                       <a:srgbClr val="000000"/>
                     </a:solidFill>
@@ -9269,7 +9268,7 @@
               </a:ln>
               <a:extLst>
                 <a:ext uri="{91240B29-F687-4f45-9708-019B960494DF}">
-                  <a14:hiddenLine xmlns:a14="http://schemas.microsoft.com/office/drawing/2010/main" xmlns="" w="9525">
+                  <a14:hiddenLine xmlns="" xmlns:a14="http://schemas.microsoft.com/office/drawing/2010/main" w="9525">
                     <a:solidFill>
                       <a:srgbClr val="000000"/>
                     </a:solidFill>
@@ -9359,7 +9358,7 @@
               </a:ln>
               <a:extLst>
                 <a:ext uri="{91240B29-F687-4f45-9708-019B960494DF}">
-                  <a14:hiddenLine xmlns:a14="http://schemas.microsoft.com/office/drawing/2010/main" xmlns="" w="9525">
+                  <a14:hiddenLine xmlns="" xmlns:a14="http://schemas.microsoft.com/office/drawing/2010/main" w="9525">
                     <a:solidFill>
                       <a:srgbClr val="000000"/>
                     </a:solidFill>
@@ -9421,7 +9420,7 @@
               </a:ln>
               <a:extLst>
                 <a:ext uri="{91240B29-F687-4f45-9708-019B960494DF}">
-                  <a14:hiddenLine xmlns:a14="http://schemas.microsoft.com/office/drawing/2010/main" xmlns="" w="9525">
+                  <a14:hiddenLine xmlns="" xmlns:a14="http://schemas.microsoft.com/office/drawing/2010/main" w="9525">
                     <a:solidFill>
                       <a:srgbClr val="000000"/>
                     </a:solidFill>
@@ -9511,7 +9510,7 @@
               </a:ln>
               <a:extLst>
                 <a:ext uri="{91240B29-F687-4f45-9708-019B960494DF}">
-                  <a14:hiddenLine xmlns:a14="http://schemas.microsoft.com/office/drawing/2010/main" xmlns="" w="9525">
+                  <a14:hiddenLine xmlns="" xmlns:a14="http://schemas.microsoft.com/office/drawing/2010/main" w="9525">
                     <a:solidFill>
                       <a:srgbClr val="000000"/>
                     </a:solidFill>
@@ -9573,7 +9572,7 @@
               </a:ln>
               <a:extLst>
                 <a:ext uri="{91240B29-F687-4f45-9708-019B960494DF}">
-                  <a14:hiddenLine xmlns:a14="http://schemas.microsoft.com/office/drawing/2010/main" xmlns="" w="9525">
+                  <a14:hiddenLine xmlns="" xmlns:a14="http://schemas.microsoft.com/office/drawing/2010/main" w="9525">
                     <a:solidFill>
                       <a:srgbClr val="000000"/>
                     </a:solidFill>
@@ -9635,7 +9634,7 @@
               </a:ln>
               <a:extLst>
                 <a:ext uri="{91240B29-F687-4f45-9708-019B960494DF}">
-                  <a14:hiddenLine xmlns:a14="http://schemas.microsoft.com/office/drawing/2010/main" xmlns="" w="9525">
+                  <a14:hiddenLine xmlns="" xmlns:a14="http://schemas.microsoft.com/office/drawing/2010/main" w="9525">
                     <a:solidFill>
                       <a:srgbClr val="000000"/>
                     </a:solidFill>
@@ -9725,7 +9724,7 @@
               </a:ln>
               <a:extLst>
                 <a:ext uri="{91240B29-F687-4f45-9708-019B960494DF}">
-                  <a14:hiddenLine xmlns:a14="http://schemas.microsoft.com/office/drawing/2010/main" xmlns="" w="9525">
+                  <a14:hiddenLine xmlns="" xmlns:a14="http://schemas.microsoft.com/office/drawing/2010/main" w="9525">
                     <a:solidFill>
                       <a:srgbClr val="000000"/>
                     </a:solidFill>
@@ -9815,7 +9814,7 @@
               </a:ln>
               <a:extLst>
                 <a:ext uri="{91240B29-F687-4f45-9708-019B960494DF}">
-                  <a14:hiddenLine xmlns:a14="http://schemas.microsoft.com/office/drawing/2010/main" xmlns="" w="9525">
+                  <a14:hiddenLine xmlns="" xmlns:a14="http://schemas.microsoft.com/office/drawing/2010/main" w="9525">
                     <a:solidFill>
                       <a:srgbClr val="000000"/>
                     </a:solidFill>
@@ -9877,7 +9876,7 @@
               </a:ln>
               <a:extLst>
                 <a:ext uri="{91240B29-F687-4f45-9708-019B960494DF}">
-                  <a14:hiddenLine xmlns:a14="http://schemas.microsoft.com/office/drawing/2010/main" xmlns="" w="9525">
+                  <a14:hiddenLine xmlns="" xmlns:a14="http://schemas.microsoft.com/office/drawing/2010/main" w="9525">
                     <a:solidFill>
                       <a:srgbClr val="000000"/>
                     </a:solidFill>
@@ -9987,7 +9986,7 @@
               </a:ln>
               <a:extLst>
                 <a:ext uri="{91240B29-F687-4f45-9708-019B960494DF}">
-                  <a14:hiddenLine xmlns:a14="http://schemas.microsoft.com/office/drawing/2010/main" xmlns="" w="9525">
+                  <a14:hiddenLine xmlns="" xmlns:a14="http://schemas.microsoft.com/office/drawing/2010/main" w="9525">
                     <a:solidFill>
                       <a:srgbClr val="000000"/>
                     </a:solidFill>
@@ -10071,7 +10070,7 @@
               </a:ln>
               <a:extLst>
                 <a:ext uri="{91240B29-F687-4f45-9708-019B960494DF}">
-                  <a14:hiddenLine xmlns:a14="http://schemas.microsoft.com/office/drawing/2010/main" xmlns="" w="9525">
+                  <a14:hiddenLine xmlns="" xmlns:a14="http://schemas.microsoft.com/office/drawing/2010/main" w="9525">
                     <a:solidFill>
                       <a:srgbClr val="000000"/>
                     </a:solidFill>
@@ -10133,7 +10132,7 @@
               </a:ln>
               <a:extLst>
                 <a:ext uri="{91240B29-F687-4f45-9708-019B960494DF}">
-                  <a14:hiddenLine xmlns:a14="http://schemas.microsoft.com/office/drawing/2010/main" xmlns="" w="9525">
+                  <a14:hiddenLine xmlns="" xmlns:a14="http://schemas.microsoft.com/office/drawing/2010/main" w="9525">
                     <a:solidFill>
                       <a:srgbClr val="000000"/>
                     </a:solidFill>
@@ -10195,7 +10194,7 @@
               </a:ln>
               <a:extLst>
                 <a:ext uri="{91240B29-F687-4f45-9708-019B960494DF}">
-                  <a14:hiddenLine xmlns:a14="http://schemas.microsoft.com/office/drawing/2010/main" xmlns="" w="9525">
+                  <a14:hiddenLine xmlns="" xmlns:a14="http://schemas.microsoft.com/office/drawing/2010/main" w="9525">
                     <a:solidFill>
                       <a:srgbClr val="000000"/>
                     </a:solidFill>
@@ -10285,7 +10284,7 @@
               </a:ln>
               <a:extLst>
                 <a:ext uri="{91240B29-F687-4f45-9708-019B960494DF}">
-                  <a14:hiddenLine xmlns:a14="http://schemas.microsoft.com/office/drawing/2010/main" xmlns="" w="9525">
+                  <a14:hiddenLine xmlns="" xmlns:a14="http://schemas.microsoft.com/office/drawing/2010/main" w="9525">
                     <a:solidFill>
                       <a:srgbClr val="000000"/>
                     </a:solidFill>
@@ -10319,7 +10318,7 @@
               </a:ln>
               <a:extLst>
                 <a:ext uri="{91240B29-F687-4f45-9708-019B960494DF}">
-                  <a14:hiddenLine xmlns:a14="http://schemas.microsoft.com/office/drawing/2010/main" xmlns="" w="9525">
+                  <a14:hiddenLine xmlns="" xmlns:a14="http://schemas.microsoft.com/office/drawing/2010/main" w="9525">
                     <a:solidFill>
                       <a:srgbClr val="000000"/>
                     </a:solidFill>
@@ -10384,7 +10383,7 @@
               </a:ln>
               <a:extLst>
                 <a:ext uri="{91240B29-F687-4f45-9708-019B960494DF}">
-                  <a14:hiddenLine xmlns:a14="http://schemas.microsoft.com/office/drawing/2010/main" xmlns="" w="9525">
+                  <a14:hiddenLine xmlns="" xmlns:a14="http://schemas.microsoft.com/office/drawing/2010/main" w="9525">
                     <a:solidFill>
                       <a:srgbClr val="000000"/>
                     </a:solidFill>
@@ -10474,7 +10473,7 @@
               </a:ln>
               <a:extLst>
                 <a:ext uri="{91240B29-F687-4f45-9708-019B960494DF}">
-                  <a14:hiddenLine xmlns:a14="http://schemas.microsoft.com/office/drawing/2010/main" xmlns="" w="9525">
+                  <a14:hiddenLine xmlns="" xmlns:a14="http://schemas.microsoft.com/office/drawing/2010/main" w="9525">
                     <a:solidFill>
                       <a:srgbClr val="000000"/>
                     </a:solidFill>
@@ -10536,7 +10535,7 @@
               </a:ln>
               <a:extLst>
                 <a:ext uri="{91240B29-F687-4f45-9708-019B960494DF}">
-                  <a14:hiddenLine xmlns:a14="http://schemas.microsoft.com/office/drawing/2010/main" xmlns="" w="9525">
+                  <a14:hiddenLine xmlns="" xmlns:a14="http://schemas.microsoft.com/office/drawing/2010/main" w="9525">
                     <a:solidFill>
                       <a:srgbClr val="000000"/>
                     </a:solidFill>
@@ -10626,7 +10625,7 @@
               </a:ln>
               <a:extLst>
                 <a:ext uri="{91240B29-F687-4f45-9708-019B960494DF}">
-                  <a14:hiddenLine xmlns:a14="http://schemas.microsoft.com/office/drawing/2010/main" xmlns="" w="9525">
+                  <a14:hiddenLine xmlns="" xmlns:a14="http://schemas.microsoft.com/office/drawing/2010/main" w="9525">
                     <a:solidFill>
                       <a:srgbClr val="000000"/>
                     </a:solidFill>
@@ -10691,7 +10690,7 @@
               </a:ln>
               <a:extLst>
                 <a:ext uri="{91240B29-F687-4f45-9708-019B960494DF}">
-                  <a14:hiddenLine xmlns:a14="http://schemas.microsoft.com/office/drawing/2010/main" xmlns="" w="9525">
+                  <a14:hiddenLine xmlns="" xmlns:a14="http://schemas.microsoft.com/office/drawing/2010/main" w="9525">
                     <a:solidFill>
                       <a:srgbClr val="000000"/>
                     </a:solidFill>
@@ -10753,7 +10752,7 @@
               </a:ln>
               <a:extLst>
                 <a:ext uri="{91240B29-F687-4f45-9708-019B960494DF}">
-                  <a14:hiddenLine xmlns:a14="http://schemas.microsoft.com/office/drawing/2010/main" xmlns="" w="9525">
+                  <a14:hiddenLine xmlns="" xmlns:a14="http://schemas.microsoft.com/office/drawing/2010/main" w="9525">
                     <a:solidFill>
                       <a:srgbClr val="000000"/>
                     </a:solidFill>
@@ -10843,7 +10842,7 @@
               </a:ln>
               <a:extLst>
                 <a:ext uri="{91240B29-F687-4f45-9708-019B960494DF}">
-                  <a14:hiddenLine xmlns:a14="http://schemas.microsoft.com/office/drawing/2010/main" xmlns="" w="9525">
+                  <a14:hiddenLine xmlns="" xmlns:a14="http://schemas.microsoft.com/office/drawing/2010/main" w="9525">
                     <a:solidFill>
                       <a:srgbClr val="000000"/>
                     </a:solidFill>
@@ -10933,7 +10932,7 @@
               </a:ln>
               <a:extLst>
                 <a:ext uri="{91240B29-F687-4f45-9708-019B960494DF}">
-                  <a14:hiddenLine xmlns:a14="http://schemas.microsoft.com/office/drawing/2010/main" xmlns="" w="9525">
+                  <a14:hiddenLine xmlns="" xmlns:a14="http://schemas.microsoft.com/office/drawing/2010/main" w="9525">
                     <a:solidFill>
                       <a:srgbClr val="000000"/>
                     </a:solidFill>
@@ -10998,7 +10997,7 @@
               </a:ln>
               <a:extLst>
                 <a:ext uri="{91240B29-F687-4f45-9708-019B960494DF}">
-                  <a14:hiddenLine xmlns:a14="http://schemas.microsoft.com/office/drawing/2010/main" xmlns="" w="9525">
+                  <a14:hiddenLine xmlns="" xmlns:a14="http://schemas.microsoft.com/office/drawing/2010/main" w="9525">
                     <a:solidFill>
                       <a:srgbClr val="000000"/>
                     </a:solidFill>
@@ -11118,7 +11117,7 @@
               </a:ln>
               <a:extLst>
                 <a:ext uri="{91240B29-F687-4f45-9708-019B960494DF}">
-                  <a14:hiddenLine xmlns:a14="http://schemas.microsoft.com/office/drawing/2010/main" xmlns="" w="9525">
+                  <a14:hiddenLine xmlns="" xmlns:a14="http://schemas.microsoft.com/office/drawing/2010/main" w="9525">
                     <a:solidFill>
                       <a:srgbClr val="000000"/>
                     </a:solidFill>
@@ -11216,7 +11215,7 @@
               </a:ln>
               <a:extLst>
                 <a:ext uri="{91240B29-F687-4f45-9708-019B960494DF}">
-                  <a14:hiddenLine xmlns:a14="http://schemas.microsoft.com/office/drawing/2010/main" xmlns="" w="9525">
+                  <a14:hiddenLine xmlns="" xmlns:a14="http://schemas.microsoft.com/office/drawing/2010/main" w="9525">
                     <a:solidFill>
                       <a:srgbClr val="000000"/>
                     </a:solidFill>
@@ -11331,7 +11330,7 @@
               </a:ln>
               <a:extLst>
                 <a:ext uri="{91240B29-F687-4f45-9708-019B960494DF}">
-                  <a14:hiddenLine xmlns:a14="http://schemas.microsoft.com/office/drawing/2010/main" xmlns="" w="9525">
+                  <a14:hiddenLine xmlns="" xmlns:a14="http://schemas.microsoft.com/office/drawing/2010/main" w="9525">
                     <a:solidFill>
                       <a:srgbClr val="000000"/>
                     </a:solidFill>
@@ -11421,7 +11420,7 @@
               </a:ln>
               <a:extLst>
                 <a:ext uri="{91240B29-F687-4f45-9708-019B960494DF}">
-                  <a14:hiddenLine xmlns:a14="http://schemas.microsoft.com/office/drawing/2010/main" xmlns="" w="9525">
+                  <a14:hiddenLine xmlns="" xmlns:a14="http://schemas.microsoft.com/office/drawing/2010/main" w="9525">
                     <a:solidFill>
                       <a:srgbClr val="000000"/>
                     </a:solidFill>
@@ -11486,7 +11485,7 @@
               </a:ln>
               <a:extLst>
                 <a:ext uri="{91240B29-F687-4f45-9708-019B960494DF}">
-                  <a14:hiddenLine xmlns:a14="http://schemas.microsoft.com/office/drawing/2010/main" xmlns="" w="9525">
+                  <a14:hiddenLine xmlns="" xmlns:a14="http://schemas.microsoft.com/office/drawing/2010/main" w="9525">
                     <a:solidFill>
                       <a:srgbClr val="000000"/>
                     </a:solidFill>
@@ -11576,7 +11575,7 @@
               </a:ln>
               <a:extLst>
                 <a:ext uri="{91240B29-F687-4f45-9708-019B960494DF}">
-                  <a14:hiddenLine xmlns:a14="http://schemas.microsoft.com/office/drawing/2010/main" xmlns="" w="9525">
+                  <a14:hiddenLine xmlns="" xmlns:a14="http://schemas.microsoft.com/office/drawing/2010/main" w="9525">
                     <a:solidFill>
                       <a:srgbClr val="000000"/>
                     </a:solidFill>
@@ -11644,7 +11643,7 @@
               </a:ln>
               <a:extLst>
                 <a:ext uri="{91240B29-F687-4f45-9708-019B960494DF}">
-                  <a14:hiddenLine xmlns:a14="http://schemas.microsoft.com/office/drawing/2010/main" xmlns="" w="9525">
+                  <a14:hiddenLine xmlns="" xmlns:a14="http://schemas.microsoft.com/office/drawing/2010/main" w="9525">
                     <a:solidFill>
                       <a:srgbClr val="000000"/>
                     </a:solidFill>
@@ -11734,7 +11733,7 @@
               </a:ln>
               <a:extLst>
                 <a:ext uri="{91240B29-F687-4f45-9708-019B960494DF}">
-                  <a14:hiddenLine xmlns:a14="http://schemas.microsoft.com/office/drawing/2010/main" xmlns="" w="9525">
+                  <a14:hiddenLine xmlns="" xmlns:a14="http://schemas.microsoft.com/office/drawing/2010/main" w="9525">
                     <a:solidFill>
                       <a:srgbClr val="000000"/>
                     </a:solidFill>
@@ -11802,7 +11801,7 @@
               </a:ln>
               <a:extLst>
                 <a:ext uri="{91240B29-F687-4f45-9708-019B960494DF}">
-                  <a14:hiddenLine xmlns:a14="http://schemas.microsoft.com/office/drawing/2010/main" xmlns="" w="9525">
+                  <a14:hiddenLine xmlns="" xmlns:a14="http://schemas.microsoft.com/office/drawing/2010/main" w="9525">
                     <a:solidFill>
                       <a:srgbClr val="000000"/>
                     </a:solidFill>
@@ -11892,7 +11891,7 @@
               </a:ln>
               <a:extLst>
                 <a:ext uri="{91240B29-F687-4f45-9708-019B960494DF}">
-                  <a14:hiddenLine xmlns:a14="http://schemas.microsoft.com/office/drawing/2010/main" xmlns="" w="9525">
+                  <a14:hiddenLine xmlns="" xmlns:a14="http://schemas.microsoft.com/office/drawing/2010/main" w="9525">
                     <a:solidFill>
                       <a:srgbClr val="000000"/>
                     </a:solidFill>
@@ -11926,7 +11925,7 @@
               </a:ln>
               <a:extLst>
                 <a:ext uri="{91240B29-F687-4f45-9708-019B960494DF}">
-                  <a14:hiddenLine xmlns:a14="http://schemas.microsoft.com/office/drawing/2010/main" xmlns="" w="9525">
+                  <a14:hiddenLine xmlns="" xmlns:a14="http://schemas.microsoft.com/office/drawing/2010/main" w="9525">
                     <a:solidFill>
                       <a:srgbClr val="000000"/>
                     </a:solidFill>
@@ -12626,147 +12625,6 @@
           <a:p>
             <a:r>
               <a:rPr lang="en-US" dirty="0" smtClean="0"/>
-              <a:t>Productivity</a:t>
-            </a:r>
-            <a:endParaRPr lang="en-US" dirty="0"/>
-          </a:p>
-        </p:txBody>
-      </p:sp>
-      <p:sp>
-        <p:nvSpPr>
-          <p:cNvPr id="3" name="Content Placeholder 2"/>
-          <p:cNvSpPr>
-            <a:spLocks noGrp="1"/>
-          </p:cNvSpPr>
-          <p:nvPr>
-            <p:ph idx="1"/>
-          </p:nvPr>
-        </p:nvSpPr>
-        <p:spPr/>
-        <p:txBody>
-          <a:bodyPr/>
-          <a:lstStyle/>
-          <a:p>
-            <a:r>
-              <a:rPr lang="en-US" dirty="0" smtClean="0"/>
-              <a:t>Static types + </a:t>
-            </a:r>
-            <a:r>
-              <a:rPr lang="en-US" dirty="0" err="1" smtClean="0"/>
-              <a:t>intellisense</a:t>
-            </a:r>
-            <a:r>
-              <a:rPr lang="en-US" dirty="0" smtClean="0"/>
-              <a:t> for:</a:t>
-            </a:r>
-          </a:p>
-          <a:p>
-            <a:pPr lvl="1"/>
-            <a:r>
-              <a:rPr lang="en-US" dirty="0" smtClean="0"/>
-              <a:t>Input parameters</a:t>
-            </a:r>
-          </a:p>
-          <a:p>
-            <a:pPr lvl="1"/>
-            <a:r>
-              <a:rPr lang="en-US" dirty="0" smtClean="0"/>
-              <a:t>Output </a:t>
-            </a:r>
-            <a:r>
-              <a:rPr lang="en-US" dirty="0" err="1" smtClean="0"/>
-              <a:t>rowset</a:t>
-            </a:r>
-            <a:endParaRPr lang="en-US" dirty="0" smtClean="0"/>
-          </a:p>
-          <a:p>
-            <a:r>
-              <a:rPr lang="en-US" dirty="0" smtClean="0"/>
-              <a:t>T-SQL syntax errors at runtime !!!</a:t>
-            </a:r>
-          </a:p>
-          <a:p>
-            <a:r>
-              <a:rPr lang="en-US" dirty="0" smtClean="0"/>
-              <a:t>Simple connection management – it just works</a:t>
-            </a:r>
-          </a:p>
-          <a:p>
-            <a:r>
-              <a:rPr lang="en-US" dirty="0" smtClean="0"/>
-              <a:t>T-SQL </a:t>
-            </a:r>
-            <a:r>
-              <a:rPr lang="en-US" dirty="0" err="1" smtClean="0"/>
-              <a:t>intellisense</a:t>
-            </a:r>
-            <a:r>
-              <a:rPr lang="en-US" dirty="0" smtClean="0"/>
-              <a:t> in external files</a:t>
-            </a:r>
-          </a:p>
-          <a:p>
-            <a:pPr marL="0" indent="0">
-              <a:buNone/>
-            </a:pPr>
-            <a:endParaRPr lang="en-US" dirty="0"/>
-          </a:p>
-        </p:txBody>
-      </p:sp>
-    </p:spTree>
-    <p:extLst>
-      <p:ext uri="{BB962C8B-B14F-4D97-AF65-F5344CB8AC3E}">
-        <p14:creationId xmlns:p14="http://schemas.microsoft.com/office/powerpoint/2010/main" val="921806082"/>
-      </p:ext>
-    </p:extLst>
-  </p:cSld>
-  <p:clrMapOvr>
-    <a:masterClrMapping/>
-  </p:clrMapOvr>
-  <p:timing>
-    <p:tnLst>
-      <p:par>
-        <p:cTn id="1" dur="indefinite" restart="never" nodeType="tmRoot"/>
-      </p:par>
-    </p:tnLst>
-  </p:timing>
-</p:sld>
-</file>
-
-<file path=ppt/slides/slide11.xml><?xml version="1.0" encoding="utf-8"?>
-<p:sld xmlns:a="http://schemas.openxmlformats.org/drawingml/2006/main" xmlns:r="http://schemas.openxmlformats.org/officeDocument/2006/relationships" xmlns:p="http://schemas.openxmlformats.org/presentationml/2006/main">
-  <p:cSld>
-    <p:spTree>
-      <p:nvGrpSpPr>
-        <p:cNvPr id="1" name=""/>
-        <p:cNvGrpSpPr/>
-        <p:nvPr/>
-      </p:nvGrpSpPr>
-      <p:grpSpPr>
-        <a:xfrm>
-          <a:off x="0" y="0"/>
-          <a:ext cx="0" cy="0"/>
-          <a:chOff x="0" y="0"/>
-          <a:chExt cx="0" cy="0"/>
-        </a:xfrm>
-      </p:grpSpPr>
-      <p:sp>
-        <p:nvSpPr>
-          <p:cNvPr id="2" name="Title 1"/>
-          <p:cNvSpPr>
-            <a:spLocks noGrp="1"/>
-          </p:cNvSpPr>
-          <p:nvPr>
-            <p:ph type="title"/>
-          </p:nvPr>
-        </p:nvSpPr>
-        <p:spPr/>
-        <p:txBody>
-          <a:bodyPr/>
-          <a:lstStyle/>
-          <a:p>
-            <a:r>
-              <a:rPr lang="en-US" dirty="0" smtClean="0"/>
               <a:t>safety</a:t>
             </a:r>
             <a:endParaRPr lang="en-US" dirty="0"/>
@@ -12822,7 +12680,7 @@
 </p:sld>
 </file>
 
-<file path=ppt/slides/slide12.xml><?xml version="1.0" encoding="utf-8"?>
+<file path=ppt/slides/slide11.xml><?xml version="1.0" encoding="utf-8"?>
 <p:sld xmlns:a="http://schemas.openxmlformats.org/drawingml/2006/main" xmlns:r="http://schemas.openxmlformats.org/officeDocument/2006/relationships" xmlns:p="http://schemas.openxmlformats.org/presentationml/2006/main">
   <p:cSld>
     <p:spTree>
@@ -12942,6 +12800,208 @@
     <p:extLst>
       <p:ext uri="{BB962C8B-B14F-4D97-AF65-F5344CB8AC3E}">
         <p14:creationId xmlns:p14="http://schemas.microsoft.com/office/powerpoint/2010/main" val="841964371"/>
+      </p:ext>
+    </p:extLst>
+  </p:cSld>
+  <p:clrMapOvr>
+    <a:masterClrMapping/>
+  </p:clrMapOvr>
+  <p:timing>
+    <p:tnLst>
+      <p:par>
+        <p:cTn id="1" dur="indefinite" restart="never" nodeType="tmRoot"/>
+      </p:par>
+    </p:tnLst>
+  </p:timing>
+</p:sld>
+</file>
+
+<file path=ppt/slides/slide12.xml><?xml version="1.0" encoding="utf-8"?>
+<p:sld xmlns:a="http://schemas.openxmlformats.org/drawingml/2006/main" xmlns:r="http://schemas.openxmlformats.org/officeDocument/2006/relationships" xmlns:p="http://schemas.openxmlformats.org/presentationml/2006/main">
+  <p:cSld>
+    <p:spTree>
+      <p:nvGrpSpPr>
+        <p:cNvPr id="1" name=""/>
+        <p:cNvGrpSpPr/>
+        <p:nvPr/>
+      </p:nvGrpSpPr>
+      <p:grpSpPr>
+        <a:xfrm>
+          <a:off x="0" y="0"/>
+          <a:ext cx="0" cy="0"/>
+          <a:chOff x="0" y="0"/>
+          <a:chExt cx="0" cy="0"/>
+        </a:xfrm>
+      </p:grpSpPr>
+      <p:sp>
+        <p:nvSpPr>
+          <p:cNvPr id="2" name="Title 1"/>
+          <p:cNvSpPr>
+            <a:spLocks noGrp="1"/>
+          </p:cNvSpPr>
+          <p:nvPr>
+            <p:ph type="title"/>
+          </p:nvPr>
+        </p:nvSpPr>
+        <p:spPr>
+          <a:xfrm>
+            <a:off x="1141413" y="618518"/>
+            <a:ext cx="9905998" cy="877773"/>
+          </a:xfrm>
+        </p:spPr>
+        <p:txBody>
+          <a:bodyPr/>
+          <a:lstStyle/>
+          <a:p>
+            <a:r>
+              <a:rPr lang="en-US" dirty="0" smtClean="0"/>
+              <a:t>CONTROL</a:t>
+            </a:r>
+            <a:endParaRPr lang="en-US" dirty="0"/>
+          </a:p>
+        </p:txBody>
+      </p:sp>
+      <p:sp>
+        <p:nvSpPr>
+          <p:cNvPr id="3" name="Content Placeholder 2"/>
+          <p:cNvSpPr>
+            <a:spLocks noGrp="1"/>
+          </p:cNvSpPr>
+          <p:nvPr>
+            <p:ph idx="1"/>
+          </p:nvPr>
+        </p:nvSpPr>
+        <p:spPr>
+          <a:xfrm>
+            <a:off x="1141412" y="1385455"/>
+            <a:ext cx="9905999" cy="4969163"/>
+          </a:xfrm>
+        </p:spPr>
+        <p:txBody>
+          <a:bodyPr>
+            <a:normAutofit lnSpcReduction="10000"/>
+          </a:bodyPr>
+          <a:lstStyle/>
+          <a:p>
+            <a:r>
+              <a:rPr lang="en-US" dirty="0"/>
+              <a:t>WYSIWYG </a:t>
+            </a:r>
+            <a:r>
+              <a:rPr lang="en-US" dirty="0" smtClean="0"/>
+              <a:t>T-SQL development (design time T-SQL = run-time T-SQL)</a:t>
+            </a:r>
+          </a:p>
+          <a:p>
+            <a:r>
+              <a:rPr lang="en-US" dirty="0" smtClean="0"/>
+              <a:t>Performance as if you wrote low level ADO.NET code</a:t>
+            </a:r>
+          </a:p>
+          <a:p>
+            <a:r>
+              <a:rPr lang="en-US" dirty="0" smtClean="0"/>
+              <a:t>Access to full set of the latest T-SQL (spatial types, TVP, window functions, etc.)</a:t>
+            </a:r>
+          </a:p>
+          <a:p>
+            <a:r>
+              <a:rPr lang="en-US" dirty="0" smtClean="0"/>
+              <a:t>Numerous configuration options</a:t>
+            </a:r>
+          </a:p>
+          <a:p>
+            <a:pPr lvl="1"/>
+            <a:r>
+              <a:rPr lang="en-US" dirty="0" smtClean="0"/>
+              <a:t>Inline or file-based queries</a:t>
+            </a:r>
+          </a:p>
+          <a:p>
+            <a:pPr lvl="1"/>
+            <a:r>
+              <a:rPr lang="en-US" dirty="0" err="1" smtClean="0"/>
+              <a:t>AsyncExecute</a:t>
+            </a:r>
+            <a:r>
+              <a:rPr lang="en-US" dirty="0" smtClean="0"/>
+              <a:t> for scalable servers, non-blocking UI. (including .NET 4.0)</a:t>
+            </a:r>
+          </a:p>
+          <a:p>
+            <a:pPr lvl="1"/>
+            <a:r>
+              <a:rPr lang="en-US" dirty="0" smtClean="0"/>
+              <a:t>*.</a:t>
+            </a:r>
+            <a:r>
+              <a:rPr lang="en-US" dirty="0" err="1" smtClean="0"/>
+              <a:t>config</a:t>
+            </a:r>
+            <a:r>
+              <a:rPr lang="en-US" dirty="0" smtClean="0"/>
+              <a:t> files support</a:t>
+            </a:r>
+          </a:p>
+          <a:p>
+            <a:pPr lvl="1"/>
+            <a:r>
+              <a:rPr lang="en-US" dirty="0" smtClean="0"/>
+              <a:t>Runtime connection configuration – IOC</a:t>
+            </a:r>
+          </a:p>
+          <a:p>
+            <a:pPr lvl="1"/>
+            <a:r>
+              <a:rPr lang="en-US" dirty="0" smtClean="0"/>
+              <a:t>Transactions</a:t>
+            </a:r>
+          </a:p>
+          <a:p>
+            <a:pPr lvl="1"/>
+            <a:r>
+              <a:rPr lang="en-US" dirty="0" smtClean="0"/>
+              <a:t>Different output types – Record (default), Tuples</a:t>
+            </a:r>
+            <a:r>
+              <a:rPr lang="en-US" dirty="0"/>
+              <a:t> , </a:t>
+            </a:r>
+            <a:r>
+              <a:rPr lang="en-US" dirty="0" err="1"/>
+              <a:t>DataTable</a:t>
+            </a:r>
+            <a:r>
+              <a:rPr lang="en-US" dirty="0" smtClean="0"/>
+              <a:t>, </a:t>
+            </a:r>
+            <a:r>
+              <a:rPr lang="en-US" dirty="0" err="1" smtClean="0"/>
+              <a:t>DataReader</a:t>
+            </a:r>
+            <a:endParaRPr lang="en-US" dirty="0" smtClean="0"/>
+          </a:p>
+          <a:p>
+            <a:pPr lvl="1"/>
+            <a:r>
+              <a:rPr lang="en-US" dirty="0" smtClean="0"/>
+              <a:t>Singletons – </a:t>
+            </a:r>
+            <a:r>
+              <a:rPr lang="en-US" dirty="0" err="1" smtClean="0"/>
+              <a:t>SingleRow</a:t>
+            </a:r>
+            <a:r>
+              <a:rPr lang="en-US" dirty="0" smtClean="0"/>
+              <a:t> = true</a:t>
+            </a:r>
+          </a:p>
+        </p:txBody>
+      </p:sp>
+    </p:spTree>
+    <p:extLst>
+      <p:ext uri="{BB962C8B-B14F-4D97-AF65-F5344CB8AC3E}">
+        <p14:creationId xmlns:p14="http://schemas.microsoft.com/office/powerpoint/2010/main" val="3688981539"/>
       </p:ext>
     </p:extLst>
   </p:cSld>
@@ -12977,7 +13037,7 @@
       </p:grpSpPr>
       <p:sp>
         <p:nvSpPr>
-          <p:cNvPr id="2" name="Title 1"/>
+          <p:cNvPr id="4" name="Title 3"/>
           <p:cNvSpPr>
             <a:spLocks noGrp="1"/>
           </p:cNvSpPr>
@@ -12985,19 +13045,14 @@
             <p:ph type="title"/>
           </p:nvPr>
         </p:nvSpPr>
-        <p:spPr>
-          <a:xfrm>
-            <a:off x="1141413" y="618518"/>
-            <a:ext cx="9905998" cy="877773"/>
-          </a:xfrm>
-        </p:spPr>
+        <p:spPr/>
         <p:txBody>
           <a:bodyPr/>
           <a:lstStyle/>
           <a:p>
             <a:r>
               <a:rPr lang="en-US" dirty="0" smtClean="0"/>
-              <a:t>CONTROL</a:t>
+              <a:t>Best of both worlds</a:t>
             </a:r>
             <a:endParaRPr lang="en-US" dirty="0"/>
           </a:p>
@@ -13005,137 +13060,108 @@
       </p:sp>
       <p:sp>
         <p:nvSpPr>
-          <p:cNvPr id="3" name="Content Placeholder 2"/>
+          <p:cNvPr id="5" name="Content Placeholder 4"/>
           <p:cNvSpPr>
             <a:spLocks noGrp="1"/>
           </p:cNvSpPr>
           <p:nvPr>
-            <p:ph idx="1"/>
+            <p:ph sz="half" idx="1"/>
           </p:nvPr>
         </p:nvSpPr>
-        <p:spPr>
-          <a:xfrm>
-            <a:off x="1141412" y="1385455"/>
-            <a:ext cx="9905999" cy="4969163"/>
-          </a:xfrm>
-        </p:spPr>
+        <p:spPr/>
         <p:txBody>
-          <a:bodyPr>
-            <a:normAutofit lnSpcReduction="10000"/>
-          </a:bodyPr>
+          <a:bodyPr/>
           <a:lstStyle/>
           <a:p>
+            <a:pPr marL="0" indent="0" algn="ctr">
+              <a:buNone/>
+            </a:pPr>
+            <a:r>
+              <a:rPr lang="en-US" dirty="0" smtClean="0"/>
+              <a:t>F#</a:t>
+            </a:r>
+          </a:p>
+          <a:p>
+            <a:r>
+              <a:rPr lang="en-US" dirty="0" smtClean="0"/>
+              <a:t>Type safety</a:t>
+            </a:r>
+          </a:p>
+          <a:p>
+            <a:r>
+              <a:rPr lang="en-US" dirty="0" smtClean="0"/>
+              <a:t>Developer-friendly </a:t>
+            </a:r>
             <a:r>
               <a:rPr lang="en-US" dirty="0"/>
-              <a:t>WYSIWYG </a:t>
-            </a:r>
+              <a:t>tools</a:t>
+            </a:r>
+            <a:endParaRPr lang="en-US" dirty="0" smtClean="0"/>
+          </a:p>
+          <a:p>
             <a:r>
               <a:rPr lang="en-US" dirty="0" smtClean="0"/>
-              <a:t>T-SQL development (design time T-SQL = run-time T-SQL)</a:t>
-            </a:r>
-          </a:p>
-          <a:p>
+              <a:t>Productivity</a:t>
+            </a:r>
+            <a:endParaRPr lang="en-US" dirty="0"/>
+          </a:p>
+        </p:txBody>
+      </p:sp>
+      <p:sp>
+        <p:nvSpPr>
+          <p:cNvPr id="6" name="Content Placeholder 5"/>
+          <p:cNvSpPr>
+            <a:spLocks noGrp="1"/>
+          </p:cNvSpPr>
+          <p:nvPr>
+            <p:ph sz="half" idx="2"/>
+          </p:nvPr>
+        </p:nvSpPr>
+        <p:spPr/>
+        <p:txBody>
+          <a:bodyPr/>
+          <a:lstStyle/>
+          <a:p>
+            <a:pPr marL="0" indent="0" algn="ctr">
+              <a:buNone/>
+            </a:pPr>
             <a:r>
               <a:rPr lang="en-US" dirty="0" smtClean="0"/>
-              <a:t>Performance as if you wrote low level ADO.NET code</a:t>
+              <a:t>T-SQL</a:t>
             </a:r>
           </a:p>
           <a:p>
             <a:r>
               <a:rPr lang="en-US" dirty="0" smtClean="0"/>
-              <a:t>Access to full set of the latest T-SQL (spatial types, TVP, window functions, etc.)</a:t>
+              <a:t>Set-based logic</a:t>
             </a:r>
           </a:p>
           <a:p>
             <a:r>
               <a:rPr lang="en-US" dirty="0" smtClean="0"/>
-              <a:t>Numerous configuration options</a:t>
-            </a:r>
-          </a:p>
-          <a:p>
-            <a:pPr lvl="1"/>
+              <a:t>Industry expertise</a:t>
+            </a:r>
+          </a:p>
+          <a:p>
             <a:r>
               <a:rPr lang="en-US" dirty="0" smtClean="0"/>
-              <a:t>Inline or file-based queries</a:t>
-            </a:r>
-          </a:p>
-          <a:p>
-            <a:pPr lvl="1"/>
-            <a:r>
-              <a:rPr lang="en-US" dirty="0" err="1" smtClean="0"/>
-              <a:t>AsyncExecute</a:t>
-            </a:r>
+              <a:t>Tools (profiling, monitoring, etc.)</a:t>
+            </a:r>
+          </a:p>
+          <a:p>
             <a:r>
               <a:rPr lang="en-US" dirty="0" smtClean="0"/>
-              <a:t> for scalable servers, non-blocking UI. (including .NET 4.0)</a:t>
-            </a:r>
-          </a:p>
-          <a:p>
-            <a:pPr lvl="1"/>
+              <a:t>Azure</a:t>
+            </a:r>
+          </a:p>
+          <a:p>
             <a:r>
               <a:rPr lang="en-US" dirty="0" smtClean="0"/>
-              <a:t>*.</a:t>
-            </a:r>
-            <a:r>
-              <a:rPr lang="en-US" dirty="0" err="1" smtClean="0"/>
-              <a:t>config</a:t>
-            </a:r>
-            <a:r>
-              <a:rPr lang="en-US" dirty="0" smtClean="0"/>
-              <a:t> files support</a:t>
-            </a:r>
-          </a:p>
-          <a:p>
-            <a:pPr lvl="1"/>
-            <a:r>
-              <a:rPr lang="en-US" dirty="0" smtClean="0"/>
-              <a:t>Runtime connection configuration – IOC</a:t>
-            </a:r>
-          </a:p>
-          <a:p>
-            <a:pPr lvl="1"/>
-            <a:r>
-              <a:rPr lang="en-US" dirty="0" smtClean="0"/>
-              <a:t>Transactions</a:t>
-            </a:r>
-          </a:p>
-          <a:p>
-            <a:pPr lvl="1"/>
-            <a:r>
-              <a:rPr lang="en-US" dirty="0" smtClean="0"/>
-              <a:t>Different output types – Record (default), Tuples</a:t>
+              <a:t>Predictable runtime performance</a:t>
             </a:r>
             <a:r>
               <a:rPr lang="en-US" dirty="0"/>
-              <a:t> , </a:t>
-            </a:r>
-            <a:r>
-              <a:rPr lang="en-US" dirty="0" err="1"/>
-              <a:t>DataTable</a:t>
-            </a:r>
-            <a:r>
-              <a:rPr lang="en-US" dirty="0" smtClean="0"/>
-              <a:t>, </a:t>
-            </a:r>
-            <a:r>
-              <a:rPr lang="en-US" dirty="0" err="1" smtClean="0"/>
-              <a:t>DataReader</a:t>
-            </a:r>
-            <a:endParaRPr lang="en-US" dirty="0" smtClean="0"/>
-          </a:p>
-          <a:p>
-            <a:pPr lvl="1"/>
-            <a:r>
-              <a:rPr lang="en-US" dirty="0" smtClean="0"/>
-              <a:t>Singletons – </a:t>
-            </a:r>
-            <a:r>
-              <a:rPr lang="en-US" dirty="0" err="1" smtClean="0"/>
-              <a:t>SingleRow</a:t>
-            </a:r>
-            <a:r>
-              <a:rPr lang="en-US" dirty="0" smtClean="0"/>
-              <a:t> = true</a:t>
+              <a:t>	</a:t>
             </a:r>
           </a:p>
         </p:txBody>
@@ -13143,7 +13169,7 @@
     </p:spTree>
     <p:extLst>
       <p:ext uri="{BB962C8B-B14F-4D97-AF65-F5344CB8AC3E}">
-        <p14:creationId xmlns:p14="http://schemas.microsoft.com/office/powerpoint/2010/main" val="3688981539"/>
+        <p14:creationId xmlns:p14="http://schemas.microsoft.com/office/powerpoint/2010/main" val="2063259804"/>
       </p:ext>
     </p:extLst>
   </p:cSld>
@@ -13179,7 +13205,7 @@
       </p:grpSpPr>
       <p:sp>
         <p:nvSpPr>
-          <p:cNvPr id="4" name="Title 3"/>
+          <p:cNvPr id="2" name="Title 1"/>
           <p:cNvSpPr>
             <a:spLocks noGrp="1"/>
           </p:cNvSpPr>
@@ -13189,121 +13215,91 @@
         </p:nvSpPr>
         <p:spPr/>
         <p:txBody>
-          <a:bodyPr/>
+          <a:bodyPr>
+            <a:normAutofit/>
+          </a:bodyPr>
           <a:lstStyle/>
           <a:p>
             <a:r>
-              <a:rPr lang="en-US" dirty="0" smtClean="0"/>
-              <a:t>Best of both worlds</a:t>
-            </a:r>
-            <a:endParaRPr lang="en-US" dirty="0"/>
+              <a:rPr lang="en-US" cap="none" dirty="0" err="1" smtClean="0"/>
+              <a:t>SqlProgrammabilityProvider</a:t>
+            </a:r>
+            <a:r>
+              <a:rPr lang="en-US" cap="none" dirty="0" smtClean="0"/>
+              <a:t> </a:t>
+            </a:r>
+            <a:br>
+              <a:rPr lang="en-US" cap="none" dirty="0" smtClean="0"/>
+            </a:br>
+            <a:r>
+              <a:rPr lang="en-US" cap="none" dirty="0" smtClean="0"/>
+              <a:t>or How to keep your “waterfall” DBA happy</a:t>
+            </a:r>
+            <a:endParaRPr lang="en-US" cap="none" dirty="0"/>
           </a:p>
         </p:txBody>
       </p:sp>
       <p:sp>
         <p:nvSpPr>
-          <p:cNvPr id="5" name="Content Placeholder 4"/>
+          <p:cNvPr id="3" name="Content Placeholder 2"/>
           <p:cNvSpPr>
             <a:spLocks noGrp="1"/>
           </p:cNvSpPr>
           <p:nvPr>
-            <p:ph sz="half" idx="1"/>
+            <p:ph idx="1"/>
           </p:nvPr>
         </p:nvSpPr>
         <p:spPr/>
         <p:txBody>
-          <a:bodyPr/>
+          <a:bodyPr>
+            <a:normAutofit/>
+          </a:bodyPr>
           <a:lstStyle/>
           <a:p>
-            <a:pPr marL="0" indent="0" algn="ctr">
-              <a:buNone/>
-            </a:pPr>
             <a:r>
               <a:rPr lang="en-US" dirty="0" smtClean="0"/>
-              <a:t>F#</a:t>
-            </a:r>
-          </a:p>
-          <a:p>
+              <a:t>First class access to SQL Server objects</a:t>
+            </a:r>
+          </a:p>
+          <a:p>
+            <a:pPr lvl="1"/>
             <a:r>
               <a:rPr lang="en-US" dirty="0" smtClean="0"/>
-              <a:t>Type safety</a:t>
-            </a:r>
-          </a:p>
-          <a:p>
+              <a:t>Stored procedures</a:t>
+            </a:r>
+          </a:p>
+          <a:p>
+            <a:pPr lvl="1"/>
             <a:r>
               <a:rPr lang="en-US" dirty="0" smtClean="0"/>
-              <a:t>Developer-friendly </a:t>
+              <a:t>Functions (table-valued and scalar)</a:t>
+            </a:r>
+          </a:p>
+          <a:p>
+            <a:pPr lvl="1"/>
+            <a:r>
+              <a:rPr lang="en-US" dirty="0" smtClean="0"/>
+              <a:t>Tables</a:t>
+            </a:r>
+          </a:p>
+          <a:p>
+            <a:r>
+              <a:rPr lang="en-US" dirty="0" smtClean="0"/>
+              <a:t>Support </a:t>
             </a:r>
             <a:r>
               <a:rPr lang="en-US" dirty="0"/>
-              <a:t>tools</a:t>
-            </a:r>
-            <a:endParaRPr lang="en-US" dirty="0" smtClean="0"/>
-          </a:p>
-          <a:p>
+              <a:t>for stored procedure parameter </a:t>
+            </a:r>
             <a:r>
               <a:rPr lang="en-US" dirty="0" smtClean="0"/>
-              <a:t>Productivity</a:t>
-            </a:r>
-            <a:endParaRPr lang="en-US" dirty="0"/>
-          </a:p>
-        </p:txBody>
-      </p:sp>
-      <p:sp>
-        <p:nvSpPr>
-          <p:cNvPr id="6" name="Content Placeholder 5"/>
-          <p:cNvSpPr>
-            <a:spLocks noGrp="1"/>
-          </p:cNvSpPr>
-          <p:nvPr>
-            <p:ph sz="half" idx="2"/>
-          </p:nvPr>
-        </p:nvSpPr>
-        <p:spPr/>
-        <p:txBody>
-          <a:bodyPr/>
-          <a:lstStyle/>
-          <a:p>
-            <a:pPr marL="0" indent="0" algn="ctr">
-              <a:buNone/>
-            </a:pPr>
+              <a:t>default value</a:t>
+            </a:r>
+          </a:p>
+          <a:p>
             <a:r>
               <a:rPr lang="en-US" dirty="0" smtClean="0"/>
-              <a:t>T-SQL</a:t>
-            </a:r>
-          </a:p>
-          <a:p>
-            <a:r>
-              <a:rPr lang="en-US" dirty="0" smtClean="0"/>
-              <a:t>Set-based logic</a:t>
-            </a:r>
-          </a:p>
-          <a:p>
-            <a:r>
-              <a:rPr lang="en-US" dirty="0" smtClean="0"/>
-              <a:t>Industry expertise</a:t>
-            </a:r>
-          </a:p>
-          <a:p>
-            <a:r>
-              <a:rPr lang="en-US" dirty="0" smtClean="0"/>
-              <a:t>Tools (profiling, monitoring, etc.)</a:t>
-            </a:r>
-          </a:p>
-          <a:p>
-            <a:r>
-              <a:rPr lang="en-US" dirty="0" smtClean="0"/>
-              <a:t>Azure</a:t>
-            </a:r>
-          </a:p>
-          <a:p>
-            <a:r>
-              <a:rPr lang="en-US" dirty="0" smtClean="0"/>
-              <a:t>Predictable runtime performance</a:t>
-            </a:r>
-            <a:r>
-              <a:rPr lang="en-US" dirty="0"/>
-              <a:t>	</a:t>
+              <a:t>Table type with Bulk Insert and Update support</a:t>
             </a:r>
           </a:p>
         </p:txBody>
@@ -13311,7 +13307,7 @@
     </p:spTree>
     <p:extLst>
       <p:ext uri="{BB962C8B-B14F-4D97-AF65-F5344CB8AC3E}">
-        <p14:creationId xmlns:p14="http://schemas.microsoft.com/office/powerpoint/2010/main" val="2063259804"/>
+        <p14:creationId xmlns:p14="http://schemas.microsoft.com/office/powerpoint/2010/main" val="1606980947"/>
       </p:ext>
     </p:extLst>
   </p:cSld>
@@ -13364,144 +13360,6 @@
           <a:p>
             <a:r>
               <a:rPr lang="en-US" cap="none" dirty="0" err="1" smtClean="0"/>
-              <a:t>SqlProgrammabilityProvider</a:t>
-            </a:r>
-            <a:r>
-              <a:rPr lang="en-US" cap="none" dirty="0" smtClean="0"/>
-              <a:t> </a:t>
-            </a:r>
-            <a:br>
-              <a:rPr lang="en-US" cap="none" dirty="0" smtClean="0"/>
-            </a:br>
-            <a:r>
-              <a:rPr lang="en-US" cap="none" dirty="0" smtClean="0"/>
-              <a:t>or How to keep your “waterfall” DBA happy</a:t>
-            </a:r>
-            <a:endParaRPr lang="en-US" cap="none" dirty="0"/>
-          </a:p>
-        </p:txBody>
-      </p:sp>
-      <p:sp>
-        <p:nvSpPr>
-          <p:cNvPr id="3" name="Content Placeholder 2"/>
-          <p:cNvSpPr>
-            <a:spLocks noGrp="1"/>
-          </p:cNvSpPr>
-          <p:nvPr>
-            <p:ph idx="1"/>
-          </p:nvPr>
-        </p:nvSpPr>
-        <p:spPr/>
-        <p:txBody>
-          <a:bodyPr>
-            <a:normAutofit/>
-          </a:bodyPr>
-          <a:lstStyle/>
-          <a:p>
-            <a:r>
-              <a:rPr lang="en-US" dirty="0" smtClean="0"/>
-              <a:t>First class access to SQL Server objects</a:t>
-            </a:r>
-          </a:p>
-          <a:p>
-            <a:pPr lvl="1"/>
-            <a:r>
-              <a:rPr lang="en-US" dirty="0" smtClean="0"/>
-              <a:t>Stored procedures</a:t>
-            </a:r>
-          </a:p>
-          <a:p>
-            <a:pPr lvl="1"/>
-            <a:r>
-              <a:rPr lang="en-US" dirty="0" smtClean="0"/>
-              <a:t>Functions (table-valued and scalar)</a:t>
-            </a:r>
-          </a:p>
-          <a:p>
-            <a:pPr lvl="1"/>
-            <a:r>
-              <a:rPr lang="en-US" dirty="0" smtClean="0"/>
-              <a:t>Tables</a:t>
-            </a:r>
-          </a:p>
-          <a:p>
-            <a:r>
-              <a:rPr lang="en-US" dirty="0" smtClean="0"/>
-              <a:t>Support </a:t>
-            </a:r>
-            <a:r>
-              <a:rPr lang="en-US" dirty="0"/>
-              <a:t>for stored procedure parameter </a:t>
-            </a:r>
-            <a:r>
-              <a:rPr lang="en-US" dirty="0" smtClean="0"/>
-              <a:t>default value</a:t>
-            </a:r>
-          </a:p>
-          <a:p>
-            <a:r>
-              <a:rPr lang="en-US" dirty="0" smtClean="0"/>
-              <a:t>Table type with Bulk Insert and Update support</a:t>
-            </a:r>
-          </a:p>
-        </p:txBody>
-      </p:sp>
-    </p:spTree>
-    <p:extLst>
-      <p:ext uri="{BB962C8B-B14F-4D97-AF65-F5344CB8AC3E}">
-        <p14:creationId xmlns:p14="http://schemas.microsoft.com/office/powerpoint/2010/main" val="1606980947"/>
-      </p:ext>
-    </p:extLst>
-  </p:cSld>
-  <p:clrMapOvr>
-    <a:masterClrMapping/>
-  </p:clrMapOvr>
-  <p:timing>
-    <p:tnLst>
-      <p:par>
-        <p:cTn id="1" dur="indefinite" restart="never" nodeType="tmRoot"/>
-      </p:par>
-    </p:tnLst>
-  </p:timing>
-</p:sld>
-</file>
-
-<file path=ppt/slides/slide16.xml><?xml version="1.0" encoding="utf-8"?>
-<p:sld xmlns:a="http://schemas.openxmlformats.org/drawingml/2006/main" xmlns:r="http://schemas.openxmlformats.org/officeDocument/2006/relationships" xmlns:p="http://schemas.openxmlformats.org/presentationml/2006/main">
-  <p:cSld>
-    <p:spTree>
-      <p:nvGrpSpPr>
-        <p:cNvPr id="1" name=""/>
-        <p:cNvGrpSpPr/>
-        <p:nvPr/>
-      </p:nvGrpSpPr>
-      <p:grpSpPr>
-        <a:xfrm>
-          <a:off x="0" y="0"/>
-          <a:ext cx="0" cy="0"/>
-          <a:chOff x="0" y="0"/>
-          <a:chExt cx="0" cy="0"/>
-        </a:xfrm>
-      </p:grpSpPr>
-      <p:sp>
-        <p:nvSpPr>
-          <p:cNvPr id="2" name="Title 1"/>
-          <p:cNvSpPr>
-            <a:spLocks noGrp="1"/>
-          </p:cNvSpPr>
-          <p:nvPr>
-            <p:ph type="title"/>
-          </p:nvPr>
-        </p:nvSpPr>
-        <p:spPr/>
-        <p:txBody>
-          <a:bodyPr>
-            <a:normAutofit/>
-          </a:bodyPr>
-          <a:lstStyle/>
-          <a:p>
-            <a:r>
-              <a:rPr lang="en-US" cap="none" dirty="0" err="1" smtClean="0"/>
               <a:t>SqlEnumProvider</a:t>
             </a:r>
             <a:endParaRPr lang="en-US" cap="none" dirty="0"/>
@@ -13551,7 +13409,7 @@
 </p:sld>
 </file>
 
-<file path=ppt/slides/slide17.xml><?xml version="1.0" encoding="utf-8"?>
+<file path=ppt/slides/slide16.xml><?xml version="1.0" encoding="utf-8"?>
 <p:sld xmlns:a="http://schemas.openxmlformats.org/drawingml/2006/main" xmlns:r="http://schemas.openxmlformats.org/officeDocument/2006/relationships" xmlns:p="http://schemas.openxmlformats.org/presentationml/2006/main">
   <p:cSld>
     <p:spTree>
@@ -13722,246 +13580,6 @@
       </p:grpSpPr>
       <p:sp>
         <p:nvSpPr>
-          <p:cNvPr id="2" name="Title 1"/>
-          <p:cNvSpPr>
-            <a:spLocks noGrp="1"/>
-          </p:cNvSpPr>
-          <p:nvPr>
-            <p:ph type="title"/>
-          </p:nvPr>
-        </p:nvSpPr>
-        <p:spPr/>
-        <p:txBody>
-          <a:bodyPr/>
-          <a:lstStyle/>
-          <a:p>
-            <a:pPr algn="ctr"/>
-            <a:r>
-              <a:rPr lang="en-US" dirty="0" smtClean="0"/>
-              <a:t> </a:t>
-            </a:r>
-            <a:r>
-              <a:rPr lang="en-US" sz="2000" cap="none" dirty="0" smtClean="0"/>
-              <a:t>almost</a:t>
-            </a:r>
-            <a:r>
-              <a:rPr lang="en-US" dirty="0" smtClean="0"/>
-              <a:t> F</a:t>
-            </a:r>
-            <a:r>
-              <a:rPr lang="en-US" dirty="0"/>
-              <a:t># </a:t>
-            </a:r>
-            <a:r>
-              <a:rPr lang="en-US" dirty="0" smtClean="0"/>
-              <a:t>full stack software engineering team</a:t>
-            </a:r>
-            <a:endParaRPr lang="en-US" dirty="0"/>
-          </a:p>
-        </p:txBody>
-      </p:sp>
-      <p:sp>
-        <p:nvSpPr>
-          <p:cNvPr id="4" name="Text Placeholder 3"/>
-          <p:cNvSpPr>
-            <a:spLocks noGrp="1"/>
-          </p:cNvSpPr>
-          <p:nvPr>
-            <p:ph type="body" sz="half" idx="2"/>
-          </p:nvPr>
-        </p:nvSpPr>
-        <p:spPr>
-          <a:xfrm>
-            <a:off x="1207266" y="5124019"/>
-            <a:ext cx="9910859" cy="682472"/>
-          </a:xfrm>
-        </p:spPr>
-        <p:txBody>
-          <a:bodyPr/>
-          <a:lstStyle/>
-          <a:p>
-            <a:r>
-              <a:rPr lang="en-US" dirty="0" smtClean="0"/>
-              <a:t>Azure, IOS, </a:t>
-            </a:r>
-            <a:r>
-              <a:rPr lang="en-US" dirty="0" err="1" smtClean="0"/>
-              <a:t>Xamarin</a:t>
-            </a:r>
-            <a:r>
-              <a:rPr lang="en-US" dirty="0" smtClean="0"/>
-              <a:t>, </a:t>
-            </a:r>
-            <a:r>
-              <a:rPr lang="en-US" dirty="0" err="1" smtClean="0"/>
-              <a:t>WebAPI</a:t>
-            </a:r>
-            <a:r>
-              <a:rPr lang="en-US" dirty="0" smtClean="0"/>
-              <a:t>, Data Science, Machine Learning, Fake, Data Access </a:t>
-            </a:r>
-            <a:br>
-              <a:rPr lang="en-US" dirty="0" smtClean="0"/>
-            </a:br>
-            <a:r>
-              <a:rPr lang="en-US" dirty="0" smtClean="0"/>
-              <a:t>+  </a:t>
-            </a:r>
-            <a:r>
-              <a:rPr lang="en-US" dirty="0" err="1" smtClean="0"/>
-              <a:t>TypeScript</a:t>
-            </a:r>
-            <a:r>
-              <a:rPr lang="en-US" dirty="0" smtClean="0"/>
-              <a:t>, Python, Mathematica, </a:t>
-            </a:r>
-            <a:r>
-              <a:rPr lang="en-US" dirty="0" err="1" smtClean="0"/>
-              <a:t>Matlab</a:t>
-            </a:r>
-            <a:r>
-              <a:rPr lang="en-US" dirty="0" smtClean="0"/>
-              <a:t> </a:t>
-            </a:r>
-            <a:r>
-              <a:rPr lang="en-US" dirty="0" err="1" smtClean="0"/>
-              <a:t>etc</a:t>
-            </a:r>
-            <a:endParaRPr lang="en-US" dirty="0"/>
-          </a:p>
-        </p:txBody>
-      </p:sp>
-      <p:pic>
-        <p:nvPicPr>
-          <p:cNvPr id="8" name="Picture Placeholder 7"/>
-          <p:cNvPicPr>
-            <a:picLocks noGrp="1" noChangeAspect="1"/>
-          </p:cNvPicPr>
-          <p:nvPr>
-            <p:ph type="pic" idx="1"/>
-          </p:nvPr>
-        </p:nvPicPr>
-        <p:blipFill>
-          <a:blip r:embed="rId2"/>
-          <a:srcRect t="6423" b="6423"/>
-          <a:stretch>
-            <a:fillRect/>
-          </a:stretch>
-        </p:blipFill>
-        <p:spPr>
-          <a:prstGeom prst="rect">
-            <a:avLst/>
-          </a:prstGeom>
-        </p:spPr>
-      </p:pic>
-      <p:pic>
-        <p:nvPicPr>
-          <p:cNvPr id="10" name="Picture 9"/>
-          <p:cNvPicPr>
-            <a:picLocks noChangeAspect="1"/>
-          </p:cNvPicPr>
-          <p:nvPr/>
-        </p:nvPicPr>
-        <p:blipFill>
-          <a:blip r:embed="rId3">
-            <a:extLst>
-              <a:ext uri="{28A0092B-C50C-407E-A947-70E740481C1C}">
-                <a14:useLocalDpi xmlns:a14="http://schemas.microsoft.com/office/drawing/2010/main" val="0"/>
-              </a:ext>
-            </a:extLst>
-          </a:blip>
-          <a:stretch>
-            <a:fillRect/>
-          </a:stretch>
-        </p:blipFill>
-        <p:spPr>
-          <a:xfrm>
-            <a:off x="4826952" y="845848"/>
-            <a:ext cx="2539682" cy="457143"/>
-          </a:xfrm>
-          <a:prstGeom prst="rect">
-            <a:avLst/>
-          </a:prstGeom>
-        </p:spPr>
-      </p:pic>
-      <p:sp>
-        <p:nvSpPr>
-          <p:cNvPr id="3" name="TextBox 2"/>
-          <p:cNvSpPr txBox="1"/>
-          <p:nvPr/>
-        </p:nvSpPr>
-        <p:spPr>
-          <a:xfrm>
-            <a:off x="1920240" y="2057400"/>
-            <a:ext cx="8618220" cy="400110"/>
-          </a:xfrm>
-          <a:prstGeom prst="rect">
-            <a:avLst/>
-          </a:prstGeom>
-          <a:noFill/>
-        </p:spPr>
-        <p:txBody>
-          <a:bodyPr wrap="square" rtlCol="0">
-            <a:spAutoFit/>
-          </a:bodyPr>
-          <a:lstStyle/>
-          <a:p>
-            <a:pPr algn="ctr"/>
-            <a:r>
-              <a:rPr lang="en-US" sz="2000" dirty="0">
-                <a:solidFill>
-                  <a:schemeClr val="bg1"/>
-                </a:solidFill>
-              </a:rPr>
-              <a:t>We create technology to optimize energy production for the oil and gas industry.</a:t>
-            </a:r>
-            <a:endParaRPr lang="en-US" sz="2000" dirty="0">
-              <a:solidFill>
-                <a:schemeClr val="bg1"/>
-              </a:solidFill>
-            </a:endParaRPr>
-          </a:p>
-        </p:txBody>
-      </p:sp>
-    </p:spTree>
-    <p:extLst>
-      <p:ext uri="{BB962C8B-B14F-4D97-AF65-F5344CB8AC3E}">
-        <p14:creationId xmlns:p14="http://schemas.microsoft.com/office/powerpoint/2010/main" val="3711712072"/>
-      </p:ext>
-    </p:extLst>
-  </p:cSld>
-  <p:clrMapOvr>
-    <a:masterClrMapping/>
-  </p:clrMapOvr>
-  <p:timing>
-    <p:tnLst>
-      <p:par>
-        <p:cTn id="1" dur="indefinite" restart="never" nodeType="tmRoot"/>
-      </p:par>
-    </p:tnLst>
-  </p:timing>
-</p:sld>
-</file>
-
-<file path=ppt/slides/slide3.xml><?xml version="1.0" encoding="utf-8"?>
-<p:sld xmlns:a="http://schemas.openxmlformats.org/drawingml/2006/main" xmlns:r="http://schemas.openxmlformats.org/officeDocument/2006/relationships" xmlns:p="http://schemas.openxmlformats.org/presentationml/2006/main">
-  <p:cSld>
-    <p:spTree>
-      <p:nvGrpSpPr>
-        <p:cNvPr id="1" name=""/>
-        <p:cNvGrpSpPr/>
-        <p:nvPr/>
-      </p:nvGrpSpPr>
-      <p:grpSpPr>
-        <a:xfrm>
-          <a:off x="0" y="0"/>
-          <a:ext cx="0" cy="0"/>
-          <a:chOff x="0" y="0"/>
-          <a:chExt cx="0" cy="0"/>
-        </a:xfrm>
-      </p:grpSpPr>
-      <p:sp>
-        <p:nvSpPr>
           <p:cNvPr id="7" name="Title 6"/>
           <p:cNvSpPr>
             <a:spLocks noGrp="1"/>
@@ -14055,7 +13673,7 @@
 </p:sld>
 </file>
 
-<file path=ppt/slides/slide4.xml><?xml version="1.0" encoding="utf-8"?>
+<file path=ppt/slides/slide3.xml><?xml version="1.0" encoding="utf-8"?>
 <p:sld xmlns:a="http://schemas.openxmlformats.org/drawingml/2006/main" xmlns:r="http://schemas.openxmlformats.org/officeDocument/2006/relationships" xmlns:p="http://schemas.openxmlformats.org/presentationml/2006/main">
   <p:cSld>
     <p:spTree>
@@ -14183,7 +13801,7 @@
 </p:sld>
 </file>
 
-<file path=ppt/slides/slide5.xml><?xml version="1.0" encoding="utf-8"?>
+<file path=ppt/slides/slide4.xml><?xml version="1.0" encoding="utf-8"?>
 <p:sld xmlns:a="http://schemas.openxmlformats.org/drawingml/2006/main" xmlns:r="http://schemas.openxmlformats.org/officeDocument/2006/relationships" xmlns:p="http://schemas.openxmlformats.org/presentationml/2006/main">
   <p:cSld>
     <p:spTree>
@@ -14321,7 +13939,7 @@
 </p:sld>
 </file>
 
-<file path=ppt/slides/slide6.xml><?xml version="1.0" encoding="utf-8"?>
+<file path=ppt/slides/slide5.xml><?xml version="1.0" encoding="utf-8"?>
 <p:sld xmlns:a="http://schemas.openxmlformats.org/drawingml/2006/main" xmlns:r="http://schemas.openxmlformats.org/officeDocument/2006/relationships" xmlns:p="http://schemas.openxmlformats.org/presentationml/2006/main">
   <p:cSld>
     <p:spTree>
@@ -14533,7 +14151,7 @@
 </p:sld>
 </file>
 
-<file path=ppt/slides/slide7.xml><?xml version="1.0" encoding="utf-8"?>
+<file path=ppt/slides/slide6.xml><?xml version="1.0" encoding="utf-8"?>
 <p:sld xmlns:a="http://schemas.openxmlformats.org/drawingml/2006/main" xmlns:r="http://schemas.openxmlformats.org/officeDocument/2006/relationships" xmlns:p="http://schemas.openxmlformats.org/presentationml/2006/main">
   <p:cSld>
     <p:spTree>
@@ -14649,7 +14267,7 @@
 </p:sld>
 </file>
 
-<file path=ppt/slides/slide8.xml><?xml version="1.0" encoding="utf-8"?>
+<file path=ppt/slides/slide7.xml><?xml version="1.0" encoding="utf-8"?>
 <p:sld xmlns:a="http://schemas.openxmlformats.org/drawingml/2006/main" xmlns:r="http://schemas.openxmlformats.org/officeDocument/2006/relationships" xmlns:p="http://schemas.openxmlformats.org/presentationml/2006/main">
   <p:cSld>
     <p:spTree>
@@ -14858,11 +14476,7 @@
                     <a:p>
                       <a:r>
                         <a:rPr lang="en-US" dirty="0" smtClean="0"/>
-                        <a:t>ORM </a:t>
-                      </a:r>
-                      <a:r>
-                        <a:rPr lang="en-US" dirty="0" smtClean="0"/>
-                        <a:t>– EF, NHibernate</a:t>
+                        <a:t>ORM – EF, NHibernate</a:t>
                       </a:r>
                       <a:endParaRPr lang="en-US" dirty="0"/>
                     </a:p>
@@ -14949,15 +14563,7 @@
                       </a:pPr>
                       <a:r>
                         <a:rPr lang="en-US" dirty="0" smtClean="0"/>
-                        <a:t>Light ORM </a:t>
-                      </a:r>
-                      <a:r>
-                        <a:rPr lang="en-US" dirty="0" smtClean="0"/>
-                        <a:t>- </a:t>
-                      </a:r>
-                      <a:r>
-                        <a:rPr lang="en-US" dirty="0" smtClean="0"/>
-                        <a:t>Dapper</a:t>
+                        <a:t>Light ORM - Dapper</a:t>
                       </a:r>
                     </a:p>
                   </a:txBody>
@@ -15348,7 +14954,7 @@
 </p:sld>
 </file>
 
-<file path=ppt/slides/slide9.xml><?xml version="1.0" encoding="utf-8"?>
+<file path=ppt/slides/slide8.xml><?xml version="1.0" encoding="utf-8"?>
 <p:sld xmlns:a="http://schemas.openxmlformats.org/drawingml/2006/main" xmlns:r="http://schemas.openxmlformats.org/officeDocument/2006/relationships" xmlns:p="http://schemas.openxmlformats.org/presentationml/2006/main">
   <p:cSld>
     <p:spTree>
@@ -15467,6 +15073,147 @@
     <p:extLst>
       <p:ext uri="{BB962C8B-B14F-4D97-AF65-F5344CB8AC3E}">
         <p14:creationId xmlns:p14="http://schemas.microsoft.com/office/powerpoint/2010/main" val="3665018351"/>
+      </p:ext>
+    </p:extLst>
+  </p:cSld>
+  <p:clrMapOvr>
+    <a:masterClrMapping/>
+  </p:clrMapOvr>
+  <p:timing>
+    <p:tnLst>
+      <p:par>
+        <p:cTn id="1" dur="indefinite" restart="never" nodeType="tmRoot"/>
+      </p:par>
+    </p:tnLst>
+  </p:timing>
+</p:sld>
+</file>
+
+<file path=ppt/slides/slide9.xml><?xml version="1.0" encoding="utf-8"?>
+<p:sld xmlns:a="http://schemas.openxmlformats.org/drawingml/2006/main" xmlns:r="http://schemas.openxmlformats.org/officeDocument/2006/relationships" xmlns:p="http://schemas.openxmlformats.org/presentationml/2006/main">
+  <p:cSld>
+    <p:spTree>
+      <p:nvGrpSpPr>
+        <p:cNvPr id="1" name=""/>
+        <p:cNvGrpSpPr/>
+        <p:nvPr/>
+      </p:nvGrpSpPr>
+      <p:grpSpPr>
+        <a:xfrm>
+          <a:off x="0" y="0"/>
+          <a:ext cx="0" cy="0"/>
+          <a:chOff x="0" y="0"/>
+          <a:chExt cx="0" cy="0"/>
+        </a:xfrm>
+      </p:grpSpPr>
+      <p:sp>
+        <p:nvSpPr>
+          <p:cNvPr id="2" name="Title 1"/>
+          <p:cNvSpPr>
+            <a:spLocks noGrp="1"/>
+          </p:cNvSpPr>
+          <p:nvPr>
+            <p:ph type="title"/>
+          </p:nvPr>
+        </p:nvSpPr>
+        <p:spPr/>
+        <p:txBody>
+          <a:bodyPr/>
+          <a:lstStyle/>
+          <a:p>
+            <a:r>
+              <a:rPr lang="en-US" dirty="0" smtClean="0"/>
+              <a:t>Productivity</a:t>
+            </a:r>
+            <a:endParaRPr lang="en-US" dirty="0"/>
+          </a:p>
+        </p:txBody>
+      </p:sp>
+      <p:sp>
+        <p:nvSpPr>
+          <p:cNvPr id="3" name="Content Placeholder 2"/>
+          <p:cNvSpPr>
+            <a:spLocks noGrp="1"/>
+          </p:cNvSpPr>
+          <p:nvPr>
+            <p:ph idx="1"/>
+          </p:nvPr>
+        </p:nvSpPr>
+        <p:spPr/>
+        <p:txBody>
+          <a:bodyPr/>
+          <a:lstStyle/>
+          <a:p>
+            <a:r>
+              <a:rPr lang="en-US" dirty="0" smtClean="0"/>
+              <a:t>Static types + </a:t>
+            </a:r>
+            <a:r>
+              <a:rPr lang="en-US" dirty="0" err="1" smtClean="0"/>
+              <a:t>intellisense</a:t>
+            </a:r>
+            <a:r>
+              <a:rPr lang="en-US" dirty="0" smtClean="0"/>
+              <a:t> for:</a:t>
+            </a:r>
+          </a:p>
+          <a:p>
+            <a:pPr lvl="1"/>
+            <a:r>
+              <a:rPr lang="en-US" dirty="0" smtClean="0"/>
+              <a:t>Input parameters</a:t>
+            </a:r>
+          </a:p>
+          <a:p>
+            <a:pPr lvl="1"/>
+            <a:r>
+              <a:rPr lang="en-US" dirty="0" smtClean="0"/>
+              <a:t>Output </a:t>
+            </a:r>
+            <a:r>
+              <a:rPr lang="en-US" dirty="0" err="1" smtClean="0"/>
+              <a:t>rowset</a:t>
+            </a:r>
+            <a:endParaRPr lang="en-US" dirty="0" smtClean="0"/>
+          </a:p>
+          <a:p>
+            <a:r>
+              <a:rPr lang="en-US" dirty="0" smtClean="0"/>
+              <a:t>T-SQL syntax errors at runtime !!!</a:t>
+            </a:r>
+          </a:p>
+          <a:p>
+            <a:r>
+              <a:rPr lang="en-US" dirty="0" smtClean="0"/>
+              <a:t>Simple connection management – it just works</a:t>
+            </a:r>
+          </a:p>
+          <a:p>
+            <a:r>
+              <a:rPr lang="en-US" dirty="0" smtClean="0"/>
+              <a:t>T-SQL </a:t>
+            </a:r>
+            <a:r>
+              <a:rPr lang="en-US" dirty="0" err="1" smtClean="0"/>
+              <a:t>intellisense</a:t>
+            </a:r>
+            <a:r>
+              <a:rPr lang="en-US" dirty="0" smtClean="0"/>
+              <a:t> in external files</a:t>
+            </a:r>
+          </a:p>
+          <a:p>
+            <a:pPr marL="0" indent="0">
+              <a:buNone/>
+            </a:pPr>
+            <a:endParaRPr lang="en-US" dirty="0"/>
+          </a:p>
+        </p:txBody>
+      </p:sp>
+    </p:spTree>
+    <p:extLst>
+      <p:ext uri="{BB962C8B-B14F-4D97-AF65-F5344CB8AC3E}">
+        <p14:creationId xmlns:p14="http://schemas.microsoft.com/office/powerpoint/2010/main" val="921806082"/>
       </p:ext>
     </p:extLst>
   </p:cSld>

--- a/SF FSharp UG. 2015-04-28/slides.pptx
+++ b/SF FSharp UG. 2015-04-28/slides.pptx
@@ -6,21 +6,22 @@
   </p:sldMasterIdLst>
   <p:sldIdLst>
     <p:sldId id="256" r:id="rId2"/>
-    <p:sldId id="308" r:id="rId3"/>
-    <p:sldId id="288" r:id="rId4"/>
-    <p:sldId id="289" r:id="rId5"/>
-    <p:sldId id="291" r:id="rId6"/>
-    <p:sldId id="310" r:id="rId7"/>
-    <p:sldId id="302" r:id="rId8"/>
-    <p:sldId id="312" r:id="rId9"/>
-    <p:sldId id="313" r:id="rId10"/>
-    <p:sldId id="314" r:id="rId11"/>
-    <p:sldId id="315" r:id="rId12"/>
-    <p:sldId id="316" r:id="rId13"/>
-    <p:sldId id="317" r:id="rId14"/>
-    <p:sldId id="298" r:id="rId15"/>
-    <p:sldId id="297" r:id="rId16"/>
-    <p:sldId id="306" r:id="rId17"/>
+    <p:sldId id="307" r:id="rId3"/>
+    <p:sldId id="308" r:id="rId4"/>
+    <p:sldId id="288" r:id="rId5"/>
+    <p:sldId id="289" r:id="rId6"/>
+    <p:sldId id="291" r:id="rId7"/>
+    <p:sldId id="310" r:id="rId8"/>
+    <p:sldId id="302" r:id="rId9"/>
+    <p:sldId id="312" r:id="rId10"/>
+    <p:sldId id="313" r:id="rId11"/>
+    <p:sldId id="314" r:id="rId12"/>
+    <p:sldId id="315" r:id="rId13"/>
+    <p:sldId id="316" r:id="rId14"/>
+    <p:sldId id="317" r:id="rId15"/>
+    <p:sldId id="298" r:id="rId16"/>
+    <p:sldId id="297" r:id="rId17"/>
+    <p:sldId id="306" r:id="rId18"/>
   </p:sldIdLst>
   <p:sldSz cx="12192000" cy="6858000"/>
   <p:notesSz cx="6858000" cy="9144000"/>
@@ -177,7 +178,7 @@
           <a:noFill/>
           <a:extLst>
             <a:ext uri="{909E8E84-426E-40dd-AFC4-6F175D3DCCD1}">
-              <a14:hiddenFill xmlns="" xmlns:a14="http://schemas.microsoft.com/office/drawing/2010/main">
+              <a14:hiddenFill xmlns:a14="http://schemas.microsoft.com/office/drawing/2010/main" xmlns="">
                 <a:solidFill>
                   <a:srgbClr val="FFFFFF"/>
                 </a:solidFill>
@@ -237,7 +238,7 @@
             </a:ln>
             <a:extLst>
               <a:ext uri="{91240B29-F687-4f45-9708-019B960494DF}">
-                <a14:hiddenLine xmlns="" xmlns:a14="http://schemas.microsoft.com/office/drawing/2010/main" w="9525">
+                <a14:hiddenLine xmlns:a14="http://schemas.microsoft.com/office/drawing/2010/main" xmlns="" w="9525">
                   <a:solidFill>
                     <a:srgbClr val="000000"/>
                   </a:solidFill>
@@ -327,7 +328,7 @@
             </a:ln>
             <a:extLst>
               <a:ext uri="{91240B29-F687-4f45-9708-019B960494DF}">
-                <a14:hiddenLine xmlns="" xmlns:a14="http://schemas.microsoft.com/office/drawing/2010/main" w="9525">
+                <a14:hiddenLine xmlns:a14="http://schemas.microsoft.com/office/drawing/2010/main" xmlns="" w="9525">
                   <a:solidFill>
                     <a:srgbClr val="000000"/>
                   </a:solidFill>
@@ -417,7 +418,7 @@
             </a:ln>
             <a:extLst>
               <a:ext uri="{91240B29-F687-4f45-9708-019B960494DF}">
-                <a14:hiddenLine xmlns="" xmlns:a14="http://schemas.microsoft.com/office/drawing/2010/main" w="9525">
+                <a14:hiddenLine xmlns:a14="http://schemas.microsoft.com/office/drawing/2010/main" xmlns="" w="9525">
                   <a:solidFill>
                     <a:srgbClr val="000000"/>
                   </a:solidFill>
@@ -451,7 +452,7 @@
             </a:ln>
             <a:extLst>
               <a:ext uri="{91240B29-F687-4f45-9708-019B960494DF}">
-                <a14:hiddenLine xmlns="" xmlns:a14="http://schemas.microsoft.com/office/drawing/2010/main" w="9525">
+                <a14:hiddenLine xmlns:a14="http://schemas.microsoft.com/office/drawing/2010/main" xmlns="" w="9525">
                   <a:solidFill>
                     <a:srgbClr val="000000"/>
                   </a:solidFill>
@@ -541,7 +542,7 @@
             </a:ln>
             <a:extLst>
               <a:ext uri="{91240B29-F687-4f45-9708-019B960494DF}">
-                <a14:hiddenLine xmlns="" xmlns:a14="http://schemas.microsoft.com/office/drawing/2010/main" w="9525">
+                <a14:hiddenLine xmlns:a14="http://schemas.microsoft.com/office/drawing/2010/main" xmlns="" w="9525">
                   <a:solidFill>
                     <a:srgbClr val="000000"/>
                   </a:solidFill>
@@ -603,7 +604,7 @@
             </a:ln>
             <a:extLst>
               <a:ext uri="{91240B29-F687-4f45-9708-019B960494DF}">
-                <a14:hiddenLine xmlns="" xmlns:a14="http://schemas.microsoft.com/office/drawing/2010/main" w="9525">
+                <a14:hiddenLine xmlns:a14="http://schemas.microsoft.com/office/drawing/2010/main" xmlns="" w="9525">
                   <a:solidFill>
                     <a:srgbClr val="000000"/>
                   </a:solidFill>
@@ -665,7 +666,7 @@
             </a:ln>
             <a:extLst>
               <a:ext uri="{91240B29-F687-4f45-9708-019B960494DF}">
-                <a14:hiddenLine xmlns="" xmlns:a14="http://schemas.microsoft.com/office/drawing/2010/main" w="9525">
+                <a14:hiddenLine xmlns:a14="http://schemas.microsoft.com/office/drawing/2010/main" xmlns="" w="9525">
                   <a:solidFill>
                     <a:srgbClr val="000000"/>
                   </a:solidFill>
@@ -755,7 +756,7 @@
             </a:ln>
             <a:extLst>
               <a:ext uri="{91240B29-F687-4f45-9708-019B960494DF}">
-                <a14:hiddenLine xmlns="" xmlns:a14="http://schemas.microsoft.com/office/drawing/2010/main" w="9525">
+                <a14:hiddenLine xmlns:a14="http://schemas.microsoft.com/office/drawing/2010/main" xmlns="" w="9525">
                   <a:solidFill>
                     <a:srgbClr val="000000"/>
                   </a:solidFill>
@@ -817,7 +818,7 @@
             </a:ln>
             <a:extLst>
               <a:ext uri="{91240B29-F687-4f45-9708-019B960494DF}">
-                <a14:hiddenLine xmlns="" xmlns:a14="http://schemas.microsoft.com/office/drawing/2010/main" w="9525">
+                <a14:hiddenLine xmlns:a14="http://schemas.microsoft.com/office/drawing/2010/main" xmlns="" w="9525">
                   <a:solidFill>
                     <a:srgbClr val="000000"/>
                   </a:solidFill>
@@ -879,7 +880,7 @@
             </a:ln>
             <a:extLst>
               <a:ext uri="{91240B29-F687-4f45-9708-019B960494DF}">
-                <a14:hiddenLine xmlns="" xmlns:a14="http://schemas.microsoft.com/office/drawing/2010/main" w="9525">
+                <a14:hiddenLine xmlns:a14="http://schemas.microsoft.com/office/drawing/2010/main" xmlns="" w="9525">
                   <a:solidFill>
                     <a:srgbClr val="000000"/>
                   </a:solidFill>
@@ -969,7 +970,7 @@
             </a:ln>
             <a:extLst>
               <a:ext uri="{91240B29-F687-4f45-9708-019B960494DF}">
-                <a14:hiddenLine xmlns="" xmlns:a14="http://schemas.microsoft.com/office/drawing/2010/main" w="9525">
+                <a14:hiddenLine xmlns:a14="http://schemas.microsoft.com/office/drawing/2010/main" xmlns="" w="9525">
                   <a:solidFill>
                     <a:srgbClr val="000000"/>
                   </a:solidFill>
@@ -1059,7 +1060,7 @@
             </a:ln>
             <a:extLst>
               <a:ext uri="{91240B29-F687-4f45-9708-019B960494DF}">
-                <a14:hiddenLine xmlns="" xmlns:a14="http://schemas.microsoft.com/office/drawing/2010/main" w="9525">
+                <a14:hiddenLine xmlns:a14="http://schemas.microsoft.com/office/drawing/2010/main" xmlns="" w="9525">
                   <a:solidFill>
                     <a:srgbClr val="000000"/>
                   </a:solidFill>
@@ -1121,7 +1122,7 @@
             </a:ln>
             <a:extLst>
               <a:ext uri="{91240B29-F687-4f45-9708-019B960494DF}">
-                <a14:hiddenLine xmlns="" xmlns:a14="http://schemas.microsoft.com/office/drawing/2010/main" w="9525">
+                <a14:hiddenLine xmlns:a14="http://schemas.microsoft.com/office/drawing/2010/main" xmlns="" w="9525">
                   <a:solidFill>
                     <a:srgbClr val="000000"/>
                   </a:solidFill>
@@ -1231,7 +1232,7 @@
             </a:ln>
             <a:extLst>
               <a:ext uri="{91240B29-F687-4f45-9708-019B960494DF}">
-                <a14:hiddenLine xmlns="" xmlns:a14="http://schemas.microsoft.com/office/drawing/2010/main" w="9525">
+                <a14:hiddenLine xmlns:a14="http://schemas.microsoft.com/office/drawing/2010/main" xmlns="" w="9525">
                   <a:solidFill>
                     <a:srgbClr val="000000"/>
                   </a:solidFill>
@@ -1293,7 +1294,7 @@
             </a:ln>
             <a:extLst>
               <a:ext uri="{91240B29-F687-4f45-9708-019B960494DF}">
-                <a14:hiddenLine xmlns="" xmlns:a14="http://schemas.microsoft.com/office/drawing/2010/main" w="9525">
+                <a14:hiddenLine xmlns:a14="http://schemas.microsoft.com/office/drawing/2010/main" xmlns="" w="9525">
                   <a:solidFill>
                     <a:srgbClr val="000000"/>
                   </a:solidFill>
@@ -1383,7 +1384,7 @@
             </a:ln>
             <a:extLst>
               <a:ext uri="{91240B29-F687-4f45-9708-019B960494DF}">
-                <a14:hiddenLine xmlns="" xmlns:a14="http://schemas.microsoft.com/office/drawing/2010/main" w="9525">
+                <a14:hiddenLine xmlns:a14="http://schemas.microsoft.com/office/drawing/2010/main" xmlns="" w="9525">
                   <a:solidFill>
                     <a:srgbClr val="000000"/>
                   </a:solidFill>
@@ -1473,7 +1474,7 @@
             </a:ln>
             <a:extLst>
               <a:ext uri="{91240B29-F687-4f45-9708-019B960494DF}">
-                <a14:hiddenLine xmlns="" xmlns:a14="http://schemas.microsoft.com/office/drawing/2010/main" w="9525">
+                <a14:hiddenLine xmlns:a14="http://schemas.microsoft.com/office/drawing/2010/main" xmlns="" w="9525">
                   <a:solidFill>
                     <a:srgbClr val="000000"/>
                   </a:solidFill>
@@ -1535,7 +1536,7 @@
             </a:ln>
             <a:extLst>
               <a:ext uri="{91240B29-F687-4f45-9708-019B960494DF}">
-                <a14:hiddenLine xmlns="" xmlns:a14="http://schemas.microsoft.com/office/drawing/2010/main" w="9525">
+                <a14:hiddenLine xmlns:a14="http://schemas.microsoft.com/office/drawing/2010/main" xmlns="" w="9525">
                   <a:solidFill>
                     <a:srgbClr val="000000"/>
                   </a:solidFill>
@@ -1625,7 +1626,7 @@
             </a:ln>
             <a:extLst>
               <a:ext uri="{91240B29-F687-4f45-9708-019B960494DF}">
-                <a14:hiddenLine xmlns="" xmlns:a14="http://schemas.microsoft.com/office/drawing/2010/main" w="9525">
+                <a14:hiddenLine xmlns:a14="http://schemas.microsoft.com/office/drawing/2010/main" xmlns="" w="9525">
                   <a:solidFill>
                     <a:srgbClr val="000000"/>
                   </a:solidFill>
@@ -1715,7 +1716,7 @@
             </a:ln>
             <a:extLst>
               <a:ext uri="{91240B29-F687-4f45-9708-019B960494DF}">
-                <a14:hiddenLine xmlns="" xmlns:a14="http://schemas.microsoft.com/office/drawing/2010/main" w="9525">
+                <a14:hiddenLine xmlns:a14="http://schemas.microsoft.com/office/drawing/2010/main" xmlns="" w="9525">
                   <a:solidFill>
                     <a:srgbClr val="000000"/>
                   </a:solidFill>
@@ -1771,7 +1772,7 @@
             </a:ln>
             <a:extLst>
               <a:ext uri="{91240B29-F687-4f45-9708-019B960494DF}">
-                <a14:hiddenLine xmlns="" xmlns:a14="http://schemas.microsoft.com/office/drawing/2010/main" w="9525">
+                <a14:hiddenLine xmlns:a14="http://schemas.microsoft.com/office/drawing/2010/main" xmlns="" w="9525">
                   <a:solidFill>
                     <a:srgbClr val="000000"/>
                   </a:solidFill>
@@ -1861,7 +1862,7 @@
             </a:ln>
             <a:extLst>
               <a:ext uri="{91240B29-F687-4f45-9708-019B960494DF}">
-                <a14:hiddenLine xmlns="" xmlns:a14="http://schemas.microsoft.com/office/drawing/2010/main" w="9525">
+                <a14:hiddenLine xmlns:a14="http://schemas.microsoft.com/office/drawing/2010/main" xmlns="" w="9525">
                   <a:solidFill>
                     <a:srgbClr val="000000"/>
                   </a:solidFill>
@@ -1917,7 +1918,7 @@
             </a:ln>
             <a:extLst>
               <a:ext uri="{91240B29-F687-4f45-9708-019B960494DF}">
-                <a14:hiddenLine xmlns="" xmlns:a14="http://schemas.microsoft.com/office/drawing/2010/main" w="9525">
+                <a14:hiddenLine xmlns:a14="http://schemas.microsoft.com/office/drawing/2010/main" xmlns="" w="9525">
                   <a:solidFill>
                     <a:srgbClr val="000000"/>
                   </a:solidFill>
@@ -2007,7 +2008,7 @@
             </a:ln>
             <a:extLst>
               <a:ext uri="{91240B29-F687-4f45-9708-019B960494DF}">
-                <a14:hiddenLine xmlns="" xmlns:a14="http://schemas.microsoft.com/office/drawing/2010/main" w="9525">
+                <a14:hiddenLine xmlns:a14="http://schemas.microsoft.com/office/drawing/2010/main" xmlns="" w="9525">
                   <a:solidFill>
                     <a:srgbClr val="000000"/>
                   </a:solidFill>
@@ -2075,7 +2076,7 @@
             </a:ln>
             <a:extLst>
               <a:ext uri="{91240B29-F687-4f45-9708-019B960494DF}">
-                <a14:hiddenLine xmlns="" xmlns:a14="http://schemas.microsoft.com/office/drawing/2010/main" w="9525">
+                <a14:hiddenLine xmlns:a14="http://schemas.microsoft.com/office/drawing/2010/main" xmlns="" w="9525">
                   <a:solidFill>
                     <a:srgbClr val="000000"/>
                   </a:solidFill>
@@ -2165,7 +2166,7 @@
             </a:ln>
             <a:extLst>
               <a:ext uri="{91240B29-F687-4f45-9708-019B960494DF}">
-                <a14:hiddenLine xmlns="" xmlns:a14="http://schemas.microsoft.com/office/drawing/2010/main" w="9525">
+                <a14:hiddenLine xmlns:a14="http://schemas.microsoft.com/office/drawing/2010/main" xmlns="" w="9525">
                   <a:solidFill>
                     <a:srgbClr val="000000"/>
                   </a:solidFill>
@@ -2233,7 +2234,7 @@
             </a:ln>
             <a:extLst>
               <a:ext uri="{91240B29-F687-4f45-9708-019B960494DF}">
-                <a14:hiddenLine xmlns="" xmlns:a14="http://schemas.microsoft.com/office/drawing/2010/main" w="9525">
+                <a14:hiddenLine xmlns:a14="http://schemas.microsoft.com/office/drawing/2010/main" xmlns="" w="9525">
                   <a:solidFill>
                     <a:srgbClr val="000000"/>
                   </a:solidFill>
@@ -2323,7 +2324,7 @@
             </a:ln>
             <a:extLst>
               <a:ext uri="{91240B29-F687-4f45-9708-019B960494DF}">
-                <a14:hiddenLine xmlns="" xmlns:a14="http://schemas.microsoft.com/office/drawing/2010/main" w="9525">
+                <a14:hiddenLine xmlns:a14="http://schemas.microsoft.com/office/drawing/2010/main" xmlns="" w="9525">
                   <a:solidFill>
                     <a:srgbClr val="000000"/>
                   </a:solidFill>
@@ -2357,7 +2358,7 @@
             </a:ln>
             <a:extLst>
               <a:ext uri="{91240B29-F687-4f45-9708-019B960494DF}">
-                <a14:hiddenLine xmlns="" xmlns:a14="http://schemas.microsoft.com/office/drawing/2010/main" w="9525">
+                <a14:hiddenLine xmlns:a14="http://schemas.microsoft.com/office/drawing/2010/main" xmlns="" w="9525">
                   <a:solidFill>
                     <a:srgbClr val="000000"/>
                   </a:solidFill>
@@ -2447,7 +2448,7 @@
             </a:ln>
             <a:extLst>
               <a:ext uri="{91240B29-F687-4f45-9708-019B960494DF}">
-                <a14:hiddenLine xmlns="" xmlns:a14="http://schemas.microsoft.com/office/drawing/2010/main" w="9525">
+                <a14:hiddenLine xmlns:a14="http://schemas.microsoft.com/office/drawing/2010/main" xmlns="" w="9525">
                   <a:solidFill>
                     <a:srgbClr val="000000"/>
                   </a:solidFill>
@@ -2509,7 +2510,7 @@
             </a:ln>
             <a:extLst>
               <a:ext uri="{91240B29-F687-4f45-9708-019B960494DF}">
-                <a14:hiddenLine xmlns="" xmlns:a14="http://schemas.microsoft.com/office/drawing/2010/main" w="9525">
+                <a14:hiddenLine xmlns:a14="http://schemas.microsoft.com/office/drawing/2010/main" xmlns="" w="9525">
                   <a:solidFill>
                     <a:srgbClr val="000000"/>
                   </a:solidFill>
@@ -2571,7 +2572,7 @@
             </a:ln>
             <a:extLst>
               <a:ext uri="{91240B29-F687-4f45-9708-019B960494DF}">
-                <a14:hiddenLine xmlns="" xmlns:a14="http://schemas.microsoft.com/office/drawing/2010/main" w="9525">
+                <a14:hiddenLine xmlns:a14="http://schemas.microsoft.com/office/drawing/2010/main" xmlns="" w="9525">
                   <a:solidFill>
                     <a:srgbClr val="000000"/>
                   </a:solidFill>
@@ -2661,7 +2662,7 @@
             </a:ln>
             <a:extLst>
               <a:ext uri="{91240B29-F687-4f45-9708-019B960494DF}">
-                <a14:hiddenLine xmlns="" xmlns:a14="http://schemas.microsoft.com/office/drawing/2010/main" w="9525">
+                <a14:hiddenLine xmlns:a14="http://schemas.microsoft.com/office/drawing/2010/main" xmlns="" w="9525">
                   <a:solidFill>
                     <a:srgbClr val="000000"/>
                   </a:solidFill>
@@ -2729,7 +2730,7 @@
             </a:ln>
             <a:extLst>
               <a:ext uri="{91240B29-F687-4f45-9708-019B960494DF}">
-                <a14:hiddenLine xmlns="" xmlns:a14="http://schemas.microsoft.com/office/drawing/2010/main" w="9525">
+                <a14:hiddenLine xmlns:a14="http://schemas.microsoft.com/office/drawing/2010/main" xmlns="" w="9525">
                   <a:solidFill>
                     <a:srgbClr val="000000"/>
                   </a:solidFill>
@@ -2791,7 +2792,7 @@
             </a:ln>
             <a:extLst>
               <a:ext uri="{91240B29-F687-4f45-9708-019B960494DF}">
-                <a14:hiddenLine xmlns="" xmlns:a14="http://schemas.microsoft.com/office/drawing/2010/main" w="9525">
+                <a14:hiddenLine xmlns:a14="http://schemas.microsoft.com/office/drawing/2010/main" xmlns="" w="9525">
                   <a:solidFill>
                     <a:srgbClr val="000000"/>
                   </a:solidFill>
@@ -2881,7 +2882,7 @@
             </a:ln>
             <a:extLst>
               <a:ext uri="{91240B29-F687-4f45-9708-019B960494DF}">
-                <a14:hiddenLine xmlns="" xmlns:a14="http://schemas.microsoft.com/office/drawing/2010/main" w="9525">
+                <a14:hiddenLine xmlns:a14="http://schemas.microsoft.com/office/drawing/2010/main" xmlns="" w="9525">
                   <a:solidFill>
                     <a:srgbClr val="000000"/>
                   </a:solidFill>
@@ -2943,7 +2944,7 @@
             </a:ln>
             <a:extLst>
               <a:ext uri="{91240B29-F687-4f45-9708-019B960494DF}">
-                <a14:hiddenLine xmlns="" xmlns:a14="http://schemas.microsoft.com/office/drawing/2010/main" w="9525">
+                <a14:hiddenLine xmlns:a14="http://schemas.microsoft.com/office/drawing/2010/main" xmlns="" w="9525">
                   <a:solidFill>
                     <a:srgbClr val="000000"/>
                   </a:solidFill>
@@ -3033,7 +3034,7 @@
             </a:ln>
             <a:extLst>
               <a:ext uri="{91240B29-F687-4f45-9708-019B960494DF}">
-                <a14:hiddenLine xmlns="" xmlns:a14="http://schemas.microsoft.com/office/drawing/2010/main" w="9525">
+                <a14:hiddenLine xmlns:a14="http://schemas.microsoft.com/office/drawing/2010/main" xmlns="" w="9525">
                   <a:solidFill>
                     <a:srgbClr val="000000"/>
                   </a:solidFill>
@@ -3095,7 +3096,7 @@
             </a:ln>
             <a:extLst>
               <a:ext uri="{91240B29-F687-4f45-9708-019B960494DF}">
-                <a14:hiddenLine xmlns="" xmlns:a14="http://schemas.microsoft.com/office/drawing/2010/main" w="9525">
+                <a14:hiddenLine xmlns:a14="http://schemas.microsoft.com/office/drawing/2010/main" xmlns="" w="9525">
                   <a:solidFill>
                     <a:srgbClr val="000000"/>
                   </a:solidFill>
@@ -3185,7 +3186,7 @@
             </a:ln>
             <a:extLst>
               <a:ext uri="{91240B29-F687-4f45-9708-019B960494DF}">
-                <a14:hiddenLine xmlns="" xmlns:a14="http://schemas.microsoft.com/office/drawing/2010/main" w="9525">
+                <a14:hiddenLine xmlns:a14="http://schemas.microsoft.com/office/drawing/2010/main" xmlns="" w="9525">
                   <a:solidFill>
                     <a:srgbClr val="000000"/>
                   </a:solidFill>
@@ -3219,7 +3220,7 @@
             </a:ln>
             <a:extLst>
               <a:ext uri="{91240B29-F687-4f45-9708-019B960494DF}">
-                <a14:hiddenLine xmlns="" xmlns:a14="http://schemas.microsoft.com/office/drawing/2010/main" w="9525">
+                <a14:hiddenLine xmlns:a14="http://schemas.microsoft.com/office/drawing/2010/main" xmlns="" w="9525">
                   <a:solidFill>
                     <a:srgbClr val="000000"/>
                   </a:solidFill>
@@ -3284,7 +3285,7 @@
             </a:ln>
             <a:extLst>
               <a:ext uri="{91240B29-F687-4f45-9708-019B960494DF}">
-                <a14:hiddenLine xmlns="" xmlns:a14="http://schemas.microsoft.com/office/drawing/2010/main" w="9525">
+                <a14:hiddenLine xmlns:a14="http://schemas.microsoft.com/office/drawing/2010/main" xmlns="" w="9525">
                   <a:solidFill>
                     <a:srgbClr val="000000"/>
                   </a:solidFill>
@@ -3374,7 +3375,7 @@
             </a:ln>
             <a:extLst>
               <a:ext uri="{91240B29-F687-4f45-9708-019B960494DF}">
-                <a14:hiddenLine xmlns="" xmlns:a14="http://schemas.microsoft.com/office/drawing/2010/main" w="9525">
+                <a14:hiddenLine xmlns:a14="http://schemas.microsoft.com/office/drawing/2010/main" xmlns="" w="9525">
                   <a:solidFill>
                     <a:srgbClr val="000000"/>
                   </a:solidFill>
@@ -3436,7 +3437,7 @@
             </a:ln>
             <a:extLst>
               <a:ext uri="{91240B29-F687-4f45-9708-019B960494DF}">
-                <a14:hiddenLine xmlns="" xmlns:a14="http://schemas.microsoft.com/office/drawing/2010/main" w="9525">
+                <a14:hiddenLine xmlns:a14="http://schemas.microsoft.com/office/drawing/2010/main" xmlns="" w="9525">
                   <a:solidFill>
                     <a:srgbClr val="000000"/>
                   </a:solidFill>
@@ -3526,7 +3527,7 @@
             </a:ln>
             <a:extLst>
               <a:ext uri="{91240B29-F687-4f45-9708-019B960494DF}">
-                <a14:hiddenLine xmlns="" xmlns:a14="http://schemas.microsoft.com/office/drawing/2010/main" w="9525">
+                <a14:hiddenLine xmlns:a14="http://schemas.microsoft.com/office/drawing/2010/main" xmlns="" w="9525">
                   <a:solidFill>
                     <a:srgbClr val="000000"/>
                   </a:solidFill>
@@ -3616,7 +3617,7 @@
             </a:ln>
             <a:extLst>
               <a:ext uri="{91240B29-F687-4f45-9708-019B960494DF}">
-                <a14:hiddenLine xmlns="" xmlns:a14="http://schemas.microsoft.com/office/drawing/2010/main" w="9525">
+                <a14:hiddenLine xmlns:a14="http://schemas.microsoft.com/office/drawing/2010/main" xmlns="" w="9525">
                   <a:solidFill>
                     <a:srgbClr val="000000"/>
                   </a:solidFill>
@@ -3681,7 +3682,7 @@
             </a:ln>
             <a:extLst>
               <a:ext uri="{91240B29-F687-4f45-9708-019B960494DF}">
-                <a14:hiddenLine xmlns="" xmlns:a14="http://schemas.microsoft.com/office/drawing/2010/main" w="9525">
+                <a14:hiddenLine xmlns:a14="http://schemas.microsoft.com/office/drawing/2010/main" xmlns="" w="9525">
                   <a:solidFill>
                     <a:srgbClr val="000000"/>
                   </a:solidFill>
@@ -3743,7 +3744,7 @@
             </a:ln>
             <a:extLst>
               <a:ext uri="{91240B29-F687-4f45-9708-019B960494DF}">
-                <a14:hiddenLine xmlns="" xmlns:a14="http://schemas.microsoft.com/office/drawing/2010/main" w="9525">
+                <a14:hiddenLine xmlns:a14="http://schemas.microsoft.com/office/drawing/2010/main" xmlns="" w="9525">
                   <a:solidFill>
                     <a:srgbClr val="000000"/>
                   </a:solidFill>
@@ -3833,7 +3834,7 @@
             </a:ln>
             <a:extLst>
               <a:ext uri="{91240B29-F687-4f45-9708-019B960494DF}">
-                <a14:hiddenLine xmlns="" xmlns:a14="http://schemas.microsoft.com/office/drawing/2010/main" w="9525">
+                <a14:hiddenLine xmlns:a14="http://schemas.microsoft.com/office/drawing/2010/main" xmlns="" w="9525">
                   <a:solidFill>
                     <a:srgbClr val="000000"/>
                   </a:solidFill>
@@ -3923,7 +3924,7 @@
             </a:ln>
             <a:extLst>
               <a:ext uri="{91240B29-F687-4f45-9708-019B960494DF}">
-                <a14:hiddenLine xmlns="" xmlns:a14="http://schemas.microsoft.com/office/drawing/2010/main" w="9525">
+                <a14:hiddenLine xmlns:a14="http://schemas.microsoft.com/office/drawing/2010/main" xmlns="" w="9525">
                   <a:solidFill>
                     <a:srgbClr val="000000"/>
                   </a:solidFill>
@@ -3985,7 +3986,7 @@
             </a:ln>
             <a:extLst>
               <a:ext uri="{91240B29-F687-4f45-9708-019B960494DF}">
-                <a14:hiddenLine xmlns="" xmlns:a14="http://schemas.microsoft.com/office/drawing/2010/main" w="9525">
+                <a14:hiddenLine xmlns:a14="http://schemas.microsoft.com/office/drawing/2010/main" xmlns="" w="9525">
                   <a:solidFill>
                     <a:srgbClr val="000000"/>
                   </a:solidFill>
@@ -4105,7 +4106,7 @@
             </a:ln>
             <a:extLst>
               <a:ext uri="{91240B29-F687-4f45-9708-019B960494DF}">
-                <a14:hiddenLine xmlns="" xmlns:a14="http://schemas.microsoft.com/office/drawing/2010/main" w="9525">
+                <a14:hiddenLine xmlns:a14="http://schemas.microsoft.com/office/drawing/2010/main" xmlns="" w="9525">
                   <a:solidFill>
                     <a:srgbClr val="000000"/>
                   </a:solidFill>
@@ -4173,7 +4174,7 @@
             </a:ln>
             <a:extLst>
               <a:ext uri="{91240B29-F687-4f45-9708-019B960494DF}">
-                <a14:hiddenLine xmlns="" xmlns:a14="http://schemas.microsoft.com/office/drawing/2010/main" w="9525">
+                <a14:hiddenLine xmlns:a14="http://schemas.microsoft.com/office/drawing/2010/main" xmlns="" w="9525">
                   <a:solidFill>
                     <a:srgbClr val="000000"/>
                   </a:solidFill>
@@ -4263,7 +4264,7 @@
             </a:ln>
             <a:extLst>
               <a:ext uri="{91240B29-F687-4f45-9708-019B960494DF}">
-                <a14:hiddenLine xmlns="" xmlns:a14="http://schemas.microsoft.com/office/drawing/2010/main" w="9525">
+                <a14:hiddenLine xmlns:a14="http://schemas.microsoft.com/office/drawing/2010/main" xmlns="" w="9525">
                   <a:solidFill>
                     <a:srgbClr val="000000"/>
                   </a:solidFill>
@@ -9104,7 +9105,7 @@
           <a:noFill/>
           <a:extLst>
             <a:ext uri="{909E8E84-426E-40dd-AFC4-6F175D3DCCD1}">
-              <a14:hiddenFill xmlns="" xmlns:a14="http://schemas.microsoft.com/office/drawing/2010/main">
+              <a14:hiddenFill xmlns:a14="http://schemas.microsoft.com/office/drawing/2010/main" xmlns="">
                 <a:solidFill>
                   <a:srgbClr val="FFFFFF"/>
                 </a:solidFill>
@@ -9178,7 +9179,7 @@
               </a:ln>
               <a:extLst>
                 <a:ext uri="{91240B29-F687-4f45-9708-019B960494DF}">
-                  <a14:hiddenLine xmlns="" xmlns:a14="http://schemas.microsoft.com/office/drawing/2010/main" w="9525">
+                  <a14:hiddenLine xmlns:a14="http://schemas.microsoft.com/office/drawing/2010/main" xmlns="" w="9525">
                     <a:solidFill>
                       <a:srgbClr val="000000"/>
                     </a:solidFill>
@@ -9268,7 +9269,7 @@
               </a:ln>
               <a:extLst>
                 <a:ext uri="{91240B29-F687-4f45-9708-019B960494DF}">
-                  <a14:hiddenLine xmlns="" xmlns:a14="http://schemas.microsoft.com/office/drawing/2010/main" w="9525">
+                  <a14:hiddenLine xmlns:a14="http://schemas.microsoft.com/office/drawing/2010/main" xmlns="" w="9525">
                     <a:solidFill>
                       <a:srgbClr val="000000"/>
                     </a:solidFill>
@@ -9358,7 +9359,7 @@
               </a:ln>
               <a:extLst>
                 <a:ext uri="{91240B29-F687-4f45-9708-019B960494DF}">
-                  <a14:hiddenLine xmlns="" xmlns:a14="http://schemas.microsoft.com/office/drawing/2010/main" w="9525">
+                  <a14:hiddenLine xmlns:a14="http://schemas.microsoft.com/office/drawing/2010/main" xmlns="" w="9525">
                     <a:solidFill>
                       <a:srgbClr val="000000"/>
                     </a:solidFill>
@@ -9420,7 +9421,7 @@
               </a:ln>
               <a:extLst>
                 <a:ext uri="{91240B29-F687-4f45-9708-019B960494DF}">
-                  <a14:hiddenLine xmlns="" xmlns:a14="http://schemas.microsoft.com/office/drawing/2010/main" w="9525">
+                  <a14:hiddenLine xmlns:a14="http://schemas.microsoft.com/office/drawing/2010/main" xmlns="" w="9525">
                     <a:solidFill>
                       <a:srgbClr val="000000"/>
                     </a:solidFill>
@@ -9510,7 +9511,7 @@
               </a:ln>
               <a:extLst>
                 <a:ext uri="{91240B29-F687-4f45-9708-019B960494DF}">
-                  <a14:hiddenLine xmlns="" xmlns:a14="http://schemas.microsoft.com/office/drawing/2010/main" w="9525">
+                  <a14:hiddenLine xmlns:a14="http://schemas.microsoft.com/office/drawing/2010/main" xmlns="" w="9525">
                     <a:solidFill>
                       <a:srgbClr val="000000"/>
                     </a:solidFill>
@@ -9572,7 +9573,7 @@
               </a:ln>
               <a:extLst>
                 <a:ext uri="{91240B29-F687-4f45-9708-019B960494DF}">
-                  <a14:hiddenLine xmlns="" xmlns:a14="http://schemas.microsoft.com/office/drawing/2010/main" w="9525">
+                  <a14:hiddenLine xmlns:a14="http://schemas.microsoft.com/office/drawing/2010/main" xmlns="" w="9525">
                     <a:solidFill>
                       <a:srgbClr val="000000"/>
                     </a:solidFill>
@@ -9634,7 +9635,7 @@
               </a:ln>
               <a:extLst>
                 <a:ext uri="{91240B29-F687-4f45-9708-019B960494DF}">
-                  <a14:hiddenLine xmlns="" xmlns:a14="http://schemas.microsoft.com/office/drawing/2010/main" w="9525">
+                  <a14:hiddenLine xmlns:a14="http://schemas.microsoft.com/office/drawing/2010/main" xmlns="" w="9525">
                     <a:solidFill>
                       <a:srgbClr val="000000"/>
                     </a:solidFill>
@@ -9724,7 +9725,7 @@
               </a:ln>
               <a:extLst>
                 <a:ext uri="{91240B29-F687-4f45-9708-019B960494DF}">
-                  <a14:hiddenLine xmlns="" xmlns:a14="http://schemas.microsoft.com/office/drawing/2010/main" w="9525">
+                  <a14:hiddenLine xmlns:a14="http://schemas.microsoft.com/office/drawing/2010/main" xmlns="" w="9525">
                     <a:solidFill>
                       <a:srgbClr val="000000"/>
                     </a:solidFill>
@@ -9814,7 +9815,7 @@
               </a:ln>
               <a:extLst>
                 <a:ext uri="{91240B29-F687-4f45-9708-019B960494DF}">
-                  <a14:hiddenLine xmlns="" xmlns:a14="http://schemas.microsoft.com/office/drawing/2010/main" w="9525">
+                  <a14:hiddenLine xmlns:a14="http://schemas.microsoft.com/office/drawing/2010/main" xmlns="" w="9525">
                     <a:solidFill>
                       <a:srgbClr val="000000"/>
                     </a:solidFill>
@@ -9876,7 +9877,7 @@
               </a:ln>
               <a:extLst>
                 <a:ext uri="{91240B29-F687-4f45-9708-019B960494DF}">
-                  <a14:hiddenLine xmlns="" xmlns:a14="http://schemas.microsoft.com/office/drawing/2010/main" w="9525">
+                  <a14:hiddenLine xmlns:a14="http://schemas.microsoft.com/office/drawing/2010/main" xmlns="" w="9525">
                     <a:solidFill>
                       <a:srgbClr val="000000"/>
                     </a:solidFill>
@@ -9986,7 +9987,7 @@
               </a:ln>
               <a:extLst>
                 <a:ext uri="{91240B29-F687-4f45-9708-019B960494DF}">
-                  <a14:hiddenLine xmlns="" xmlns:a14="http://schemas.microsoft.com/office/drawing/2010/main" w="9525">
+                  <a14:hiddenLine xmlns:a14="http://schemas.microsoft.com/office/drawing/2010/main" xmlns="" w="9525">
                     <a:solidFill>
                       <a:srgbClr val="000000"/>
                     </a:solidFill>
@@ -10070,7 +10071,7 @@
               </a:ln>
               <a:extLst>
                 <a:ext uri="{91240B29-F687-4f45-9708-019B960494DF}">
-                  <a14:hiddenLine xmlns="" xmlns:a14="http://schemas.microsoft.com/office/drawing/2010/main" w="9525">
+                  <a14:hiddenLine xmlns:a14="http://schemas.microsoft.com/office/drawing/2010/main" xmlns="" w="9525">
                     <a:solidFill>
                       <a:srgbClr val="000000"/>
                     </a:solidFill>
@@ -10132,7 +10133,7 @@
               </a:ln>
               <a:extLst>
                 <a:ext uri="{91240B29-F687-4f45-9708-019B960494DF}">
-                  <a14:hiddenLine xmlns="" xmlns:a14="http://schemas.microsoft.com/office/drawing/2010/main" w="9525">
+                  <a14:hiddenLine xmlns:a14="http://schemas.microsoft.com/office/drawing/2010/main" xmlns="" w="9525">
                     <a:solidFill>
                       <a:srgbClr val="000000"/>
                     </a:solidFill>
@@ -10194,7 +10195,7 @@
               </a:ln>
               <a:extLst>
                 <a:ext uri="{91240B29-F687-4f45-9708-019B960494DF}">
-                  <a14:hiddenLine xmlns="" xmlns:a14="http://schemas.microsoft.com/office/drawing/2010/main" w="9525">
+                  <a14:hiddenLine xmlns:a14="http://schemas.microsoft.com/office/drawing/2010/main" xmlns="" w="9525">
                     <a:solidFill>
                       <a:srgbClr val="000000"/>
                     </a:solidFill>
@@ -10284,7 +10285,7 @@
               </a:ln>
               <a:extLst>
                 <a:ext uri="{91240B29-F687-4f45-9708-019B960494DF}">
-                  <a14:hiddenLine xmlns="" xmlns:a14="http://schemas.microsoft.com/office/drawing/2010/main" w="9525">
+                  <a14:hiddenLine xmlns:a14="http://schemas.microsoft.com/office/drawing/2010/main" xmlns="" w="9525">
                     <a:solidFill>
                       <a:srgbClr val="000000"/>
                     </a:solidFill>
@@ -10318,7 +10319,7 @@
               </a:ln>
               <a:extLst>
                 <a:ext uri="{91240B29-F687-4f45-9708-019B960494DF}">
-                  <a14:hiddenLine xmlns="" xmlns:a14="http://schemas.microsoft.com/office/drawing/2010/main" w="9525">
+                  <a14:hiddenLine xmlns:a14="http://schemas.microsoft.com/office/drawing/2010/main" xmlns="" w="9525">
                     <a:solidFill>
                       <a:srgbClr val="000000"/>
                     </a:solidFill>
@@ -10383,7 +10384,7 @@
               </a:ln>
               <a:extLst>
                 <a:ext uri="{91240B29-F687-4f45-9708-019B960494DF}">
-                  <a14:hiddenLine xmlns="" xmlns:a14="http://schemas.microsoft.com/office/drawing/2010/main" w="9525">
+                  <a14:hiddenLine xmlns:a14="http://schemas.microsoft.com/office/drawing/2010/main" xmlns="" w="9525">
                     <a:solidFill>
                       <a:srgbClr val="000000"/>
                     </a:solidFill>
@@ -10473,7 +10474,7 @@
               </a:ln>
               <a:extLst>
                 <a:ext uri="{91240B29-F687-4f45-9708-019B960494DF}">
-                  <a14:hiddenLine xmlns="" xmlns:a14="http://schemas.microsoft.com/office/drawing/2010/main" w="9525">
+                  <a14:hiddenLine xmlns:a14="http://schemas.microsoft.com/office/drawing/2010/main" xmlns="" w="9525">
                     <a:solidFill>
                       <a:srgbClr val="000000"/>
                     </a:solidFill>
@@ -10535,7 +10536,7 @@
               </a:ln>
               <a:extLst>
                 <a:ext uri="{91240B29-F687-4f45-9708-019B960494DF}">
-                  <a14:hiddenLine xmlns="" xmlns:a14="http://schemas.microsoft.com/office/drawing/2010/main" w="9525">
+                  <a14:hiddenLine xmlns:a14="http://schemas.microsoft.com/office/drawing/2010/main" xmlns="" w="9525">
                     <a:solidFill>
                       <a:srgbClr val="000000"/>
                     </a:solidFill>
@@ -10625,7 +10626,7 @@
               </a:ln>
               <a:extLst>
                 <a:ext uri="{91240B29-F687-4f45-9708-019B960494DF}">
-                  <a14:hiddenLine xmlns="" xmlns:a14="http://schemas.microsoft.com/office/drawing/2010/main" w="9525">
+                  <a14:hiddenLine xmlns:a14="http://schemas.microsoft.com/office/drawing/2010/main" xmlns="" w="9525">
                     <a:solidFill>
                       <a:srgbClr val="000000"/>
                     </a:solidFill>
@@ -10690,7 +10691,7 @@
               </a:ln>
               <a:extLst>
                 <a:ext uri="{91240B29-F687-4f45-9708-019B960494DF}">
-                  <a14:hiddenLine xmlns="" xmlns:a14="http://schemas.microsoft.com/office/drawing/2010/main" w="9525">
+                  <a14:hiddenLine xmlns:a14="http://schemas.microsoft.com/office/drawing/2010/main" xmlns="" w="9525">
                     <a:solidFill>
                       <a:srgbClr val="000000"/>
                     </a:solidFill>
@@ -10752,7 +10753,7 @@
               </a:ln>
               <a:extLst>
                 <a:ext uri="{91240B29-F687-4f45-9708-019B960494DF}">
-                  <a14:hiddenLine xmlns="" xmlns:a14="http://schemas.microsoft.com/office/drawing/2010/main" w="9525">
+                  <a14:hiddenLine xmlns:a14="http://schemas.microsoft.com/office/drawing/2010/main" xmlns="" w="9525">
                     <a:solidFill>
                       <a:srgbClr val="000000"/>
                     </a:solidFill>
@@ -10842,7 +10843,7 @@
               </a:ln>
               <a:extLst>
                 <a:ext uri="{91240B29-F687-4f45-9708-019B960494DF}">
-                  <a14:hiddenLine xmlns="" xmlns:a14="http://schemas.microsoft.com/office/drawing/2010/main" w="9525">
+                  <a14:hiddenLine xmlns:a14="http://schemas.microsoft.com/office/drawing/2010/main" xmlns="" w="9525">
                     <a:solidFill>
                       <a:srgbClr val="000000"/>
                     </a:solidFill>
@@ -10932,7 +10933,7 @@
               </a:ln>
               <a:extLst>
                 <a:ext uri="{91240B29-F687-4f45-9708-019B960494DF}">
-                  <a14:hiddenLine xmlns="" xmlns:a14="http://schemas.microsoft.com/office/drawing/2010/main" w="9525">
+                  <a14:hiddenLine xmlns:a14="http://schemas.microsoft.com/office/drawing/2010/main" xmlns="" w="9525">
                     <a:solidFill>
                       <a:srgbClr val="000000"/>
                     </a:solidFill>
@@ -10997,7 +10998,7 @@
               </a:ln>
               <a:extLst>
                 <a:ext uri="{91240B29-F687-4f45-9708-019B960494DF}">
-                  <a14:hiddenLine xmlns="" xmlns:a14="http://schemas.microsoft.com/office/drawing/2010/main" w="9525">
+                  <a14:hiddenLine xmlns:a14="http://schemas.microsoft.com/office/drawing/2010/main" xmlns="" w="9525">
                     <a:solidFill>
                       <a:srgbClr val="000000"/>
                     </a:solidFill>
@@ -11117,7 +11118,7 @@
               </a:ln>
               <a:extLst>
                 <a:ext uri="{91240B29-F687-4f45-9708-019B960494DF}">
-                  <a14:hiddenLine xmlns="" xmlns:a14="http://schemas.microsoft.com/office/drawing/2010/main" w="9525">
+                  <a14:hiddenLine xmlns:a14="http://schemas.microsoft.com/office/drawing/2010/main" xmlns="" w="9525">
                     <a:solidFill>
                       <a:srgbClr val="000000"/>
                     </a:solidFill>
@@ -11215,7 +11216,7 @@
               </a:ln>
               <a:extLst>
                 <a:ext uri="{91240B29-F687-4f45-9708-019B960494DF}">
-                  <a14:hiddenLine xmlns="" xmlns:a14="http://schemas.microsoft.com/office/drawing/2010/main" w="9525">
+                  <a14:hiddenLine xmlns:a14="http://schemas.microsoft.com/office/drawing/2010/main" xmlns="" w="9525">
                     <a:solidFill>
                       <a:srgbClr val="000000"/>
                     </a:solidFill>
@@ -11330,7 +11331,7 @@
               </a:ln>
               <a:extLst>
                 <a:ext uri="{91240B29-F687-4f45-9708-019B960494DF}">
-                  <a14:hiddenLine xmlns="" xmlns:a14="http://schemas.microsoft.com/office/drawing/2010/main" w="9525">
+                  <a14:hiddenLine xmlns:a14="http://schemas.microsoft.com/office/drawing/2010/main" xmlns="" w="9525">
                     <a:solidFill>
                       <a:srgbClr val="000000"/>
                     </a:solidFill>
@@ -11420,7 +11421,7 @@
               </a:ln>
               <a:extLst>
                 <a:ext uri="{91240B29-F687-4f45-9708-019B960494DF}">
-                  <a14:hiddenLine xmlns="" xmlns:a14="http://schemas.microsoft.com/office/drawing/2010/main" w="9525">
+                  <a14:hiddenLine xmlns:a14="http://schemas.microsoft.com/office/drawing/2010/main" xmlns="" w="9525">
                     <a:solidFill>
                       <a:srgbClr val="000000"/>
                     </a:solidFill>
@@ -11485,7 +11486,7 @@
               </a:ln>
               <a:extLst>
                 <a:ext uri="{91240B29-F687-4f45-9708-019B960494DF}">
-                  <a14:hiddenLine xmlns="" xmlns:a14="http://schemas.microsoft.com/office/drawing/2010/main" w="9525">
+                  <a14:hiddenLine xmlns:a14="http://schemas.microsoft.com/office/drawing/2010/main" xmlns="" w="9525">
                     <a:solidFill>
                       <a:srgbClr val="000000"/>
                     </a:solidFill>
@@ -11575,7 +11576,7 @@
               </a:ln>
               <a:extLst>
                 <a:ext uri="{91240B29-F687-4f45-9708-019B960494DF}">
-                  <a14:hiddenLine xmlns="" xmlns:a14="http://schemas.microsoft.com/office/drawing/2010/main" w="9525">
+                  <a14:hiddenLine xmlns:a14="http://schemas.microsoft.com/office/drawing/2010/main" xmlns="" w="9525">
                     <a:solidFill>
                       <a:srgbClr val="000000"/>
                     </a:solidFill>
@@ -11643,7 +11644,7 @@
               </a:ln>
               <a:extLst>
                 <a:ext uri="{91240B29-F687-4f45-9708-019B960494DF}">
-                  <a14:hiddenLine xmlns="" xmlns:a14="http://schemas.microsoft.com/office/drawing/2010/main" w="9525">
+                  <a14:hiddenLine xmlns:a14="http://schemas.microsoft.com/office/drawing/2010/main" xmlns="" w="9525">
                     <a:solidFill>
                       <a:srgbClr val="000000"/>
                     </a:solidFill>
@@ -11733,7 +11734,7 @@
               </a:ln>
               <a:extLst>
                 <a:ext uri="{91240B29-F687-4f45-9708-019B960494DF}">
-                  <a14:hiddenLine xmlns="" xmlns:a14="http://schemas.microsoft.com/office/drawing/2010/main" w="9525">
+                  <a14:hiddenLine xmlns:a14="http://schemas.microsoft.com/office/drawing/2010/main" xmlns="" w="9525">
                     <a:solidFill>
                       <a:srgbClr val="000000"/>
                     </a:solidFill>
@@ -11801,7 +11802,7 @@
               </a:ln>
               <a:extLst>
                 <a:ext uri="{91240B29-F687-4f45-9708-019B960494DF}">
-                  <a14:hiddenLine xmlns="" xmlns:a14="http://schemas.microsoft.com/office/drawing/2010/main" w="9525">
+                  <a14:hiddenLine xmlns:a14="http://schemas.microsoft.com/office/drawing/2010/main" xmlns="" w="9525">
                     <a:solidFill>
                       <a:srgbClr val="000000"/>
                     </a:solidFill>
@@ -11891,7 +11892,7 @@
               </a:ln>
               <a:extLst>
                 <a:ext uri="{91240B29-F687-4f45-9708-019B960494DF}">
-                  <a14:hiddenLine xmlns="" xmlns:a14="http://schemas.microsoft.com/office/drawing/2010/main" w="9525">
+                  <a14:hiddenLine xmlns:a14="http://schemas.microsoft.com/office/drawing/2010/main" xmlns="" w="9525">
                     <a:solidFill>
                       <a:srgbClr val="000000"/>
                     </a:solidFill>
@@ -11925,7 +11926,7 @@
               </a:ln>
               <a:extLst>
                 <a:ext uri="{91240B29-F687-4f45-9708-019B960494DF}">
-                  <a14:hiddenLine xmlns="" xmlns:a14="http://schemas.microsoft.com/office/drawing/2010/main" w="9525">
+                  <a14:hiddenLine xmlns:a14="http://schemas.microsoft.com/office/drawing/2010/main" xmlns="" w="9525">
                     <a:solidFill>
                       <a:srgbClr val="000000"/>
                     </a:solidFill>
@@ -12625,6 +12626,147 @@
           <a:p>
             <a:r>
               <a:rPr lang="en-US" dirty="0" smtClean="0"/>
+              <a:t>Productivity</a:t>
+            </a:r>
+            <a:endParaRPr lang="en-US" dirty="0"/>
+          </a:p>
+        </p:txBody>
+      </p:sp>
+      <p:sp>
+        <p:nvSpPr>
+          <p:cNvPr id="3" name="Content Placeholder 2"/>
+          <p:cNvSpPr>
+            <a:spLocks noGrp="1"/>
+          </p:cNvSpPr>
+          <p:nvPr>
+            <p:ph idx="1"/>
+          </p:nvPr>
+        </p:nvSpPr>
+        <p:spPr/>
+        <p:txBody>
+          <a:bodyPr/>
+          <a:lstStyle/>
+          <a:p>
+            <a:r>
+              <a:rPr lang="en-US" dirty="0" smtClean="0"/>
+              <a:t>Static types + </a:t>
+            </a:r>
+            <a:r>
+              <a:rPr lang="en-US" dirty="0" err="1" smtClean="0"/>
+              <a:t>intellisense</a:t>
+            </a:r>
+            <a:r>
+              <a:rPr lang="en-US" dirty="0" smtClean="0"/>
+              <a:t> for:</a:t>
+            </a:r>
+          </a:p>
+          <a:p>
+            <a:pPr lvl="1"/>
+            <a:r>
+              <a:rPr lang="en-US" dirty="0" smtClean="0"/>
+              <a:t>Input parameters</a:t>
+            </a:r>
+          </a:p>
+          <a:p>
+            <a:pPr lvl="1"/>
+            <a:r>
+              <a:rPr lang="en-US" dirty="0" smtClean="0"/>
+              <a:t>Output </a:t>
+            </a:r>
+            <a:r>
+              <a:rPr lang="en-US" dirty="0" err="1" smtClean="0"/>
+              <a:t>rowset</a:t>
+            </a:r>
+            <a:endParaRPr lang="en-US" dirty="0" smtClean="0"/>
+          </a:p>
+          <a:p>
+            <a:r>
+              <a:rPr lang="en-US" dirty="0" smtClean="0"/>
+              <a:t>T-SQL syntax errors at runtime !!!</a:t>
+            </a:r>
+          </a:p>
+          <a:p>
+            <a:r>
+              <a:rPr lang="en-US" dirty="0" smtClean="0"/>
+              <a:t>Simple connection management – it just works</a:t>
+            </a:r>
+          </a:p>
+          <a:p>
+            <a:r>
+              <a:rPr lang="en-US" dirty="0" smtClean="0"/>
+              <a:t>T-SQL </a:t>
+            </a:r>
+            <a:r>
+              <a:rPr lang="en-US" dirty="0" err="1" smtClean="0"/>
+              <a:t>intellisense</a:t>
+            </a:r>
+            <a:r>
+              <a:rPr lang="en-US" dirty="0" smtClean="0"/>
+              <a:t> in external files</a:t>
+            </a:r>
+          </a:p>
+          <a:p>
+            <a:pPr marL="0" indent="0">
+              <a:buNone/>
+            </a:pPr>
+            <a:endParaRPr lang="en-US" dirty="0"/>
+          </a:p>
+        </p:txBody>
+      </p:sp>
+    </p:spTree>
+    <p:extLst>
+      <p:ext uri="{BB962C8B-B14F-4D97-AF65-F5344CB8AC3E}">
+        <p14:creationId xmlns:p14="http://schemas.microsoft.com/office/powerpoint/2010/main" val="921806082"/>
+      </p:ext>
+    </p:extLst>
+  </p:cSld>
+  <p:clrMapOvr>
+    <a:masterClrMapping/>
+  </p:clrMapOvr>
+  <p:timing>
+    <p:tnLst>
+      <p:par>
+        <p:cTn id="1" dur="indefinite" restart="never" nodeType="tmRoot"/>
+      </p:par>
+    </p:tnLst>
+  </p:timing>
+</p:sld>
+</file>
+
+<file path=ppt/slides/slide11.xml><?xml version="1.0" encoding="utf-8"?>
+<p:sld xmlns:a="http://schemas.openxmlformats.org/drawingml/2006/main" xmlns:r="http://schemas.openxmlformats.org/officeDocument/2006/relationships" xmlns:p="http://schemas.openxmlformats.org/presentationml/2006/main">
+  <p:cSld>
+    <p:spTree>
+      <p:nvGrpSpPr>
+        <p:cNvPr id="1" name=""/>
+        <p:cNvGrpSpPr/>
+        <p:nvPr/>
+      </p:nvGrpSpPr>
+      <p:grpSpPr>
+        <a:xfrm>
+          <a:off x="0" y="0"/>
+          <a:ext cx="0" cy="0"/>
+          <a:chOff x="0" y="0"/>
+          <a:chExt cx="0" cy="0"/>
+        </a:xfrm>
+      </p:grpSpPr>
+      <p:sp>
+        <p:nvSpPr>
+          <p:cNvPr id="2" name="Title 1"/>
+          <p:cNvSpPr>
+            <a:spLocks noGrp="1"/>
+          </p:cNvSpPr>
+          <p:nvPr>
+            <p:ph type="title"/>
+          </p:nvPr>
+        </p:nvSpPr>
+        <p:spPr/>
+        <p:txBody>
+          <a:bodyPr/>
+          <a:lstStyle/>
+          <a:p>
+            <a:r>
+              <a:rPr lang="en-US" dirty="0" smtClean="0"/>
               <a:t>safety</a:t>
             </a:r>
             <a:endParaRPr lang="en-US" dirty="0"/>
@@ -12680,7 +12822,7 @@
 </p:sld>
 </file>
 
-<file path=ppt/slides/slide11.xml><?xml version="1.0" encoding="utf-8"?>
+<file path=ppt/slides/slide12.xml><?xml version="1.0" encoding="utf-8"?>
 <p:sld xmlns:a="http://schemas.openxmlformats.org/drawingml/2006/main" xmlns:r="http://schemas.openxmlformats.org/officeDocument/2006/relationships" xmlns:p="http://schemas.openxmlformats.org/presentationml/2006/main">
   <p:cSld>
     <p:spTree>
@@ -12816,7 +12958,7 @@
 </p:sld>
 </file>
 
-<file path=ppt/slides/slide12.xml><?xml version="1.0" encoding="utf-8"?>
+<file path=ppt/slides/slide13.xml><?xml version="1.0" encoding="utf-8"?>
 <p:sld xmlns:a="http://schemas.openxmlformats.org/drawingml/2006/main" xmlns:r="http://schemas.openxmlformats.org/officeDocument/2006/relationships" xmlns:p="http://schemas.openxmlformats.org/presentationml/2006/main">
   <p:cSld>
     <p:spTree>
@@ -13018,7 +13160,7 @@
 </p:sld>
 </file>
 
-<file path=ppt/slides/slide13.xml><?xml version="1.0" encoding="utf-8"?>
+<file path=ppt/slides/slide14.xml><?xml version="1.0" encoding="utf-8"?>
 <p:sld xmlns:a="http://schemas.openxmlformats.org/drawingml/2006/main" xmlns:r="http://schemas.openxmlformats.org/officeDocument/2006/relationships" xmlns:p="http://schemas.openxmlformats.org/presentationml/2006/main">
   <p:cSld>
     <p:spTree>
@@ -13170,144 +13312,6 @@
     <p:extLst>
       <p:ext uri="{BB962C8B-B14F-4D97-AF65-F5344CB8AC3E}">
         <p14:creationId xmlns:p14="http://schemas.microsoft.com/office/powerpoint/2010/main" val="2063259804"/>
-      </p:ext>
-    </p:extLst>
-  </p:cSld>
-  <p:clrMapOvr>
-    <a:masterClrMapping/>
-  </p:clrMapOvr>
-  <p:timing>
-    <p:tnLst>
-      <p:par>
-        <p:cTn id="1" dur="indefinite" restart="never" nodeType="tmRoot"/>
-      </p:par>
-    </p:tnLst>
-  </p:timing>
-</p:sld>
-</file>
-
-<file path=ppt/slides/slide14.xml><?xml version="1.0" encoding="utf-8"?>
-<p:sld xmlns:a="http://schemas.openxmlformats.org/drawingml/2006/main" xmlns:r="http://schemas.openxmlformats.org/officeDocument/2006/relationships" xmlns:p="http://schemas.openxmlformats.org/presentationml/2006/main">
-  <p:cSld>
-    <p:spTree>
-      <p:nvGrpSpPr>
-        <p:cNvPr id="1" name=""/>
-        <p:cNvGrpSpPr/>
-        <p:nvPr/>
-      </p:nvGrpSpPr>
-      <p:grpSpPr>
-        <a:xfrm>
-          <a:off x="0" y="0"/>
-          <a:ext cx="0" cy="0"/>
-          <a:chOff x="0" y="0"/>
-          <a:chExt cx="0" cy="0"/>
-        </a:xfrm>
-      </p:grpSpPr>
-      <p:sp>
-        <p:nvSpPr>
-          <p:cNvPr id="2" name="Title 1"/>
-          <p:cNvSpPr>
-            <a:spLocks noGrp="1"/>
-          </p:cNvSpPr>
-          <p:nvPr>
-            <p:ph type="title"/>
-          </p:nvPr>
-        </p:nvSpPr>
-        <p:spPr/>
-        <p:txBody>
-          <a:bodyPr>
-            <a:normAutofit/>
-          </a:bodyPr>
-          <a:lstStyle/>
-          <a:p>
-            <a:r>
-              <a:rPr lang="en-US" cap="none" dirty="0" err="1" smtClean="0"/>
-              <a:t>SqlProgrammabilityProvider</a:t>
-            </a:r>
-            <a:r>
-              <a:rPr lang="en-US" cap="none" dirty="0" smtClean="0"/>
-              <a:t> </a:t>
-            </a:r>
-            <a:br>
-              <a:rPr lang="en-US" cap="none" dirty="0" smtClean="0"/>
-            </a:br>
-            <a:r>
-              <a:rPr lang="en-US" cap="none" dirty="0" smtClean="0"/>
-              <a:t>or How to keep your “waterfall” DBA happy</a:t>
-            </a:r>
-            <a:endParaRPr lang="en-US" cap="none" dirty="0"/>
-          </a:p>
-        </p:txBody>
-      </p:sp>
-      <p:sp>
-        <p:nvSpPr>
-          <p:cNvPr id="3" name="Content Placeholder 2"/>
-          <p:cNvSpPr>
-            <a:spLocks noGrp="1"/>
-          </p:cNvSpPr>
-          <p:nvPr>
-            <p:ph idx="1"/>
-          </p:nvPr>
-        </p:nvSpPr>
-        <p:spPr/>
-        <p:txBody>
-          <a:bodyPr>
-            <a:normAutofit/>
-          </a:bodyPr>
-          <a:lstStyle/>
-          <a:p>
-            <a:r>
-              <a:rPr lang="en-US" dirty="0" smtClean="0"/>
-              <a:t>First class access to SQL Server objects</a:t>
-            </a:r>
-          </a:p>
-          <a:p>
-            <a:pPr lvl="1"/>
-            <a:r>
-              <a:rPr lang="en-US" dirty="0" smtClean="0"/>
-              <a:t>Stored procedures</a:t>
-            </a:r>
-          </a:p>
-          <a:p>
-            <a:pPr lvl="1"/>
-            <a:r>
-              <a:rPr lang="en-US" dirty="0" smtClean="0"/>
-              <a:t>Functions (table-valued and scalar)</a:t>
-            </a:r>
-          </a:p>
-          <a:p>
-            <a:pPr lvl="1"/>
-            <a:r>
-              <a:rPr lang="en-US" dirty="0" smtClean="0"/>
-              <a:t>Tables</a:t>
-            </a:r>
-          </a:p>
-          <a:p>
-            <a:r>
-              <a:rPr lang="en-US" dirty="0" smtClean="0"/>
-              <a:t>Support </a:t>
-            </a:r>
-            <a:r>
-              <a:rPr lang="en-US" dirty="0"/>
-              <a:t>for stored procedure parameter </a:t>
-            </a:r>
-            <a:r>
-              <a:rPr lang="en-US" dirty="0" smtClean="0"/>
-              <a:t>default value</a:t>
-            </a:r>
-          </a:p>
-          <a:p>
-            <a:r>
-              <a:rPr lang="en-US" dirty="0" smtClean="0"/>
-              <a:t>Table type with Bulk Insert and Update support</a:t>
-            </a:r>
-          </a:p>
-        </p:txBody>
-      </p:sp>
-    </p:spTree>
-    <p:extLst>
-      <p:ext uri="{BB962C8B-B14F-4D97-AF65-F5344CB8AC3E}">
-        <p14:creationId xmlns:p14="http://schemas.microsoft.com/office/powerpoint/2010/main" val="1606980947"/>
       </p:ext>
     </p:extLst>
   </p:cSld>
@@ -13360,6 +13364,144 @@
           <a:p>
             <a:r>
               <a:rPr lang="en-US" cap="none" dirty="0" err="1" smtClean="0"/>
+              <a:t>SqlProgrammabilityProvider</a:t>
+            </a:r>
+            <a:r>
+              <a:rPr lang="en-US" cap="none" dirty="0" smtClean="0"/>
+              <a:t> </a:t>
+            </a:r>
+            <a:br>
+              <a:rPr lang="en-US" cap="none" dirty="0" smtClean="0"/>
+            </a:br>
+            <a:r>
+              <a:rPr lang="en-US" cap="none" dirty="0" smtClean="0"/>
+              <a:t>or How to keep your “waterfall” DBA happy</a:t>
+            </a:r>
+            <a:endParaRPr lang="en-US" cap="none" dirty="0"/>
+          </a:p>
+        </p:txBody>
+      </p:sp>
+      <p:sp>
+        <p:nvSpPr>
+          <p:cNvPr id="3" name="Content Placeholder 2"/>
+          <p:cNvSpPr>
+            <a:spLocks noGrp="1"/>
+          </p:cNvSpPr>
+          <p:nvPr>
+            <p:ph idx="1"/>
+          </p:nvPr>
+        </p:nvSpPr>
+        <p:spPr/>
+        <p:txBody>
+          <a:bodyPr>
+            <a:normAutofit/>
+          </a:bodyPr>
+          <a:lstStyle/>
+          <a:p>
+            <a:r>
+              <a:rPr lang="en-US" dirty="0" smtClean="0"/>
+              <a:t>First class access to SQL Server objects</a:t>
+            </a:r>
+          </a:p>
+          <a:p>
+            <a:pPr lvl="1"/>
+            <a:r>
+              <a:rPr lang="en-US" dirty="0" smtClean="0"/>
+              <a:t>Stored procedures</a:t>
+            </a:r>
+          </a:p>
+          <a:p>
+            <a:pPr lvl="1"/>
+            <a:r>
+              <a:rPr lang="en-US" dirty="0" smtClean="0"/>
+              <a:t>Functions (table-valued and scalar)</a:t>
+            </a:r>
+          </a:p>
+          <a:p>
+            <a:pPr lvl="1"/>
+            <a:r>
+              <a:rPr lang="en-US" dirty="0" smtClean="0"/>
+              <a:t>Tables</a:t>
+            </a:r>
+          </a:p>
+          <a:p>
+            <a:r>
+              <a:rPr lang="en-US" dirty="0" smtClean="0"/>
+              <a:t>Support </a:t>
+            </a:r>
+            <a:r>
+              <a:rPr lang="en-US" dirty="0"/>
+              <a:t>for stored procedure parameter </a:t>
+            </a:r>
+            <a:r>
+              <a:rPr lang="en-US" dirty="0" smtClean="0"/>
+              <a:t>default value</a:t>
+            </a:r>
+          </a:p>
+          <a:p>
+            <a:r>
+              <a:rPr lang="en-US" dirty="0" smtClean="0"/>
+              <a:t>Table type with Bulk Insert and Update support</a:t>
+            </a:r>
+          </a:p>
+        </p:txBody>
+      </p:sp>
+    </p:spTree>
+    <p:extLst>
+      <p:ext uri="{BB962C8B-B14F-4D97-AF65-F5344CB8AC3E}">
+        <p14:creationId xmlns:p14="http://schemas.microsoft.com/office/powerpoint/2010/main" val="1606980947"/>
+      </p:ext>
+    </p:extLst>
+  </p:cSld>
+  <p:clrMapOvr>
+    <a:masterClrMapping/>
+  </p:clrMapOvr>
+  <p:timing>
+    <p:tnLst>
+      <p:par>
+        <p:cTn id="1" dur="indefinite" restart="never" nodeType="tmRoot"/>
+      </p:par>
+    </p:tnLst>
+  </p:timing>
+</p:sld>
+</file>
+
+<file path=ppt/slides/slide16.xml><?xml version="1.0" encoding="utf-8"?>
+<p:sld xmlns:a="http://schemas.openxmlformats.org/drawingml/2006/main" xmlns:r="http://schemas.openxmlformats.org/officeDocument/2006/relationships" xmlns:p="http://schemas.openxmlformats.org/presentationml/2006/main">
+  <p:cSld>
+    <p:spTree>
+      <p:nvGrpSpPr>
+        <p:cNvPr id="1" name=""/>
+        <p:cNvGrpSpPr/>
+        <p:nvPr/>
+      </p:nvGrpSpPr>
+      <p:grpSpPr>
+        <a:xfrm>
+          <a:off x="0" y="0"/>
+          <a:ext cx="0" cy="0"/>
+          <a:chOff x="0" y="0"/>
+          <a:chExt cx="0" cy="0"/>
+        </a:xfrm>
+      </p:grpSpPr>
+      <p:sp>
+        <p:nvSpPr>
+          <p:cNvPr id="2" name="Title 1"/>
+          <p:cNvSpPr>
+            <a:spLocks noGrp="1"/>
+          </p:cNvSpPr>
+          <p:nvPr>
+            <p:ph type="title"/>
+          </p:nvPr>
+        </p:nvSpPr>
+        <p:spPr/>
+        <p:txBody>
+          <a:bodyPr>
+            <a:normAutofit/>
+          </a:bodyPr>
+          <a:lstStyle/>
+          <a:p>
+            <a:r>
+              <a:rPr lang="en-US" cap="none" dirty="0" err="1" smtClean="0"/>
               <a:t>SqlEnumProvider</a:t>
             </a:r>
             <a:endParaRPr lang="en-US" cap="none" dirty="0"/>
@@ -13409,7 +13551,7 @@
 </p:sld>
 </file>
 
-<file path=ppt/slides/slide16.xml><?xml version="1.0" encoding="utf-8"?>
+<file path=ppt/slides/slide17.xml><?xml version="1.0" encoding="utf-8"?>
 <p:sld xmlns:a="http://schemas.openxmlformats.org/drawingml/2006/main" xmlns:r="http://schemas.openxmlformats.org/officeDocument/2006/relationships" xmlns:p="http://schemas.openxmlformats.org/presentationml/2006/main">
   <p:cSld>
     <p:spTree>
@@ -13580,6 +13722,246 @@
       </p:grpSpPr>
       <p:sp>
         <p:nvSpPr>
+          <p:cNvPr id="2" name="Title 1"/>
+          <p:cNvSpPr>
+            <a:spLocks noGrp="1"/>
+          </p:cNvSpPr>
+          <p:nvPr>
+            <p:ph type="title"/>
+          </p:nvPr>
+        </p:nvSpPr>
+        <p:spPr/>
+        <p:txBody>
+          <a:bodyPr/>
+          <a:lstStyle/>
+          <a:p>
+            <a:pPr algn="ctr"/>
+            <a:r>
+              <a:rPr lang="en-US" dirty="0" smtClean="0"/>
+              <a:t> </a:t>
+            </a:r>
+            <a:r>
+              <a:rPr lang="en-US" sz="2000" cap="none" dirty="0" smtClean="0"/>
+              <a:t>almost</a:t>
+            </a:r>
+            <a:r>
+              <a:rPr lang="en-US" dirty="0" smtClean="0"/>
+              <a:t> F</a:t>
+            </a:r>
+            <a:r>
+              <a:rPr lang="en-US" dirty="0"/>
+              <a:t># </a:t>
+            </a:r>
+            <a:r>
+              <a:rPr lang="en-US" dirty="0" smtClean="0"/>
+              <a:t>full stack software engineering team</a:t>
+            </a:r>
+            <a:endParaRPr lang="en-US" dirty="0"/>
+          </a:p>
+        </p:txBody>
+      </p:sp>
+      <p:sp>
+        <p:nvSpPr>
+          <p:cNvPr id="4" name="Text Placeholder 3"/>
+          <p:cNvSpPr>
+            <a:spLocks noGrp="1"/>
+          </p:cNvSpPr>
+          <p:nvPr>
+            <p:ph type="body" sz="half" idx="2"/>
+          </p:nvPr>
+        </p:nvSpPr>
+        <p:spPr>
+          <a:xfrm>
+            <a:off x="1207266" y="5124019"/>
+            <a:ext cx="9910859" cy="682472"/>
+          </a:xfrm>
+        </p:spPr>
+        <p:txBody>
+          <a:bodyPr/>
+          <a:lstStyle/>
+          <a:p>
+            <a:r>
+              <a:rPr lang="en-US" dirty="0" smtClean="0"/>
+              <a:t>Azure, IOS, </a:t>
+            </a:r>
+            <a:r>
+              <a:rPr lang="en-US" dirty="0" err="1" smtClean="0"/>
+              <a:t>Xamarin</a:t>
+            </a:r>
+            <a:r>
+              <a:rPr lang="en-US" dirty="0" smtClean="0"/>
+              <a:t>, </a:t>
+            </a:r>
+            <a:r>
+              <a:rPr lang="en-US" dirty="0" err="1" smtClean="0"/>
+              <a:t>WebAPI</a:t>
+            </a:r>
+            <a:r>
+              <a:rPr lang="en-US" dirty="0" smtClean="0"/>
+              <a:t>, Data Science, Machine Learning, Fake, Data Access </a:t>
+            </a:r>
+            <a:br>
+              <a:rPr lang="en-US" dirty="0" smtClean="0"/>
+            </a:br>
+            <a:r>
+              <a:rPr lang="en-US" dirty="0" smtClean="0"/>
+              <a:t>+  </a:t>
+            </a:r>
+            <a:r>
+              <a:rPr lang="en-US" dirty="0" err="1" smtClean="0"/>
+              <a:t>TypeScript</a:t>
+            </a:r>
+            <a:r>
+              <a:rPr lang="en-US" dirty="0" smtClean="0"/>
+              <a:t>, Python, Mathematica, </a:t>
+            </a:r>
+            <a:r>
+              <a:rPr lang="en-US" dirty="0" err="1" smtClean="0"/>
+              <a:t>Matlab</a:t>
+            </a:r>
+            <a:r>
+              <a:rPr lang="en-US" dirty="0" smtClean="0"/>
+              <a:t> </a:t>
+            </a:r>
+            <a:r>
+              <a:rPr lang="en-US" dirty="0" err="1" smtClean="0"/>
+              <a:t>etc</a:t>
+            </a:r>
+            <a:endParaRPr lang="en-US" dirty="0"/>
+          </a:p>
+        </p:txBody>
+      </p:sp>
+      <p:pic>
+        <p:nvPicPr>
+          <p:cNvPr id="8" name="Picture Placeholder 7"/>
+          <p:cNvPicPr>
+            <a:picLocks noGrp="1" noChangeAspect="1"/>
+          </p:cNvPicPr>
+          <p:nvPr>
+            <p:ph type="pic" idx="1"/>
+          </p:nvPr>
+        </p:nvPicPr>
+        <p:blipFill>
+          <a:blip r:embed="rId2"/>
+          <a:srcRect t="6423" b="6423"/>
+          <a:stretch>
+            <a:fillRect/>
+          </a:stretch>
+        </p:blipFill>
+        <p:spPr>
+          <a:prstGeom prst="rect">
+            <a:avLst/>
+          </a:prstGeom>
+        </p:spPr>
+      </p:pic>
+      <p:pic>
+        <p:nvPicPr>
+          <p:cNvPr id="10" name="Picture 9"/>
+          <p:cNvPicPr>
+            <a:picLocks noChangeAspect="1"/>
+          </p:cNvPicPr>
+          <p:nvPr/>
+        </p:nvPicPr>
+        <p:blipFill>
+          <a:blip r:embed="rId3">
+            <a:extLst>
+              <a:ext uri="{28A0092B-C50C-407E-A947-70E740481C1C}">
+                <a14:useLocalDpi xmlns:a14="http://schemas.microsoft.com/office/drawing/2010/main" val="0"/>
+              </a:ext>
+            </a:extLst>
+          </a:blip>
+          <a:stretch>
+            <a:fillRect/>
+          </a:stretch>
+        </p:blipFill>
+        <p:spPr>
+          <a:xfrm>
+            <a:off x="4826952" y="845848"/>
+            <a:ext cx="2539682" cy="457143"/>
+          </a:xfrm>
+          <a:prstGeom prst="rect">
+            <a:avLst/>
+          </a:prstGeom>
+        </p:spPr>
+      </p:pic>
+      <p:sp>
+        <p:nvSpPr>
+          <p:cNvPr id="3" name="TextBox 2"/>
+          <p:cNvSpPr txBox="1"/>
+          <p:nvPr/>
+        </p:nvSpPr>
+        <p:spPr>
+          <a:xfrm>
+            <a:off x="1920240" y="2057400"/>
+            <a:ext cx="8618220" cy="400110"/>
+          </a:xfrm>
+          <a:prstGeom prst="rect">
+            <a:avLst/>
+          </a:prstGeom>
+          <a:noFill/>
+        </p:spPr>
+        <p:txBody>
+          <a:bodyPr wrap="square" rtlCol="0">
+            <a:spAutoFit/>
+          </a:bodyPr>
+          <a:lstStyle/>
+          <a:p>
+            <a:pPr algn="ctr"/>
+            <a:r>
+              <a:rPr lang="en-US" sz="2000" dirty="0">
+                <a:solidFill>
+                  <a:schemeClr val="bg1"/>
+                </a:solidFill>
+              </a:rPr>
+              <a:t>We create technology to optimize energy production for the oil and gas industry.</a:t>
+            </a:r>
+            <a:endParaRPr lang="en-US" sz="2000" dirty="0">
+              <a:solidFill>
+                <a:schemeClr val="bg1"/>
+              </a:solidFill>
+            </a:endParaRPr>
+          </a:p>
+        </p:txBody>
+      </p:sp>
+    </p:spTree>
+    <p:extLst>
+      <p:ext uri="{BB962C8B-B14F-4D97-AF65-F5344CB8AC3E}">
+        <p14:creationId xmlns:p14="http://schemas.microsoft.com/office/powerpoint/2010/main" val="3711712072"/>
+      </p:ext>
+    </p:extLst>
+  </p:cSld>
+  <p:clrMapOvr>
+    <a:masterClrMapping/>
+  </p:clrMapOvr>
+  <p:timing>
+    <p:tnLst>
+      <p:par>
+        <p:cTn id="1" dur="indefinite" restart="never" nodeType="tmRoot"/>
+      </p:par>
+    </p:tnLst>
+  </p:timing>
+</p:sld>
+</file>
+
+<file path=ppt/slides/slide3.xml><?xml version="1.0" encoding="utf-8"?>
+<p:sld xmlns:a="http://schemas.openxmlformats.org/drawingml/2006/main" xmlns:r="http://schemas.openxmlformats.org/officeDocument/2006/relationships" xmlns:p="http://schemas.openxmlformats.org/presentationml/2006/main">
+  <p:cSld>
+    <p:spTree>
+      <p:nvGrpSpPr>
+        <p:cNvPr id="1" name=""/>
+        <p:cNvGrpSpPr/>
+        <p:nvPr/>
+      </p:nvGrpSpPr>
+      <p:grpSpPr>
+        <a:xfrm>
+          <a:off x="0" y="0"/>
+          <a:ext cx="0" cy="0"/>
+          <a:chOff x="0" y="0"/>
+          <a:chExt cx="0" cy="0"/>
+        </a:xfrm>
+      </p:grpSpPr>
+      <p:sp>
+        <p:nvSpPr>
           <p:cNvPr id="7" name="Title 6"/>
           <p:cNvSpPr>
             <a:spLocks noGrp="1"/>
@@ -13673,7 +14055,7 @@
 </p:sld>
 </file>
 
-<file path=ppt/slides/slide3.xml><?xml version="1.0" encoding="utf-8"?>
+<file path=ppt/slides/slide4.xml><?xml version="1.0" encoding="utf-8"?>
 <p:sld xmlns:a="http://schemas.openxmlformats.org/drawingml/2006/main" xmlns:r="http://schemas.openxmlformats.org/officeDocument/2006/relationships" xmlns:p="http://schemas.openxmlformats.org/presentationml/2006/main">
   <p:cSld>
     <p:spTree>
@@ -13801,7 +14183,7 @@
 </p:sld>
 </file>
 
-<file path=ppt/slides/slide4.xml><?xml version="1.0" encoding="utf-8"?>
+<file path=ppt/slides/slide5.xml><?xml version="1.0" encoding="utf-8"?>
 <p:sld xmlns:a="http://schemas.openxmlformats.org/drawingml/2006/main" xmlns:r="http://schemas.openxmlformats.org/officeDocument/2006/relationships" xmlns:p="http://schemas.openxmlformats.org/presentationml/2006/main">
   <p:cSld>
     <p:spTree>
@@ -13939,7 +14321,7 @@
 </p:sld>
 </file>
 
-<file path=ppt/slides/slide5.xml><?xml version="1.0" encoding="utf-8"?>
+<file path=ppt/slides/slide6.xml><?xml version="1.0" encoding="utf-8"?>
 <p:sld xmlns:a="http://schemas.openxmlformats.org/drawingml/2006/main" xmlns:r="http://schemas.openxmlformats.org/officeDocument/2006/relationships" xmlns:p="http://schemas.openxmlformats.org/presentationml/2006/main">
   <p:cSld>
     <p:spTree>
@@ -14151,7 +14533,7 @@
 </p:sld>
 </file>
 
-<file path=ppt/slides/slide6.xml><?xml version="1.0" encoding="utf-8"?>
+<file path=ppt/slides/slide7.xml><?xml version="1.0" encoding="utf-8"?>
 <p:sld xmlns:a="http://schemas.openxmlformats.org/drawingml/2006/main" xmlns:r="http://schemas.openxmlformats.org/officeDocument/2006/relationships" xmlns:p="http://schemas.openxmlformats.org/presentationml/2006/main">
   <p:cSld>
     <p:spTree>
@@ -14267,7 +14649,7 @@
 </p:sld>
 </file>
 
-<file path=ppt/slides/slide7.xml><?xml version="1.0" encoding="utf-8"?>
+<file path=ppt/slides/slide8.xml><?xml version="1.0" encoding="utf-8"?>
 <p:sld xmlns:a="http://schemas.openxmlformats.org/drawingml/2006/main" xmlns:r="http://schemas.openxmlformats.org/officeDocument/2006/relationships" xmlns:p="http://schemas.openxmlformats.org/presentationml/2006/main">
   <p:cSld>
     <p:spTree>
@@ -14476,7 +14858,11 @@
                     <a:p>
                       <a:r>
                         <a:rPr lang="en-US" dirty="0" smtClean="0"/>
-                        <a:t>ORM – EF, NHibernate</a:t>
+                        <a:t>ORM </a:t>
+                      </a:r>
+                      <a:r>
+                        <a:rPr lang="en-US" dirty="0" smtClean="0"/>
+                        <a:t>– EF, NHibernate</a:t>
                       </a:r>
                       <a:endParaRPr lang="en-US" dirty="0"/>
                     </a:p>
@@ -14563,7 +14949,15 @@
                       </a:pPr>
                       <a:r>
                         <a:rPr lang="en-US" dirty="0" smtClean="0"/>
-                        <a:t>Light ORM - Dapper</a:t>
+                        <a:t>Light ORM </a:t>
+                      </a:r>
+                      <a:r>
+                        <a:rPr lang="en-US" dirty="0" smtClean="0"/>
+                        <a:t>- </a:t>
+                      </a:r>
+                      <a:r>
+                        <a:rPr lang="en-US" dirty="0" smtClean="0"/>
+                        <a:t>Dapper</a:t>
                       </a:r>
                     </a:p>
                   </a:txBody>
@@ -14954,7 +15348,7 @@
 </p:sld>
 </file>
 
-<file path=ppt/slides/slide8.xml><?xml version="1.0" encoding="utf-8"?>
+<file path=ppt/slides/slide9.xml><?xml version="1.0" encoding="utf-8"?>
 <p:sld xmlns:a="http://schemas.openxmlformats.org/drawingml/2006/main" xmlns:r="http://schemas.openxmlformats.org/officeDocument/2006/relationships" xmlns:p="http://schemas.openxmlformats.org/presentationml/2006/main">
   <p:cSld>
     <p:spTree>
@@ -15073,147 +15467,6 @@
     <p:extLst>
       <p:ext uri="{BB962C8B-B14F-4D97-AF65-F5344CB8AC3E}">
         <p14:creationId xmlns:p14="http://schemas.microsoft.com/office/powerpoint/2010/main" val="3665018351"/>
-      </p:ext>
-    </p:extLst>
-  </p:cSld>
-  <p:clrMapOvr>
-    <a:masterClrMapping/>
-  </p:clrMapOvr>
-  <p:timing>
-    <p:tnLst>
-      <p:par>
-        <p:cTn id="1" dur="indefinite" restart="never" nodeType="tmRoot"/>
-      </p:par>
-    </p:tnLst>
-  </p:timing>
-</p:sld>
-</file>
-
-<file path=ppt/slides/slide9.xml><?xml version="1.0" encoding="utf-8"?>
-<p:sld xmlns:a="http://schemas.openxmlformats.org/drawingml/2006/main" xmlns:r="http://schemas.openxmlformats.org/officeDocument/2006/relationships" xmlns:p="http://schemas.openxmlformats.org/presentationml/2006/main">
-  <p:cSld>
-    <p:spTree>
-      <p:nvGrpSpPr>
-        <p:cNvPr id="1" name=""/>
-        <p:cNvGrpSpPr/>
-        <p:nvPr/>
-      </p:nvGrpSpPr>
-      <p:grpSpPr>
-        <a:xfrm>
-          <a:off x="0" y="0"/>
-          <a:ext cx="0" cy="0"/>
-          <a:chOff x="0" y="0"/>
-          <a:chExt cx="0" cy="0"/>
-        </a:xfrm>
-      </p:grpSpPr>
-      <p:sp>
-        <p:nvSpPr>
-          <p:cNvPr id="2" name="Title 1"/>
-          <p:cNvSpPr>
-            <a:spLocks noGrp="1"/>
-          </p:cNvSpPr>
-          <p:nvPr>
-            <p:ph type="title"/>
-          </p:nvPr>
-        </p:nvSpPr>
-        <p:spPr/>
-        <p:txBody>
-          <a:bodyPr/>
-          <a:lstStyle/>
-          <a:p>
-            <a:r>
-              <a:rPr lang="en-US" dirty="0" smtClean="0"/>
-              <a:t>Productivity</a:t>
-            </a:r>
-            <a:endParaRPr lang="en-US" dirty="0"/>
-          </a:p>
-        </p:txBody>
-      </p:sp>
-      <p:sp>
-        <p:nvSpPr>
-          <p:cNvPr id="3" name="Content Placeholder 2"/>
-          <p:cNvSpPr>
-            <a:spLocks noGrp="1"/>
-          </p:cNvSpPr>
-          <p:nvPr>
-            <p:ph idx="1"/>
-          </p:nvPr>
-        </p:nvSpPr>
-        <p:spPr/>
-        <p:txBody>
-          <a:bodyPr/>
-          <a:lstStyle/>
-          <a:p>
-            <a:r>
-              <a:rPr lang="en-US" dirty="0" smtClean="0"/>
-              <a:t>Static types + </a:t>
-            </a:r>
-            <a:r>
-              <a:rPr lang="en-US" dirty="0" err="1" smtClean="0"/>
-              <a:t>intellisense</a:t>
-            </a:r>
-            <a:r>
-              <a:rPr lang="en-US" dirty="0" smtClean="0"/>
-              <a:t> for:</a:t>
-            </a:r>
-          </a:p>
-          <a:p>
-            <a:pPr lvl="1"/>
-            <a:r>
-              <a:rPr lang="en-US" dirty="0" smtClean="0"/>
-              <a:t>Input parameters</a:t>
-            </a:r>
-          </a:p>
-          <a:p>
-            <a:pPr lvl="1"/>
-            <a:r>
-              <a:rPr lang="en-US" dirty="0" smtClean="0"/>
-              <a:t>Output </a:t>
-            </a:r>
-            <a:r>
-              <a:rPr lang="en-US" dirty="0" err="1" smtClean="0"/>
-              <a:t>rowset</a:t>
-            </a:r>
-            <a:endParaRPr lang="en-US" dirty="0" smtClean="0"/>
-          </a:p>
-          <a:p>
-            <a:r>
-              <a:rPr lang="en-US" dirty="0" smtClean="0"/>
-              <a:t>T-SQL syntax errors at runtime !!!</a:t>
-            </a:r>
-          </a:p>
-          <a:p>
-            <a:r>
-              <a:rPr lang="en-US" dirty="0" smtClean="0"/>
-              <a:t>Simple connection management – it just works</a:t>
-            </a:r>
-          </a:p>
-          <a:p>
-            <a:r>
-              <a:rPr lang="en-US" dirty="0" smtClean="0"/>
-              <a:t>T-SQL </a:t>
-            </a:r>
-            <a:r>
-              <a:rPr lang="en-US" dirty="0" err="1" smtClean="0"/>
-              <a:t>intellisense</a:t>
-            </a:r>
-            <a:r>
-              <a:rPr lang="en-US" dirty="0" smtClean="0"/>
-              <a:t> in external files</a:t>
-            </a:r>
-          </a:p>
-          <a:p>
-            <a:pPr marL="0" indent="0">
-              <a:buNone/>
-            </a:pPr>
-            <a:endParaRPr lang="en-US" dirty="0"/>
-          </a:p>
-        </p:txBody>
-      </p:sp>
-    </p:spTree>
-    <p:extLst>
-      <p:ext uri="{BB962C8B-B14F-4D97-AF65-F5344CB8AC3E}">
-        <p14:creationId xmlns:p14="http://schemas.microsoft.com/office/powerpoint/2010/main" val="921806082"/>
       </p:ext>
     </p:extLst>
   </p:cSld>

--- a/SF FSharp UG. 2015-04-28/slides.pptx
+++ b/SF FSharp UG. 2015-04-28/slides.pptx
@@ -178,7 +178,7 @@
           <a:noFill/>
           <a:extLst>
             <a:ext uri="{909E8E84-426E-40dd-AFC4-6F175D3DCCD1}">
-              <a14:hiddenFill xmlns:a14="http://schemas.microsoft.com/office/drawing/2010/main" xmlns="">
+              <a14:hiddenFill xmlns="" xmlns:a14="http://schemas.microsoft.com/office/drawing/2010/main">
                 <a:solidFill>
                   <a:srgbClr val="FFFFFF"/>
                 </a:solidFill>
@@ -238,7 +238,7 @@
             </a:ln>
             <a:extLst>
               <a:ext uri="{91240B29-F687-4f45-9708-019B960494DF}">
-                <a14:hiddenLine xmlns:a14="http://schemas.microsoft.com/office/drawing/2010/main" xmlns="" w="9525">
+                <a14:hiddenLine xmlns="" xmlns:a14="http://schemas.microsoft.com/office/drawing/2010/main" w="9525">
                   <a:solidFill>
                     <a:srgbClr val="000000"/>
                   </a:solidFill>
@@ -328,7 +328,7 @@
             </a:ln>
             <a:extLst>
               <a:ext uri="{91240B29-F687-4f45-9708-019B960494DF}">
-                <a14:hiddenLine xmlns:a14="http://schemas.microsoft.com/office/drawing/2010/main" xmlns="" w="9525">
+                <a14:hiddenLine xmlns="" xmlns:a14="http://schemas.microsoft.com/office/drawing/2010/main" w="9525">
                   <a:solidFill>
                     <a:srgbClr val="000000"/>
                   </a:solidFill>
@@ -418,7 +418,7 @@
             </a:ln>
             <a:extLst>
               <a:ext uri="{91240B29-F687-4f45-9708-019B960494DF}">
-                <a14:hiddenLine xmlns:a14="http://schemas.microsoft.com/office/drawing/2010/main" xmlns="" w="9525">
+                <a14:hiddenLine xmlns="" xmlns:a14="http://schemas.microsoft.com/office/drawing/2010/main" w="9525">
                   <a:solidFill>
                     <a:srgbClr val="000000"/>
                   </a:solidFill>
@@ -452,7 +452,7 @@
             </a:ln>
             <a:extLst>
               <a:ext uri="{91240B29-F687-4f45-9708-019B960494DF}">
-                <a14:hiddenLine xmlns:a14="http://schemas.microsoft.com/office/drawing/2010/main" xmlns="" w="9525">
+                <a14:hiddenLine xmlns="" xmlns:a14="http://schemas.microsoft.com/office/drawing/2010/main" w="9525">
                   <a:solidFill>
                     <a:srgbClr val="000000"/>
                   </a:solidFill>
@@ -542,7 +542,7 @@
             </a:ln>
             <a:extLst>
               <a:ext uri="{91240B29-F687-4f45-9708-019B960494DF}">
-                <a14:hiddenLine xmlns:a14="http://schemas.microsoft.com/office/drawing/2010/main" xmlns="" w="9525">
+                <a14:hiddenLine xmlns="" xmlns:a14="http://schemas.microsoft.com/office/drawing/2010/main" w="9525">
                   <a:solidFill>
                     <a:srgbClr val="000000"/>
                   </a:solidFill>
@@ -604,7 +604,7 @@
             </a:ln>
             <a:extLst>
               <a:ext uri="{91240B29-F687-4f45-9708-019B960494DF}">
-                <a14:hiddenLine xmlns:a14="http://schemas.microsoft.com/office/drawing/2010/main" xmlns="" w="9525">
+                <a14:hiddenLine xmlns="" xmlns:a14="http://schemas.microsoft.com/office/drawing/2010/main" w="9525">
                   <a:solidFill>
                     <a:srgbClr val="000000"/>
                   </a:solidFill>
@@ -666,7 +666,7 @@
             </a:ln>
             <a:extLst>
               <a:ext uri="{91240B29-F687-4f45-9708-019B960494DF}">
-                <a14:hiddenLine xmlns:a14="http://schemas.microsoft.com/office/drawing/2010/main" xmlns="" w="9525">
+                <a14:hiddenLine xmlns="" xmlns:a14="http://schemas.microsoft.com/office/drawing/2010/main" w="9525">
                   <a:solidFill>
                     <a:srgbClr val="000000"/>
                   </a:solidFill>
@@ -756,7 +756,7 @@
             </a:ln>
             <a:extLst>
               <a:ext uri="{91240B29-F687-4f45-9708-019B960494DF}">
-                <a14:hiddenLine xmlns:a14="http://schemas.microsoft.com/office/drawing/2010/main" xmlns="" w="9525">
+                <a14:hiddenLine xmlns="" xmlns:a14="http://schemas.microsoft.com/office/drawing/2010/main" w="9525">
                   <a:solidFill>
                     <a:srgbClr val="000000"/>
                   </a:solidFill>
@@ -818,7 +818,7 @@
             </a:ln>
             <a:extLst>
               <a:ext uri="{91240B29-F687-4f45-9708-019B960494DF}">
-                <a14:hiddenLine xmlns:a14="http://schemas.microsoft.com/office/drawing/2010/main" xmlns="" w="9525">
+                <a14:hiddenLine xmlns="" xmlns:a14="http://schemas.microsoft.com/office/drawing/2010/main" w="9525">
                   <a:solidFill>
                     <a:srgbClr val="000000"/>
                   </a:solidFill>
@@ -880,7 +880,7 @@
             </a:ln>
             <a:extLst>
               <a:ext uri="{91240B29-F687-4f45-9708-019B960494DF}">
-                <a14:hiddenLine xmlns:a14="http://schemas.microsoft.com/office/drawing/2010/main" xmlns="" w="9525">
+                <a14:hiddenLine xmlns="" xmlns:a14="http://schemas.microsoft.com/office/drawing/2010/main" w="9525">
                   <a:solidFill>
                     <a:srgbClr val="000000"/>
                   </a:solidFill>
@@ -970,7 +970,7 @@
             </a:ln>
             <a:extLst>
               <a:ext uri="{91240B29-F687-4f45-9708-019B960494DF}">
-                <a14:hiddenLine xmlns:a14="http://schemas.microsoft.com/office/drawing/2010/main" xmlns="" w="9525">
+                <a14:hiddenLine xmlns="" xmlns:a14="http://schemas.microsoft.com/office/drawing/2010/main" w="9525">
                   <a:solidFill>
                     <a:srgbClr val="000000"/>
                   </a:solidFill>
@@ -1060,7 +1060,7 @@
             </a:ln>
             <a:extLst>
               <a:ext uri="{91240B29-F687-4f45-9708-019B960494DF}">
-                <a14:hiddenLine xmlns:a14="http://schemas.microsoft.com/office/drawing/2010/main" xmlns="" w="9525">
+                <a14:hiddenLine xmlns="" xmlns:a14="http://schemas.microsoft.com/office/drawing/2010/main" w="9525">
                   <a:solidFill>
                     <a:srgbClr val="000000"/>
                   </a:solidFill>
@@ -1122,7 +1122,7 @@
             </a:ln>
             <a:extLst>
               <a:ext uri="{91240B29-F687-4f45-9708-019B960494DF}">
-                <a14:hiddenLine xmlns:a14="http://schemas.microsoft.com/office/drawing/2010/main" xmlns="" w="9525">
+                <a14:hiddenLine xmlns="" xmlns:a14="http://schemas.microsoft.com/office/drawing/2010/main" w="9525">
                   <a:solidFill>
                     <a:srgbClr val="000000"/>
                   </a:solidFill>
@@ -1232,7 +1232,7 @@
             </a:ln>
             <a:extLst>
               <a:ext uri="{91240B29-F687-4f45-9708-019B960494DF}">
-                <a14:hiddenLine xmlns:a14="http://schemas.microsoft.com/office/drawing/2010/main" xmlns="" w="9525">
+                <a14:hiddenLine xmlns="" xmlns:a14="http://schemas.microsoft.com/office/drawing/2010/main" w="9525">
                   <a:solidFill>
                     <a:srgbClr val="000000"/>
                   </a:solidFill>
@@ -1294,7 +1294,7 @@
             </a:ln>
             <a:extLst>
               <a:ext uri="{91240B29-F687-4f45-9708-019B960494DF}">
-                <a14:hiddenLine xmlns:a14="http://schemas.microsoft.com/office/drawing/2010/main" xmlns="" w="9525">
+                <a14:hiddenLine xmlns="" xmlns:a14="http://schemas.microsoft.com/office/drawing/2010/main" w="9525">
                   <a:solidFill>
                     <a:srgbClr val="000000"/>
                   </a:solidFill>
@@ -1384,7 +1384,7 @@
             </a:ln>
             <a:extLst>
               <a:ext uri="{91240B29-F687-4f45-9708-019B960494DF}">
-                <a14:hiddenLine xmlns:a14="http://schemas.microsoft.com/office/drawing/2010/main" xmlns="" w="9525">
+                <a14:hiddenLine xmlns="" xmlns:a14="http://schemas.microsoft.com/office/drawing/2010/main" w="9525">
                   <a:solidFill>
                     <a:srgbClr val="000000"/>
                   </a:solidFill>
@@ -1474,7 +1474,7 @@
             </a:ln>
             <a:extLst>
               <a:ext uri="{91240B29-F687-4f45-9708-019B960494DF}">
-                <a14:hiddenLine xmlns:a14="http://schemas.microsoft.com/office/drawing/2010/main" xmlns="" w="9525">
+                <a14:hiddenLine xmlns="" xmlns:a14="http://schemas.microsoft.com/office/drawing/2010/main" w="9525">
                   <a:solidFill>
                     <a:srgbClr val="000000"/>
                   </a:solidFill>
@@ -1536,7 +1536,7 @@
             </a:ln>
             <a:extLst>
               <a:ext uri="{91240B29-F687-4f45-9708-019B960494DF}">
-                <a14:hiddenLine xmlns:a14="http://schemas.microsoft.com/office/drawing/2010/main" xmlns="" w="9525">
+                <a14:hiddenLine xmlns="" xmlns:a14="http://schemas.microsoft.com/office/drawing/2010/main" w="9525">
                   <a:solidFill>
                     <a:srgbClr val="000000"/>
                   </a:solidFill>
@@ -1626,7 +1626,7 @@
             </a:ln>
             <a:extLst>
               <a:ext uri="{91240B29-F687-4f45-9708-019B960494DF}">
-                <a14:hiddenLine xmlns:a14="http://schemas.microsoft.com/office/drawing/2010/main" xmlns="" w="9525">
+                <a14:hiddenLine xmlns="" xmlns:a14="http://schemas.microsoft.com/office/drawing/2010/main" w="9525">
                   <a:solidFill>
                     <a:srgbClr val="000000"/>
                   </a:solidFill>
@@ -1716,7 +1716,7 @@
             </a:ln>
             <a:extLst>
               <a:ext uri="{91240B29-F687-4f45-9708-019B960494DF}">
-                <a14:hiddenLine xmlns:a14="http://schemas.microsoft.com/office/drawing/2010/main" xmlns="" w="9525">
+                <a14:hiddenLine xmlns="" xmlns:a14="http://schemas.microsoft.com/office/drawing/2010/main" w="9525">
                   <a:solidFill>
                     <a:srgbClr val="000000"/>
                   </a:solidFill>
@@ -1772,7 +1772,7 @@
             </a:ln>
             <a:extLst>
               <a:ext uri="{91240B29-F687-4f45-9708-019B960494DF}">
-                <a14:hiddenLine xmlns:a14="http://schemas.microsoft.com/office/drawing/2010/main" xmlns="" w="9525">
+                <a14:hiddenLine xmlns="" xmlns:a14="http://schemas.microsoft.com/office/drawing/2010/main" w="9525">
                   <a:solidFill>
                     <a:srgbClr val="000000"/>
                   </a:solidFill>
@@ -1862,7 +1862,7 @@
             </a:ln>
             <a:extLst>
               <a:ext uri="{91240B29-F687-4f45-9708-019B960494DF}">
-                <a14:hiddenLine xmlns:a14="http://schemas.microsoft.com/office/drawing/2010/main" xmlns="" w="9525">
+                <a14:hiddenLine xmlns="" xmlns:a14="http://schemas.microsoft.com/office/drawing/2010/main" w="9525">
                   <a:solidFill>
                     <a:srgbClr val="000000"/>
                   </a:solidFill>
@@ -1918,7 +1918,7 @@
             </a:ln>
             <a:extLst>
               <a:ext uri="{91240B29-F687-4f45-9708-019B960494DF}">
-                <a14:hiddenLine xmlns:a14="http://schemas.microsoft.com/office/drawing/2010/main" xmlns="" w="9525">
+                <a14:hiddenLine xmlns="" xmlns:a14="http://schemas.microsoft.com/office/drawing/2010/main" w="9525">
                   <a:solidFill>
                     <a:srgbClr val="000000"/>
                   </a:solidFill>
@@ -2008,7 +2008,7 @@
             </a:ln>
             <a:extLst>
               <a:ext uri="{91240B29-F687-4f45-9708-019B960494DF}">
-                <a14:hiddenLine xmlns:a14="http://schemas.microsoft.com/office/drawing/2010/main" xmlns="" w="9525">
+                <a14:hiddenLine xmlns="" xmlns:a14="http://schemas.microsoft.com/office/drawing/2010/main" w="9525">
                   <a:solidFill>
                     <a:srgbClr val="000000"/>
                   </a:solidFill>
@@ -2076,7 +2076,7 @@
             </a:ln>
             <a:extLst>
               <a:ext uri="{91240B29-F687-4f45-9708-019B960494DF}">
-                <a14:hiddenLine xmlns:a14="http://schemas.microsoft.com/office/drawing/2010/main" xmlns="" w="9525">
+                <a14:hiddenLine xmlns="" xmlns:a14="http://schemas.microsoft.com/office/drawing/2010/main" w="9525">
                   <a:solidFill>
                     <a:srgbClr val="000000"/>
                   </a:solidFill>
@@ -2166,7 +2166,7 @@
             </a:ln>
             <a:extLst>
               <a:ext uri="{91240B29-F687-4f45-9708-019B960494DF}">
-                <a14:hiddenLine xmlns:a14="http://schemas.microsoft.com/office/drawing/2010/main" xmlns="" w="9525">
+                <a14:hiddenLine xmlns="" xmlns:a14="http://schemas.microsoft.com/office/drawing/2010/main" w="9525">
                   <a:solidFill>
                     <a:srgbClr val="000000"/>
                   </a:solidFill>
@@ -2234,7 +2234,7 @@
             </a:ln>
             <a:extLst>
               <a:ext uri="{91240B29-F687-4f45-9708-019B960494DF}">
-                <a14:hiddenLine xmlns:a14="http://schemas.microsoft.com/office/drawing/2010/main" xmlns="" w="9525">
+                <a14:hiddenLine xmlns="" xmlns:a14="http://schemas.microsoft.com/office/drawing/2010/main" w="9525">
                   <a:solidFill>
                     <a:srgbClr val="000000"/>
                   </a:solidFill>
@@ -2324,7 +2324,7 @@
             </a:ln>
             <a:extLst>
               <a:ext uri="{91240B29-F687-4f45-9708-019B960494DF}">
-                <a14:hiddenLine xmlns:a14="http://schemas.microsoft.com/office/drawing/2010/main" xmlns="" w="9525">
+                <a14:hiddenLine xmlns="" xmlns:a14="http://schemas.microsoft.com/office/drawing/2010/main" w="9525">
                   <a:solidFill>
                     <a:srgbClr val="000000"/>
                   </a:solidFill>
@@ -2358,7 +2358,7 @@
             </a:ln>
             <a:extLst>
               <a:ext uri="{91240B29-F687-4f45-9708-019B960494DF}">
-                <a14:hiddenLine xmlns:a14="http://schemas.microsoft.com/office/drawing/2010/main" xmlns="" w="9525">
+                <a14:hiddenLine xmlns="" xmlns:a14="http://schemas.microsoft.com/office/drawing/2010/main" w="9525">
                   <a:solidFill>
                     <a:srgbClr val="000000"/>
                   </a:solidFill>
@@ -2448,7 +2448,7 @@
             </a:ln>
             <a:extLst>
               <a:ext uri="{91240B29-F687-4f45-9708-019B960494DF}">
-                <a14:hiddenLine xmlns:a14="http://schemas.microsoft.com/office/drawing/2010/main" xmlns="" w="9525">
+                <a14:hiddenLine xmlns="" xmlns:a14="http://schemas.microsoft.com/office/drawing/2010/main" w="9525">
                   <a:solidFill>
                     <a:srgbClr val="000000"/>
                   </a:solidFill>
@@ -2510,7 +2510,7 @@
             </a:ln>
             <a:extLst>
               <a:ext uri="{91240B29-F687-4f45-9708-019B960494DF}">
-                <a14:hiddenLine xmlns:a14="http://schemas.microsoft.com/office/drawing/2010/main" xmlns="" w="9525">
+                <a14:hiddenLine xmlns="" xmlns:a14="http://schemas.microsoft.com/office/drawing/2010/main" w="9525">
                   <a:solidFill>
                     <a:srgbClr val="000000"/>
                   </a:solidFill>
@@ -2572,7 +2572,7 @@
             </a:ln>
             <a:extLst>
               <a:ext uri="{91240B29-F687-4f45-9708-019B960494DF}">
-                <a14:hiddenLine xmlns:a14="http://schemas.microsoft.com/office/drawing/2010/main" xmlns="" w="9525">
+                <a14:hiddenLine xmlns="" xmlns:a14="http://schemas.microsoft.com/office/drawing/2010/main" w="9525">
                   <a:solidFill>
                     <a:srgbClr val="000000"/>
                   </a:solidFill>
@@ -2662,7 +2662,7 @@
             </a:ln>
             <a:extLst>
               <a:ext uri="{91240B29-F687-4f45-9708-019B960494DF}">
-                <a14:hiddenLine xmlns:a14="http://schemas.microsoft.com/office/drawing/2010/main" xmlns="" w="9525">
+                <a14:hiddenLine xmlns="" xmlns:a14="http://schemas.microsoft.com/office/drawing/2010/main" w="9525">
                   <a:solidFill>
                     <a:srgbClr val="000000"/>
                   </a:solidFill>
@@ -2730,7 +2730,7 @@
             </a:ln>
             <a:extLst>
               <a:ext uri="{91240B29-F687-4f45-9708-019B960494DF}">
-                <a14:hiddenLine xmlns:a14="http://schemas.microsoft.com/office/drawing/2010/main" xmlns="" w="9525">
+                <a14:hiddenLine xmlns="" xmlns:a14="http://schemas.microsoft.com/office/drawing/2010/main" w="9525">
                   <a:solidFill>
                     <a:srgbClr val="000000"/>
                   </a:solidFill>
@@ -2792,7 +2792,7 @@
             </a:ln>
             <a:extLst>
               <a:ext uri="{91240B29-F687-4f45-9708-019B960494DF}">
-                <a14:hiddenLine xmlns:a14="http://schemas.microsoft.com/office/drawing/2010/main" xmlns="" w="9525">
+                <a14:hiddenLine xmlns="" xmlns:a14="http://schemas.microsoft.com/office/drawing/2010/main" w="9525">
                   <a:solidFill>
                     <a:srgbClr val="000000"/>
                   </a:solidFill>
@@ -2882,7 +2882,7 @@
             </a:ln>
             <a:extLst>
               <a:ext uri="{91240B29-F687-4f45-9708-019B960494DF}">
-                <a14:hiddenLine xmlns:a14="http://schemas.microsoft.com/office/drawing/2010/main" xmlns="" w="9525">
+                <a14:hiddenLine xmlns="" xmlns:a14="http://schemas.microsoft.com/office/drawing/2010/main" w="9525">
                   <a:solidFill>
                     <a:srgbClr val="000000"/>
                   </a:solidFill>
@@ -2944,7 +2944,7 @@
             </a:ln>
             <a:extLst>
               <a:ext uri="{91240B29-F687-4f45-9708-019B960494DF}">
-                <a14:hiddenLine xmlns:a14="http://schemas.microsoft.com/office/drawing/2010/main" xmlns="" w="9525">
+                <a14:hiddenLine xmlns="" xmlns:a14="http://schemas.microsoft.com/office/drawing/2010/main" w="9525">
                   <a:solidFill>
                     <a:srgbClr val="000000"/>
                   </a:solidFill>
@@ -3034,7 +3034,7 @@
             </a:ln>
             <a:extLst>
               <a:ext uri="{91240B29-F687-4f45-9708-019B960494DF}">
-                <a14:hiddenLine xmlns:a14="http://schemas.microsoft.com/office/drawing/2010/main" xmlns="" w="9525">
+                <a14:hiddenLine xmlns="" xmlns:a14="http://schemas.microsoft.com/office/drawing/2010/main" w="9525">
                   <a:solidFill>
                     <a:srgbClr val="000000"/>
                   </a:solidFill>
@@ -3096,7 +3096,7 @@
             </a:ln>
             <a:extLst>
               <a:ext uri="{91240B29-F687-4f45-9708-019B960494DF}">
-                <a14:hiddenLine xmlns:a14="http://schemas.microsoft.com/office/drawing/2010/main" xmlns="" w="9525">
+                <a14:hiddenLine xmlns="" xmlns:a14="http://schemas.microsoft.com/office/drawing/2010/main" w="9525">
                   <a:solidFill>
                     <a:srgbClr val="000000"/>
                   </a:solidFill>
@@ -3186,7 +3186,7 @@
             </a:ln>
             <a:extLst>
               <a:ext uri="{91240B29-F687-4f45-9708-019B960494DF}">
-                <a14:hiddenLine xmlns:a14="http://schemas.microsoft.com/office/drawing/2010/main" xmlns="" w="9525">
+                <a14:hiddenLine xmlns="" xmlns:a14="http://schemas.microsoft.com/office/drawing/2010/main" w="9525">
                   <a:solidFill>
                     <a:srgbClr val="000000"/>
                   </a:solidFill>
@@ -3220,7 +3220,7 @@
             </a:ln>
             <a:extLst>
               <a:ext uri="{91240B29-F687-4f45-9708-019B960494DF}">
-                <a14:hiddenLine xmlns:a14="http://schemas.microsoft.com/office/drawing/2010/main" xmlns="" w="9525">
+                <a14:hiddenLine xmlns="" xmlns:a14="http://schemas.microsoft.com/office/drawing/2010/main" w="9525">
                   <a:solidFill>
                     <a:srgbClr val="000000"/>
                   </a:solidFill>
@@ -3285,7 +3285,7 @@
             </a:ln>
             <a:extLst>
               <a:ext uri="{91240B29-F687-4f45-9708-019B960494DF}">
-                <a14:hiddenLine xmlns:a14="http://schemas.microsoft.com/office/drawing/2010/main" xmlns="" w="9525">
+                <a14:hiddenLine xmlns="" xmlns:a14="http://schemas.microsoft.com/office/drawing/2010/main" w="9525">
                   <a:solidFill>
                     <a:srgbClr val="000000"/>
                   </a:solidFill>
@@ -3375,7 +3375,7 @@
             </a:ln>
             <a:extLst>
               <a:ext uri="{91240B29-F687-4f45-9708-019B960494DF}">
-                <a14:hiddenLine xmlns:a14="http://schemas.microsoft.com/office/drawing/2010/main" xmlns="" w="9525">
+                <a14:hiddenLine xmlns="" xmlns:a14="http://schemas.microsoft.com/office/drawing/2010/main" w="9525">
                   <a:solidFill>
                     <a:srgbClr val="000000"/>
                   </a:solidFill>
@@ -3437,7 +3437,7 @@
             </a:ln>
             <a:extLst>
               <a:ext uri="{91240B29-F687-4f45-9708-019B960494DF}">
-                <a14:hiddenLine xmlns:a14="http://schemas.microsoft.com/office/drawing/2010/main" xmlns="" w="9525">
+                <a14:hiddenLine xmlns="" xmlns:a14="http://schemas.microsoft.com/office/drawing/2010/main" w="9525">
                   <a:solidFill>
                     <a:srgbClr val="000000"/>
                   </a:solidFill>
@@ -3527,7 +3527,7 @@
             </a:ln>
             <a:extLst>
               <a:ext uri="{91240B29-F687-4f45-9708-019B960494DF}">
-                <a14:hiddenLine xmlns:a14="http://schemas.microsoft.com/office/drawing/2010/main" xmlns="" w="9525">
+                <a14:hiddenLine xmlns="" xmlns:a14="http://schemas.microsoft.com/office/drawing/2010/main" w="9525">
                   <a:solidFill>
                     <a:srgbClr val="000000"/>
                   </a:solidFill>
@@ -3617,7 +3617,7 @@
             </a:ln>
             <a:extLst>
               <a:ext uri="{91240B29-F687-4f45-9708-019B960494DF}">
-                <a14:hiddenLine xmlns:a14="http://schemas.microsoft.com/office/drawing/2010/main" xmlns="" w="9525">
+                <a14:hiddenLine xmlns="" xmlns:a14="http://schemas.microsoft.com/office/drawing/2010/main" w="9525">
                   <a:solidFill>
                     <a:srgbClr val="000000"/>
                   </a:solidFill>
@@ -3682,7 +3682,7 @@
             </a:ln>
             <a:extLst>
               <a:ext uri="{91240B29-F687-4f45-9708-019B960494DF}">
-                <a14:hiddenLine xmlns:a14="http://schemas.microsoft.com/office/drawing/2010/main" xmlns="" w="9525">
+                <a14:hiddenLine xmlns="" xmlns:a14="http://schemas.microsoft.com/office/drawing/2010/main" w="9525">
                   <a:solidFill>
                     <a:srgbClr val="000000"/>
                   </a:solidFill>
@@ -3744,7 +3744,7 @@
             </a:ln>
             <a:extLst>
               <a:ext uri="{91240B29-F687-4f45-9708-019B960494DF}">
-                <a14:hiddenLine xmlns:a14="http://schemas.microsoft.com/office/drawing/2010/main" xmlns="" w="9525">
+                <a14:hiddenLine xmlns="" xmlns:a14="http://schemas.microsoft.com/office/drawing/2010/main" w="9525">
                   <a:solidFill>
                     <a:srgbClr val="000000"/>
                   </a:solidFill>
@@ -3834,7 +3834,7 @@
             </a:ln>
             <a:extLst>
               <a:ext uri="{91240B29-F687-4f45-9708-019B960494DF}">
-                <a14:hiddenLine xmlns:a14="http://schemas.microsoft.com/office/drawing/2010/main" xmlns="" w="9525">
+                <a14:hiddenLine xmlns="" xmlns:a14="http://schemas.microsoft.com/office/drawing/2010/main" w="9525">
                   <a:solidFill>
                     <a:srgbClr val="000000"/>
                   </a:solidFill>
@@ -3924,7 +3924,7 @@
             </a:ln>
             <a:extLst>
               <a:ext uri="{91240B29-F687-4f45-9708-019B960494DF}">
-                <a14:hiddenLine xmlns:a14="http://schemas.microsoft.com/office/drawing/2010/main" xmlns="" w="9525">
+                <a14:hiddenLine xmlns="" xmlns:a14="http://schemas.microsoft.com/office/drawing/2010/main" w="9525">
                   <a:solidFill>
                     <a:srgbClr val="000000"/>
                   </a:solidFill>
@@ -3986,7 +3986,7 @@
             </a:ln>
             <a:extLst>
               <a:ext uri="{91240B29-F687-4f45-9708-019B960494DF}">
-                <a14:hiddenLine xmlns:a14="http://schemas.microsoft.com/office/drawing/2010/main" xmlns="" w="9525">
+                <a14:hiddenLine xmlns="" xmlns:a14="http://schemas.microsoft.com/office/drawing/2010/main" w="9525">
                   <a:solidFill>
                     <a:srgbClr val="000000"/>
                   </a:solidFill>
@@ -4106,7 +4106,7 @@
             </a:ln>
             <a:extLst>
               <a:ext uri="{91240B29-F687-4f45-9708-019B960494DF}">
-                <a14:hiddenLine xmlns:a14="http://schemas.microsoft.com/office/drawing/2010/main" xmlns="" w="9525">
+                <a14:hiddenLine xmlns="" xmlns:a14="http://schemas.microsoft.com/office/drawing/2010/main" w="9525">
                   <a:solidFill>
                     <a:srgbClr val="000000"/>
                   </a:solidFill>
@@ -4174,7 +4174,7 @@
             </a:ln>
             <a:extLst>
               <a:ext uri="{91240B29-F687-4f45-9708-019B960494DF}">
-                <a14:hiddenLine xmlns:a14="http://schemas.microsoft.com/office/drawing/2010/main" xmlns="" w="9525">
+                <a14:hiddenLine xmlns="" xmlns:a14="http://schemas.microsoft.com/office/drawing/2010/main" w="9525">
                   <a:solidFill>
                     <a:srgbClr val="000000"/>
                   </a:solidFill>
@@ -4264,7 +4264,7 @@
             </a:ln>
             <a:extLst>
               <a:ext uri="{91240B29-F687-4f45-9708-019B960494DF}">
-                <a14:hiddenLine xmlns:a14="http://schemas.microsoft.com/office/drawing/2010/main" xmlns="" w="9525">
+                <a14:hiddenLine xmlns="" xmlns:a14="http://schemas.microsoft.com/office/drawing/2010/main" w="9525">
                   <a:solidFill>
                     <a:srgbClr val="000000"/>
                   </a:solidFill>
@@ -4405,7 +4405,7 @@
             <a:fld id="{B61BEF0D-F0BB-DE4B-95CE-6DB70DBA9567}" type="datetimeFigureOut">
               <a:rPr lang="en-US" smtClean="0"/>
               <a:pPr/>
-              <a:t>4/27/2015</a:t>
+              <a:t>4/28/2015</a:t>
             </a:fld>
             <a:endParaRPr lang="en-US" dirty="0"/>
           </a:p>
@@ -4674,7 +4674,7 @@
             <a:fld id="{B61BEF0D-F0BB-DE4B-95CE-6DB70DBA9567}" type="datetimeFigureOut">
               <a:rPr lang="en-US" smtClean="0"/>
               <a:pPr/>
-              <a:t>4/27/2015</a:t>
+              <a:t>4/28/2015</a:t>
             </a:fld>
             <a:endParaRPr lang="en-US" dirty="0"/>
           </a:p>
@@ -4872,7 +4872,7 @@
             <a:fld id="{B61BEF0D-F0BB-DE4B-95CE-6DB70DBA9567}" type="datetimeFigureOut">
               <a:rPr lang="en-US" smtClean="0"/>
               <a:pPr/>
-              <a:t>4/27/2015</a:t>
+              <a:t>4/28/2015</a:t>
             </a:fld>
             <a:endParaRPr lang="en-US" dirty="0"/>
           </a:p>
@@ -5137,7 +5137,7 @@
             <a:fld id="{B61BEF0D-F0BB-DE4B-95CE-6DB70DBA9567}" type="datetimeFigureOut">
               <a:rPr lang="en-US" smtClean="0"/>
               <a:pPr/>
-              <a:t>4/27/2015</a:t>
+              <a:t>4/28/2015</a:t>
             </a:fld>
             <a:endParaRPr lang="en-US" dirty="0"/>
           </a:p>
@@ -5573,7 +5573,7 @@
             <a:fld id="{B61BEF0D-F0BB-DE4B-95CE-6DB70DBA9567}" type="datetimeFigureOut">
               <a:rPr lang="en-US" smtClean="0"/>
               <a:pPr/>
-              <a:t>4/27/2015</a:t>
+              <a:t>4/28/2015</a:t>
             </a:fld>
             <a:endParaRPr lang="en-US" dirty="0"/>
           </a:p>
@@ -6121,7 +6121,7 @@
             <a:fld id="{B61BEF0D-F0BB-DE4B-95CE-6DB70DBA9567}" type="datetimeFigureOut">
               <a:rPr lang="en-US" smtClean="0"/>
               <a:pPr/>
-              <a:t>4/27/2015</a:t>
+              <a:t>4/28/2015</a:t>
             </a:fld>
             <a:endParaRPr lang="en-US" dirty="0"/>
           </a:p>
@@ -6843,7 +6843,7 @@
             <a:fld id="{B61BEF0D-F0BB-DE4B-95CE-6DB70DBA9567}" type="datetimeFigureOut">
               <a:rPr lang="en-US" smtClean="0"/>
               <a:pPr/>
-              <a:t>4/27/2015</a:t>
+              <a:t>4/28/2015</a:t>
             </a:fld>
             <a:endParaRPr lang="en-US" dirty="0"/>
           </a:p>
@@ -7015,7 +7015,7 @@
             <a:fld id="{B61BEF0D-F0BB-DE4B-95CE-6DB70DBA9567}" type="datetimeFigureOut">
               <a:rPr lang="en-US" smtClean="0"/>
               <a:pPr/>
-              <a:t>4/27/2015</a:t>
+              <a:t>4/28/2015</a:t>
             </a:fld>
             <a:endParaRPr lang="en-US" dirty="0"/>
           </a:p>
@@ -7197,7 +7197,7 @@
             <a:fld id="{B61BEF0D-F0BB-DE4B-95CE-6DB70DBA9567}" type="datetimeFigureOut">
               <a:rPr lang="en-US" smtClean="0"/>
               <a:pPr/>
-              <a:t>4/27/2015</a:t>
+              <a:t>4/28/2015</a:t>
             </a:fld>
             <a:endParaRPr lang="en-US" dirty="0"/>
           </a:p>
@@ -7369,7 +7369,7 @@
             <a:fld id="{B61BEF0D-F0BB-DE4B-95CE-6DB70DBA9567}" type="datetimeFigureOut">
               <a:rPr lang="en-US" smtClean="0"/>
               <a:pPr/>
-              <a:t>4/27/2015</a:t>
+              <a:t>4/28/2015</a:t>
             </a:fld>
             <a:endParaRPr lang="en-US" dirty="0"/>
           </a:p>
@@ -7621,7 +7621,7 @@
             <a:fld id="{B61BEF0D-F0BB-DE4B-95CE-6DB70DBA9567}" type="datetimeFigureOut">
               <a:rPr lang="en-US" smtClean="0"/>
               <a:pPr/>
-              <a:t>4/27/2015</a:t>
+              <a:t>4/28/2015</a:t>
             </a:fld>
             <a:endParaRPr lang="en-US" dirty="0"/>
           </a:p>
@@ -7855,7 +7855,7 @@
             <a:fld id="{B61BEF0D-F0BB-DE4B-95CE-6DB70DBA9567}" type="datetimeFigureOut">
               <a:rPr lang="en-US" smtClean="0"/>
               <a:pPr/>
-              <a:t>4/27/2015</a:t>
+              <a:t>4/28/2015</a:t>
             </a:fld>
             <a:endParaRPr lang="en-US" dirty="0"/>
           </a:p>
@@ -8238,7 +8238,7 @@
             <a:fld id="{B61BEF0D-F0BB-DE4B-95CE-6DB70DBA9567}" type="datetimeFigureOut">
               <a:rPr lang="en-US" smtClean="0"/>
               <a:pPr/>
-              <a:t>4/27/2015</a:t>
+              <a:t>4/28/2015</a:t>
             </a:fld>
             <a:endParaRPr lang="en-US" dirty="0"/>
           </a:p>
@@ -8358,7 +8358,7 @@
             <a:fld id="{B61BEF0D-F0BB-DE4B-95CE-6DB70DBA9567}" type="datetimeFigureOut">
               <a:rPr lang="en-US" smtClean="0"/>
               <a:pPr/>
-              <a:t>4/27/2015</a:t>
+              <a:t>4/28/2015</a:t>
             </a:fld>
             <a:endParaRPr lang="en-US" dirty="0"/>
           </a:p>
@@ -8455,7 +8455,7 @@
             <a:fld id="{B61BEF0D-F0BB-DE4B-95CE-6DB70DBA9567}" type="datetimeFigureOut">
               <a:rPr lang="en-US" smtClean="0"/>
               <a:pPr/>
-              <a:t>4/27/2015</a:t>
+              <a:t>4/28/2015</a:t>
             </a:fld>
             <a:endParaRPr lang="en-US" dirty="0"/>
           </a:p>
@@ -8706,7 +8706,7 @@
             <a:fld id="{B61BEF0D-F0BB-DE4B-95CE-6DB70DBA9567}" type="datetimeFigureOut">
               <a:rPr lang="en-US" smtClean="0"/>
               <a:pPr/>
-              <a:t>4/27/2015</a:t>
+              <a:t>4/28/2015</a:t>
             </a:fld>
             <a:endParaRPr lang="en-US" dirty="0"/>
           </a:p>
@@ -8988,7 +8988,7 @@
             <a:fld id="{B61BEF0D-F0BB-DE4B-95CE-6DB70DBA9567}" type="datetimeFigureOut">
               <a:rPr lang="en-US" smtClean="0"/>
               <a:pPr/>
-              <a:t>4/27/2015</a:t>
+              <a:t>4/28/2015</a:t>
             </a:fld>
             <a:endParaRPr lang="en-US" dirty="0"/>
           </a:p>
@@ -9105,7 +9105,7 @@
           <a:noFill/>
           <a:extLst>
             <a:ext uri="{909E8E84-426E-40dd-AFC4-6F175D3DCCD1}">
-              <a14:hiddenFill xmlns:a14="http://schemas.microsoft.com/office/drawing/2010/main" xmlns="">
+              <a14:hiddenFill xmlns="" xmlns:a14="http://schemas.microsoft.com/office/drawing/2010/main">
                 <a:solidFill>
                   <a:srgbClr val="FFFFFF"/>
                 </a:solidFill>
@@ -9179,7 +9179,7 @@
               </a:ln>
               <a:extLst>
                 <a:ext uri="{91240B29-F687-4f45-9708-019B960494DF}">
-                  <a14:hiddenLine xmlns:a14="http://schemas.microsoft.com/office/drawing/2010/main" xmlns="" w="9525">
+                  <a14:hiddenLine xmlns="" xmlns:a14="http://schemas.microsoft.com/office/drawing/2010/main" w="9525">
                     <a:solidFill>
                       <a:srgbClr val="000000"/>
                     </a:solidFill>
@@ -9269,7 +9269,7 @@
               </a:ln>
               <a:extLst>
                 <a:ext uri="{91240B29-F687-4f45-9708-019B960494DF}">
-                  <a14:hiddenLine xmlns:a14="http://schemas.microsoft.com/office/drawing/2010/main" xmlns="" w="9525">
+                  <a14:hiddenLine xmlns="" xmlns:a14="http://schemas.microsoft.com/office/drawing/2010/main" w="9525">
                     <a:solidFill>
                       <a:srgbClr val="000000"/>
                     </a:solidFill>
@@ -9359,7 +9359,7 @@
               </a:ln>
               <a:extLst>
                 <a:ext uri="{91240B29-F687-4f45-9708-019B960494DF}">
-                  <a14:hiddenLine xmlns:a14="http://schemas.microsoft.com/office/drawing/2010/main" xmlns="" w="9525">
+                  <a14:hiddenLine xmlns="" xmlns:a14="http://schemas.microsoft.com/office/drawing/2010/main" w="9525">
                     <a:solidFill>
                       <a:srgbClr val="000000"/>
                     </a:solidFill>
@@ -9421,7 +9421,7 @@
               </a:ln>
               <a:extLst>
                 <a:ext uri="{91240B29-F687-4f45-9708-019B960494DF}">
-                  <a14:hiddenLine xmlns:a14="http://schemas.microsoft.com/office/drawing/2010/main" xmlns="" w="9525">
+                  <a14:hiddenLine xmlns="" xmlns:a14="http://schemas.microsoft.com/office/drawing/2010/main" w="9525">
                     <a:solidFill>
                       <a:srgbClr val="000000"/>
                     </a:solidFill>
@@ -9511,7 +9511,7 @@
               </a:ln>
               <a:extLst>
                 <a:ext uri="{91240B29-F687-4f45-9708-019B960494DF}">
-                  <a14:hiddenLine xmlns:a14="http://schemas.microsoft.com/office/drawing/2010/main" xmlns="" w="9525">
+                  <a14:hiddenLine xmlns="" xmlns:a14="http://schemas.microsoft.com/office/drawing/2010/main" w="9525">
                     <a:solidFill>
                       <a:srgbClr val="000000"/>
                     </a:solidFill>
@@ -9573,7 +9573,7 @@
               </a:ln>
               <a:extLst>
                 <a:ext uri="{91240B29-F687-4f45-9708-019B960494DF}">
-                  <a14:hiddenLine xmlns:a14="http://schemas.microsoft.com/office/drawing/2010/main" xmlns="" w="9525">
+                  <a14:hiddenLine xmlns="" xmlns:a14="http://schemas.microsoft.com/office/drawing/2010/main" w="9525">
                     <a:solidFill>
                       <a:srgbClr val="000000"/>
                     </a:solidFill>
@@ -9635,7 +9635,7 @@
               </a:ln>
               <a:extLst>
                 <a:ext uri="{91240B29-F687-4f45-9708-019B960494DF}">
-                  <a14:hiddenLine xmlns:a14="http://schemas.microsoft.com/office/drawing/2010/main" xmlns="" w="9525">
+                  <a14:hiddenLine xmlns="" xmlns:a14="http://schemas.microsoft.com/office/drawing/2010/main" w="9525">
                     <a:solidFill>
                       <a:srgbClr val="000000"/>
                     </a:solidFill>
@@ -9725,7 +9725,7 @@
               </a:ln>
               <a:extLst>
                 <a:ext uri="{91240B29-F687-4f45-9708-019B960494DF}">
-                  <a14:hiddenLine xmlns:a14="http://schemas.microsoft.com/office/drawing/2010/main" xmlns="" w="9525">
+                  <a14:hiddenLine xmlns="" xmlns:a14="http://schemas.microsoft.com/office/drawing/2010/main" w="9525">
                     <a:solidFill>
                       <a:srgbClr val="000000"/>
                     </a:solidFill>
@@ -9815,7 +9815,7 @@
               </a:ln>
               <a:extLst>
                 <a:ext uri="{91240B29-F687-4f45-9708-019B960494DF}">
-                  <a14:hiddenLine xmlns:a14="http://schemas.microsoft.com/office/drawing/2010/main" xmlns="" w="9525">
+                  <a14:hiddenLine xmlns="" xmlns:a14="http://schemas.microsoft.com/office/drawing/2010/main" w="9525">
                     <a:solidFill>
                       <a:srgbClr val="000000"/>
                     </a:solidFill>
@@ -9877,7 +9877,7 @@
               </a:ln>
               <a:extLst>
                 <a:ext uri="{91240B29-F687-4f45-9708-019B960494DF}">
-                  <a14:hiddenLine xmlns:a14="http://schemas.microsoft.com/office/drawing/2010/main" xmlns="" w="9525">
+                  <a14:hiddenLine xmlns="" xmlns:a14="http://schemas.microsoft.com/office/drawing/2010/main" w="9525">
                     <a:solidFill>
                       <a:srgbClr val="000000"/>
                     </a:solidFill>
@@ -9987,7 +9987,7 @@
               </a:ln>
               <a:extLst>
                 <a:ext uri="{91240B29-F687-4f45-9708-019B960494DF}">
-                  <a14:hiddenLine xmlns:a14="http://schemas.microsoft.com/office/drawing/2010/main" xmlns="" w="9525">
+                  <a14:hiddenLine xmlns="" xmlns:a14="http://schemas.microsoft.com/office/drawing/2010/main" w="9525">
                     <a:solidFill>
                       <a:srgbClr val="000000"/>
                     </a:solidFill>
@@ -10071,7 +10071,7 @@
               </a:ln>
               <a:extLst>
                 <a:ext uri="{91240B29-F687-4f45-9708-019B960494DF}">
-                  <a14:hiddenLine xmlns:a14="http://schemas.microsoft.com/office/drawing/2010/main" xmlns="" w="9525">
+                  <a14:hiddenLine xmlns="" xmlns:a14="http://schemas.microsoft.com/office/drawing/2010/main" w="9525">
                     <a:solidFill>
                       <a:srgbClr val="000000"/>
                     </a:solidFill>
@@ -10133,7 +10133,7 @@
               </a:ln>
               <a:extLst>
                 <a:ext uri="{91240B29-F687-4f45-9708-019B960494DF}">
-                  <a14:hiddenLine xmlns:a14="http://schemas.microsoft.com/office/drawing/2010/main" xmlns="" w="9525">
+                  <a14:hiddenLine xmlns="" xmlns:a14="http://schemas.microsoft.com/office/drawing/2010/main" w="9525">
                     <a:solidFill>
                       <a:srgbClr val="000000"/>
                     </a:solidFill>
@@ -10195,7 +10195,7 @@
               </a:ln>
               <a:extLst>
                 <a:ext uri="{91240B29-F687-4f45-9708-019B960494DF}">
-                  <a14:hiddenLine xmlns:a14="http://schemas.microsoft.com/office/drawing/2010/main" xmlns="" w="9525">
+                  <a14:hiddenLine xmlns="" xmlns:a14="http://schemas.microsoft.com/office/drawing/2010/main" w="9525">
                     <a:solidFill>
                       <a:srgbClr val="000000"/>
                     </a:solidFill>
@@ -10285,7 +10285,7 @@
               </a:ln>
               <a:extLst>
                 <a:ext uri="{91240B29-F687-4f45-9708-019B960494DF}">
-                  <a14:hiddenLine xmlns:a14="http://schemas.microsoft.com/office/drawing/2010/main" xmlns="" w="9525">
+                  <a14:hiddenLine xmlns="" xmlns:a14="http://schemas.microsoft.com/office/drawing/2010/main" w="9525">
                     <a:solidFill>
                       <a:srgbClr val="000000"/>
                     </a:solidFill>
@@ -10319,7 +10319,7 @@
               </a:ln>
               <a:extLst>
                 <a:ext uri="{91240B29-F687-4f45-9708-019B960494DF}">
-                  <a14:hiddenLine xmlns:a14="http://schemas.microsoft.com/office/drawing/2010/main" xmlns="" w="9525">
+                  <a14:hiddenLine xmlns="" xmlns:a14="http://schemas.microsoft.com/office/drawing/2010/main" w="9525">
                     <a:solidFill>
                       <a:srgbClr val="000000"/>
                     </a:solidFill>
@@ -10384,7 +10384,7 @@
               </a:ln>
               <a:extLst>
                 <a:ext uri="{91240B29-F687-4f45-9708-019B960494DF}">
-                  <a14:hiddenLine xmlns:a14="http://schemas.microsoft.com/office/drawing/2010/main" xmlns="" w="9525">
+                  <a14:hiddenLine xmlns="" xmlns:a14="http://schemas.microsoft.com/office/drawing/2010/main" w="9525">
                     <a:solidFill>
                       <a:srgbClr val="000000"/>
                     </a:solidFill>
@@ -10474,7 +10474,7 @@
               </a:ln>
               <a:extLst>
                 <a:ext uri="{91240B29-F687-4f45-9708-019B960494DF}">
-                  <a14:hiddenLine xmlns:a14="http://schemas.microsoft.com/office/drawing/2010/main" xmlns="" w="9525">
+                  <a14:hiddenLine xmlns="" xmlns:a14="http://schemas.microsoft.com/office/drawing/2010/main" w="9525">
                     <a:solidFill>
                       <a:srgbClr val="000000"/>
                     </a:solidFill>
@@ -10536,7 +10536,7 @@
               </a:ln>
               <a:extLst>
                 <a:ext uri="{91240B29-F687-4f45-9708-019B960494DF}">
-                  <a14:hiddenLine xmlns:a14="http://schemas.microsoft.com/office/drawing/2010/main" xmlns="" w="9525">
+                  <a14:hiddenLine xmlns="" xmlns:a14="http://schemas.microsoft.com/office/drawing/2010/main" w="9525">
                     <a:solidFill>
                       <a:srgbClr val="000000"/>
                     </a:solidFill>
@@ -10626,7 +10626,7 @@
               </a:ln>
               <a:extLst>
                 <a:ext uri="{91240B29-F687-4f45-9708-019B960494DF}">
-                  <a14:hiddenLine xmlns:a14="http://schemas.microsoft.com/office/drawing/2010/main" xmlns="" w="9525">
+                  <a14:hiddenLine xmlns="" xmlns:a14="http://schemas.microsoft.com/office/drawing/2010/main" w="9525">
                     <a:solidFill>
                       <a:srgbClr val="000000"/>
                     </a:solidFill>
@@ -10691,7 +10691,7 @@
               </a:ln>
               <a:extLst>
                 <a:ext uri="{91240B29-F687-4f45-9708-019B960494DF}">
-                  <a14:hiddenLine xmlns:a14="http://schemas.microsoft.com/office/drawing/2010/main" xmlns="" w="9525">
+                  <a14:hiddenLine xmlns="" xmlns:a14="http://schemas.microsoft.com/office/drawing/2010/main" w="9525">
                     <a:solidFill>
                       <a:srgbClr val="000000"/>
                     </a:solidFill>
@@ -10753,7 +10753,7 @@
               </a:ln>
               <a:extLst>
                 <a:ext uri="{91240B29-F687-4f45-9708-019B960494DF}">
-                  <a14:hiddenLine xmlns:a14="http://schemas.microsoft.com/office/drawing/2010/main" xmlns="" w="9525">
+                  <a14:hiddenLine xmlns="" xmlns:a14="http://schemas.microsoft.com/office/drawing/2010/main" w="9525">
                     <a:solidFill>
                       <a:srgbClr val="000000"/>
                     </a:solidFill>
@@ -10843,7 +10843,7 @@
               </a:ln>
               <a:extLst>
                 <a:ext uri="{91240B29-F687-4f45-9708-019B960494DF}">
-                  <a14:hiddenLine xmlns:a14="http://schemas.microsoft.com/office/drawing/2010/main" xmlns="" w="9525">
+                  <a14:hiddenLine xmlns="" xmlns:a14="http://schemas.microsoft.com/office/drawing/2010/main" w="9525">
                     <a:solidFill>
                       <a:srgbClr val="000000"/>
                     </a:solidFill>
@@ -10933,7 +10933,7 @@
               </a:ln>
               <a:extLst>
                 <a:ext uri="{91240B29-F687-4f45-9708-019B960494DF}">
-                  <a14:hiddenLine xmlns:a14="http://schemas.microsoft.com/office/drawing/2010/main" xmlns="" w="9525">
+                  <a14:hiddenLine xmlns="" xmlns:a14="http://schemas.microsoft.com/office/drawing/2010/main" w="9525">
                     <a:solidFill>
                       <a:srgbClr val="000000"/>
                     </a:solidFill>
@@ -10998,7 +10998,7 @@
               </a:ln>
               <a:extLst>
                 <a:ext uri="{91240B29-F687-4f45-9708-019B960494DF}">
-                  <a14:hiddenLine xmlns:a14="http://schemas.microsoft.com/office/drawing/2010/main" xmlns="" w="9525">
+                  <a14:hiddenLine xmlns="" xmlns:a14="http://schemas.microsoft.com/office/drawing/2010/main" w="9525">
                     <a:solidFill>
                       <a:srgbClr val="000000"/>
                     </a:solidFill>
@@ -11118,7 +11118,7 @@
               </a:ln>
               <a:extLst>
                 <a:ext uri="{91240B29-F687-4f45-9708-019B960494DF}">
-                  <a14:hiddenLine xmlns:a14="http://schemas.microsoft.com/office/drawing/2010/main" xmlns="" w="9525">
+                  <a14:hiddenLine xmlns="" xmlns:a14="http://schemas.microsoft.com/office/drawing/2010/main" w="9525">
                     <a:solidFill>
                       <a:srgbClr val="000000"/>
                     </a:solidFill>
@@ -11216,7 +11216,7 @@
               </a:ln>
               <a:extLst>
                 <a:ext uri="{91240B29-F687-4f45-9708-019B960494DF}">
-                  <a14:hiddenLine xmlns:a14="http://schemas.microsoft.com/office/drawing/2010/main" xmlns="" w="9525">
+                  <a14:hiddenLine xmlns="" xmlns:a14="http://schemas.microsoft.com/office/drawing/2010/main" w="9525">
                     <a:solidFill>
                       <a:srgbClr val="000000"/>
                     </a:solidFill>
@@ -11331,7 +11331,7 @@
               </a:ln>
               <a:extLst>
                 <a:ext uri="{91240B29-F687-4f45-9708-019B960494DF}">
-                  <a14:hiddenLine xmlns:a14="http://schemas.microsoft.com/office/drawing/2010/main" xmlns="" w="9525">
+                  <a14:hiddenLine xmlns="" xmlns:a14="http://schemas.microsoft.com/office/drawing/2010/main" w="9525">
                     <a:solidFill>
                       <a:srgbClr val="000000"/>
                     </a:solidFill>
@@ -11421,7 +11421,7 @@
               </a:ln>
               <a:extLst>
                 <a:ext uri="{91240B29-F687-4f45-9708-019B960494DF}">
-                  <a14:hiddenLine xmlns:a14="http://schemas.microsoft.com/office/drawing/2010/main" xmlns="" w="9525">
+                  <a14:hiddenLine xmlns="" xmlns:a14="http://schemas.microsoft.com/office/drawing/2010/main" w="9525">
                     <a:solidFill>
                       <a:srgbClr val="000000"/>
                     </a:solidFill>
@@ -11486,7 +11486,7 @@
               </a:ln>
               <a:extLst>
                 <a:ext uri="{91240B29-F687-4f45-9708-019B960494DF}">
-                  <a14:hiddenLine xmlns:a14="http://schemas.microsoft.com/office/drawing/2010/main" xmlns="" w="9525">
+                  <a14:hiddenLine xmlns="" xmlns:a14="http://schemas.microsoft.com/office/drawing/2010/main" w="9525">
                     <a:solidFill>
                       <a:srgbClr val="000000"/>
                     </a:solidFill>
@@ -11576,7 +11576,7 @@
               </a:ln>
               <a:extLst>
                 <a:ext uri="{91240B29-F687-4f45-9708-019B960494DF}">
-                  <a14:hiddenLine xmlns:a14="http://schemas.microsoft.com/office/drawing/2010/main" xmlns="" w="9525">
+                  <a14:hiddenLine xmlns="" xmlns:a14="http://schemas.microsoft.com/office/drawing/2010/main" w="9525">
                     <a:solidFill>
                       <a:srgbClr val="000000"/>
                     </a:solidFill>
@@ -11644,7 +11644,7 @@
               </a:ln>
               <a:extLst>
                 <a:ext uri="{91240B29-F687-4f45-9708-019B960494DF}">
-                  <a14:hiddenLine xmlns:a14="http://schemas.microsoft.com/office/drawing/2010/main" xmlns="" w="9525">
+                  <a14:hiddenLine xmlns="" xmlns:a14="http://schemas.microsoft.com/office/drawing/2010/main" w="9525">
                     <a:solidFill>
                       <a:srgbClr val="000000"/>
                     </a:solidFill>
@@ -11734,7 +11734,7 @@
               </a:ln>
               <a:extLst>
                 <a:ext uri="{91240B29-F687-4f45-9708-019B960494DF}">
-                  <a14:hiddenLine xmlns:a14="http://schemas.microsoft.com/office/drawing/2010/main" xmlns="" w="9525">
+                  <a14:hiddenLine xmlns="" xmlns:a14="http://schemas.microsoft.com/office/drawing/2010/main" w="9525">
                     <a:solidFill>
                       <a:srgbClr val="000000"/>
                     </a:solidFill>
@@ -11802,7 +11802,7 @@
               </a:ln>
               <a:extLst>
                 <a:ext uri="{91240B29-F687-4f45-9708-019B960494DF}">
-                  <a14:hiddenLine xmlns:a14="http://schemas.microsoft.com/office/drawing/2010/main" xmlns="" w="9525">
+                  <a14:hiddenLine xmlns="" xmlns:a14="http://schemas.microsoft.com/office/drawing/2010/main" w="9525">
                     <a:solidFill>
                       <a:srgbClr val="000000"/>
                     </a:solidFill>
@@ -11892,7 +11892,7 @@
               </a:ln>
               <a:extLst>
                 <a:ext uri="{91240B29-F687-4f45-9708-019B960494DF}">
-                  <a14:hiddenLine xmlns:a14="http://schemas.microsoft.com/office/drawing/2010/main" xmlns="" w="9525">
+                  <a14:hiddenLine xmlns="" xmlns:a14="http://schemas.microsoft.com/office/drawing/2010/main" w="9525">
                     <a:solidFill>
                       <a:srgbClr val="000000"/>
                     </a:solidFill>
@@ -11926,7 +11926,7 @@
               </a:ln>
               <a:extLst>
                 <a:ext uri="{91240B29-F687-4f45-9708-019B960494DF}">
-                  <a14:hiddenLine xmlns:a14="http://schemas.microsoft.com/office/drawing/2010/main" xmlns="" w="9525">
+                  <a14:hiddenLine xmlns="" xmlns:a14="http://schemas.microsoft.com/office/drawing/2010/main" w="9525">
                     <a:solidFill>
                       <a:srgbClr val="000000"/>
                     </a:solidFill>
@@ -12067,7 +12067,7 @@
             <a:fld id="{B61BEF0D-F0BB-DE4B-95CE-6DB70DBA9567}" type="datetimeFigureOut">
               <a:rPr lang="en-US" smtClean="0"/>
               <a:pPr/>
-              <a:t>4/27/2015</a:t>
+              <a:t>4/28/2015</a:t>
             </a:fld>
             <a:endParaRPr lang="en-US" dirty="0"/>
           </a:p>
@@ -13915,11 +13915,6 @@
               </a:rPr>
               <a:t>We create technology to optimize energy production for the oil and gas industry.</a:t>
             </a:r>
-            <a:endParaRPr lang="en-US" sz="2000" dirty="0">
-              <a:solidFill>
-                <a:schemeClr val="bg1"/>
-              </a:solidFill>
-            </a:endParaRPr>
           </a:p>
         </p:txBody>
       </p:sp>
@@ -14858,11 +14853,7 @@
                     <a:p>
                       <a:r>
                         <a:rPr lang="en-US" dirty="0" smtClean="0"/>
-                        <a:t>ORM </a:t>
-                      </a:r>
-                      <a:r>
-                        <a:rPr lang="en-US" dirty="0" smtClean="0"/>
-                        <a:t>– EF, NHibernate</a:t>
+                        <a:t>ORM – EF, NHibernate</a:t>
                       </a:r>
                       <a:endParaRPr lang="en-US" dirty="0"/>
                     </a:p>
@@ -14949,15 +14940,7 @@
                       </a:pPr>
                       <a:r>
                         <a:rPr lang="en-US" dirty="0" smtClean="0"/>
-                        <a:t>Light ORM </a:t>
-                      </a:r>
-                      <a:r>
-                        <a:rPr lang="en-US" dirty="0" smtClean="0"/>
-                        <a:t>- </a:t>
-                      </a:r>
-                      <a:r>
-                        <a:rPr lang="en-US" dirty="0" smtClean="0"/>
-                        <a:t>Dapper</a:t>
+                        <a:t>Light ORM - Dapper</a:t>
                       </a:r>
                     </a:p>
                   </a:txBody>

--- a/SF FSharp UG. 2015-04-28/slides.pptx
+++ b/SF FSharp UG. 2015-04-28/slides.pptx
@@ -4405,7 +4405,7 @@
             <a:fld id="{B61BEF0D-F0BB-DE4B-95CE-6DB70DBA9567}" type="datetimeFigureOut">
               <a:rPr lang="en-US" smtClean="0"/>
               <a:pPr/>
-              <a:t>4/28/2015</a:t>
+              <a:t>4/29/2015</a:t>
             </a:fld>
             <a:endParaRPr lang="en-US" dirty="0"/>
           </a:p>
@@ -4674,7 +4674,7 @@
             <a:fld id="{B61BEF0D-F0BB-DE4B-95CE-6DB70DBA9567}" type="datetimeFigureOut">
               <a:rPr lang="en-US" smtClean="0"/>
               <a:pPr/>
-              <a:t>4/28/2015</a:t>
+              <a:t>4/29/2015</a:t>
             </a:fld>
             <a:endParaRPr lang="en-US" dirty="0"/>
           </a:p>
@@ -4872,7 +4872,7 @@
             <a:fld id="{B61BEF0D-F0BB-DE4B-95CE-6DB70DBA9567}" type="datetimeFigureOut">
               <a:rPr lang="en-US" smtClean="0"/>
               <a:pPr/>
-              <a:t>4/28/2015</a:t>
+              <a:t>4/29/2015</a:t>
             </a:fld>
             <a:endParaRPr lang="en-US" dirty="0"/>
           </a:p>
@@ -5137,7 +5137,7 @@
             <a:fld id="{B61BEF0D-F0BB-DE4B-95CE-6DB70DBA9567}" type="datetimeFigureOut">
               <a:rPr lang="en-US" smtClean="0"/>
               <a:pPr/>
-              <a:t>4/28/2015</a:t>
+              <a:t>4/29/2015</a:t>
             </a:fld>
             <a:endParaRPr lang="en-US" dirty="0"/>
           </a:p>
@@ -5573,7 +5573,7 @@
             <a:fld id="{B61BEF0D-F0BB-DE4B-95CE-6DB70DBA9567}" type="datetimeFigureOut">
               <a:rPr lang="en-US" smtClean="0"/>
               <a:pPr/>
-              <a:t>4/28/2015</a:t>
+              <a:t>4/29/2015</a:t>
             </a:fld>
             <a:endParaRPr lang="en-US" dirty="0"/>
           </a:p>
@@ -6121,7 +6121,7 @@
             <a:fld id="{B61BEF0D-F0BB-DE4B-95CE-6DB70DBA9567}" type="datetimeFigureOut">
               <a:rPr lang="en-US" smtClean="0"/>
               <a:pPr/>
-              <a:t>4/28/2015</a:t>
+              <a:t>4/29/2015</a:t>
             </a:fld>
             <a:endParaRPr lang="en-US" dirty="0"/>
           </a:p>
@@ -6843,7 +6843,7 @@
             <a:fld id="{B61BEF0D-F0BB-DE4B-95CE-6DB70DBA9567}" type="datetimeFigureOut">
               <a:rPr lang="en-US" smtClean="0"/>
               <a:pPr/>
-              <a:t>4/28/2015</a:t>
+              <a:t>4/29/2015</a:t>
             </a:fld>
             <a:endParaRPr lang="en-US" dirty="0"/>
           </a:p>
@@ -7015,7 +7015,7 @@
             <a:fld id="{B61BEF0D-F0BB-DE4B-95CE-6DB70DBA9567}" type="datetimeFigureOut">
               <a:rPr lang="en-US" smtClean="0"/>
               <a:pPr/>
-              <a:t>4/28/2015</a:t>
+              <a:t>4/29/2015</a:t>
             </a:fld>
             <a:endParaRPr lang="en-US" dirty="0"/>
           </a:p>
@@ -7197,7 +7197,7 @@
             <a:fld id="{B61BEF0D-F0BB-DE4B-95CE-6DB70DBA9567}" type="datetimeFigureOut">
               <a:rPr lang="en-US" smtClean="0"/>
               <a:pPr/>
-              <a:t>4/28/2015</a:t>
+              <a:t>4/29/2015</a:t>
             </a:fld>
             <a:endParaRPr lang="en-US" dirty="0"/>
           </a:p>
@@ -7369,7 +7369,7 @@
             <a:fld id="{B61BEF0D-F0BB-DE4B-95CE-6DB70DBA9567}" type="datetimeFigureOut">
               <a:rPr lang="en-US" smtClean="0"/>
               <a:pPr/>
-              <a:t>4/28/2015</a:t>
+              <a:t>4/29/2015</a:t>
             </a:fld>
             <a:endParaRPr lang="en-US" dirty="0"/>
           </a:p>
@@ -7621,7 +7621,7 @@
             <a:fld id="{B61BEF0D-F0BB-DE4B-95CE-6DB70DBA9567}" type="datetimeFigureOut">
               <a:rPr lang="en-US" smtClean="0"/>
               <a:pPr/>
-              <a:t>4/28/2015</a:t>
+              <a:t>4/29/2015</a:t>
             </a:fld>
             <a:endParaRPr lang="en-US" dirty="0"/>
           </a:p>
@@ -7855,7 +7855,7 @@
             <a:fld id="{B61BEF0D-F0BB-DE4B-95CE-6DB70DBA9567}" type="datetimeFigureOut">
               <a:rPr lang="en-US" smtClean="0"/>
               <a:pPr/>
-              <a:t>4/28/2015</a:t>
+              <a:t>4/29/2015</a:t>
             </a:fld>
             <a:endParaRPr lang="en-US" dirty="0"/>
           </a:p>
@@ -8238,7 +8238,7 @@
             <a:fld id="{B61BEF0D-F0BB-DE4B-95CE-6DB70DBA9567}" type="datetimeFigureOut">
               <a:rPr lang="en-US" smtClean="0"/>
               <a:pPr/>
-              <a:t>4/28/2015</a:t>
+              <a:t>4/29/2015</a:t>
             </a:fld>
             <a:endParaRPr lang="en-US" dirty="0"/>
           </a:p>
@@ -8358,7 +8358,7 @@
             <a:fld id="{B61BEF0D-F0BB-DE4B-95CE-6DB70DBA9567}" type="datetimeFigureOut">
               <a:rPr lang="en-US" smtClean="0"/>
               <a:pPr/>
-              <a:t>4/28/2015</a:t>
+              <a:t>4/29/2015</a:t>
             </a:fld>
             <a:endParaRPr lang="en-US" dirty="0"/>
           </a:p>
@@ -8455,7 +8455,7 @@
             <a:fld id="{B61BEF0D-F0BB-DE4B-95CE-6DB70DBA9567}" type="datetimeFigureOut">
               <a:rPr lang="en-US" smtClean="0"/>
               <a:pPr/>
-              <a:t>4/28/2015</a:t>
+              <a:t>4/29/2015</a:t>
             </a:fld>
             <a:endParaRPr lang="en-US" dirty="0"/>
           </a:p>
@@ -8706,7 +8706,7 @@
             <a:fld id="{B61BEF0D-F0BB-DE4B-95CE-6DB70DBA9567}" type="datetimeFigureOut">
               <a:rPr lang="en-US" smtClean="0"/>
               <a:pPr/>
-              <a:t>4/28/2015</a:t>
+              <a:t>4/29/2015</a:t>
             </a:fld>
             <a:endParaRPr lang="en-US" dirty="0"/>
           </a:p>
@@ -8988,7 +8988,7 @@
             <a:fld id="{B61BEF0D-F0BB-DE4B-95CE-6DB70DBA9567}" type="datetimeFigureOut">
               <a:rPr lang="en-US" smtClean="0"/>
               <a:pPr/>
-              <a:t>4/28/2015</a:t>
+              <a:t>4/29/2015</a:t>
             </a:fld>
             <a:endParaRPr lang="en-US" dirty="0"/>
           </a:p>
@@ -12067,7 +12067,7 @@
             <a:fld id="{B61BEF0D-F0BB-DE4B-95CE-6DB70DBA9567}" type="datetimeFigureOut">
               <a:rPr lang="en-US" smtClean="0"/>
               <a:pPr/>
-              <a:t>4/28/2015</a:t>
+              <a:t>4/29/2015</a:t>
             </a:fld>
             <a:endParaRPr lang="en-US" dirty="0"/>
           </a:p>
@@ -12682,7 +12682,15 @@
           <a:p>
             <a:r>
               <a:rPr lang="en-US" dirty="0" smtClean="0"/>
-              <a:t>T-SQL syntax errors at runtime !!!</a:t>
+              <a:t>T-SQL syntax errors at </a:t>
+            </a:r>
+            <a:r>
+              <a:rPr lang="en-US" dirty="0" smtClean="0"/>
+              <a:t>design-time </a:t>
+            </a:r>
+            <a:r>
+              <a:rPr lang="en-US" dirty="0" smtClean="0"/>
+              <a:t>!!!</a:t>
             </a:r>
           </a:p>
           <a:p>
@@ -14140,7 +14148,15 @@
           <a:p>
             <a:r>
               <a:rPr lang="en-US" dirty="0" smtClean="0"/>
-              <a:t>F# - number 14 as of today. Moved up a lot since July 2013</a:t>
+              <a:t>F# - </a:t>
+            </a:r>
+            <a:r>
+              <a:rPr lang="en-US" smtClean="0"/>
+              <a:t>number 16 </a:t>
+            </a:r>
+            <a:r>
+              <a:rPr lang="en-US" dirty="0" smtClean="0"/>
+              <a:t>as of today. Moved up a lot since July 2013</a:t>
             </a:r>
           </a:p>
           <a:p>
